--- a/posters_and_slides/NWDS_2023_Talk.pptx
+++ b/posters_and_slides/NWDS_2023_Talk.pptx
@@ -14,9 +14,9 @@
     <p:sldId id="296" r:id="rId2"/>
     <p:sldId id="658" r:id="rId3"/>
     <p:sldId id="659" r:id="rId4"/>
-    <p:sldId id="649" r:id="rId5"/>
-    <p:sldId id="505" r:id="rId6"/>
-    <p:sldId id="660" r:id="rId7"/>
+    <p:sldId id="651" r:id="rId5"/>
+    <p:sldId id="649" r:id="rId6"/>
+    <p:sldId id="505" r:id="rId7"/>
     <p:sldId id="661" r:id="rId8"/>
     <p:sldId id="605" r:id="rId9"/>
     <p:sldId id="594" r:id="rId10"/>
@@ -296,7 +296,7 @@
           <a:p>
             <a:fld id="{51CB09B3-5157-3D44-BCBF-48921DC5308C}" type="datetimeFigureOut">
               <a:rPr lang="en-US" smtClean="0"/>
-              <a:t>5/11/23</a:t>
+              <a:t>5/12/23</a:t>
             </a:fld>
             <a:endParaRPr lang="en-US" dirty="0"/>
           </a:p>
@@ -474,7 +474,7 @@
           <a:p>
             <a:fld id="{B4946490-D9C2-884C-8377-1704A87F15BA}" type="datetimeFigureOut">
               <a:rPr lang="en-US" smtClean="0"/>
-              <a:t>5/11/23</a:t>
+              <a:t>5/12/23</a:t>
             </a:fld>
             <a:endParaRPr lang="en-US" dirty="0"/>
           </a:p>
@@ -850,7 +850,23 @@
           <a:bodyPr/>
           <a:lstStyle/>
           <a:p>
-            <a:pPr rtl="0"/>
+            <a:pPr marL="0" marR="0" lvl="0" indent="0" algn="l" defTabSz="914400" rtl="0" eaLnBrk="1" fontAlgn="auto" latinLnBrk="0" hangingPunct="1">
+              <a:lnSpc>
+                <a:spcPct val="100000"/>
+              </a:lnSpc>
+              <a:spcBef>
+                <a:spcPts val="0"/>
+              </a:spcBef>
+              <a:spcAft>
+                <a:spcPts val="0"/>
+              </a:spcAft>
+              <a:buClrTx/>
+              <a:buSzTx/>
+              <a:buFontTx/>
+              <a:buNone/>
+              <a:tabLst/>
+              <a:defRPr/>
+            </a:pPr>
             <a:r>
               <a:rPr lang="en-US" sz="1200" b="0" i="0" u="none" strike="noStrike" kern="1200" dirty="0">
                 <a:solidFill>
@@ -861,83 +877,11 @@
                 <a:ea typeface="+mn-ea"/>
                 <a:cs typeface="+mn-cs"/>
               </a:rPr>
-              <a:t>Now the third stage ranks the discriminative profiles based on a benefit score. </a:t>
-            </a:r>
-          </a:p>
-          <a:p>
-            <a:pPr rtl="0"/>
-            <a:endParaRPr lang="en-US" sz="1200" b="0" i="0" u="none" strike="noStrike" kern="1200" dirty="0">
-              <a:solidFill>
-                <a:schemeClr val="tx1"/>
-              </a:solidFill>
-              <a:effectLst/>
-              <a:latin typeface="+mn-lt"/>
-              <a:ea typeface="+mn-ea"/>
-              <a:cs typeface="+mn-cs"/>
-            </a:endParaRPr>
-          </a:p>
-          <a:p>
-            <a:pPr rtl="0"/>
-            <a:r>
-              <a:rPr lang="en-US" sz="1200" b="0" i="0" u="none" strike="noStrike" kern="1200" dirty="0">
-                <a:solidFill>
-                  <a:schemeClr val="tx1"/>
-                </a:solidFill>
-                <a:effectLst/>
-                <a:latin typeface="+mn-lt"/>
-                <a:ea typeface="+mn-ea"/>
-                <a:cs typeface="+mn-cs"/>
-              </a:rPr>
-              <a:t>This score captures the likelihood that malfunction score would change if a profile is intervened. Specifically, the benefit of a profile is the violation score of the failing dataset times the fraction of tuples that are transformed by the PVTs transformation. </a:t>
+              <a:t>The high level intuition of constructing this graph is that attributes some issues such as incorrect format or mistakes generally have multiple discriminative profiles connected to it. Therefore, profiles that are connected to a high degree attributes in this graph are considered as possible culprits first.</a:t>
             </a:r>
             <a:endParaRPr lang="en-US" b="0" dirty="0">
               <a:effectLst/>
             </a:endParaRPr>
-          </a:p>
-          <a:p>
-            <a:pPr rtl="0"/>
-            <a:r>
-              <a:rPr lang="en-US" sz="1200" b="0" i="0" u="none" strike="noStrike" kern="1200" dirty="0">
-                <a:solidFill>
-                  <a:schemeClr val="tx1"/>
-                </a:solidFill>
-                <a:effectLst/>
-                <a:latin typeface="+mn-lt"/>
-                <a:ea typeface="+mn-ea"/>
-                <a:cs typeface="+mn-cs"/>
-              </a:rPr>
-              <a:t>We show the benefit scores of different PVTs in this table. </a:t>
-            </a:r>
-            <a:endParaRPr lang="en-US" b="0" dirty="0">
-              <a:effectLst/>
-            </a:endParaRPr>
-          </a:p>
-          <a:p>
-            <a:pPr rtl="0"/>
-            <a:br>
-              <a:rPr lang="en-US" dirty="0"/>
-            </a:br>
-            <a:r>
-              <a:rPr lang="en-US" sz="1200" b="0" i="0" u="none" strike="noStrike" kern="1200" dirty="0">
-                <a:solidFill>
-                  <a:schemeClr val="tx1"/>
-                </a:solidFill>
-                <a:effectLst/>
-                <a:latin typeface="+mn-lt"/>
-                <a:ea typeface="+mn-ea"/>
-                <a:cs typeface="+mn-cs"/>
-              </a:rPr>
-              <a:t>In the subsequent stage, highest scoring PVT which is Correlation between sex and income is considered for intervention.</a:t>
-            </a:r>
-            <a:endParaRPr lang="en-US" b="0" dirty="0">
-              <a:effectLst/>
-            </a:endParaRPr>
-          </a:p>
-          <a:p>
-            <a:br>
-              <a:rPr lang="en-US" dirty="0"/>
-            </a:br>
-            <a:endParaRPr lang="en-US" dirty="0"/>
           </a:p>
           <a:p>
             <a:endParaRPr lang="en-US" dirty="0"/>
@@ -947,7 +891,7 @@
     </p:spTree>
     <p:extLst>
       <p:ext uri="{BB962C8B-B14F-4D97-AF65-F5344CB8AC3E}">
-        <p14:creationId xmlns:p14="http://schemas.microsoft.com/office/powerpoint/2010/main" val="1192652719"/>
+        <p14:creationId xmlns:p14="http://schemas.microsoft.com/office/powerpoint/2010/main" val="387061960"/>
       </p:ext>
     </p:extLst>
   </p:cSld>
@@ -1001,17 +945,104 @@
           <a:bodyPr/>
           <a:lstStyle/>
           <a:p>
-            <a:r>
+            <a:pPr rtl="0"/>
+            <a:r>
+              <a:rPr lang="en-US" sz="1200" b="0" i="0" u="none" strike="noStrike" kern="1200" dirty="0">
+                <a:solidFill>
+                  <a:schemeClr val="tx1"/>
+                </a:solidFill>
+                <a:effectLst/>
+                <a:latin typeface="+mn-lt"/>
+                <a:ea typeface="+mn-ea"/>
+                <a:cs typeface="+mn-cs"/>
+              </a:rPr>
+              <a:t>Now the third stage ranks the discriminative profiles based on a benefit score. </a:t>
+            </a:r>
+          </a:p>
+          <a:p>
+            <a:pPr rtl="0"/>
+            <a:endParaRPr lang="en-US" sz="1200" b="0" i="0" u="none" strike="noStrike" kern="1200" dirty="0">
+              <a:solidFill>
+                <a:schemeClr val="tx1"/>
+              </a:solidFill>
+              <a:effectLst/>
+              <a:latin typeface="+mn-lt"/>
+              <a:ea typeface="+mn-ea"/>
+              <a:cs typeface="+mn-cs"/>
+            </a:endParaRPr>
+          </a:p>
+          <a:p>
+            <a:pPr rtl="0"/>
+            <a:r>
+              <a:rPr lang="en-US" sz="1200" b="0" i="0" u="none" strike="noStrike" kern="1200" dirty="0">
+                <a:solidFill>
+                  <a:schemeClr val="tx1"/>
+                </a:solidFill>
+                <a:effectLst/>
+                <a:latin typeface="+mn-lt"/>
+                <a:ea typeface="+mn-ea"/>
+                <a:cs typeface="+mn-cs"/>
+              </a:rPr>
+              <a:t>This score captures the likelihood that malfunction score would change if a profile is intervened. Specifically, the benefit of a profile is the violation score of the failing dataset times the fraction of tuples that are transformed by the PVTs transformation. </a:t>
+            </a:r>
+            <a:endParaRPr lang="en-US" b="0" dirty="0">
+              <a:effectLst/>
+            </a:endParaRPr>
+          </a:p>
+          <a:p>
+            <a:pPr rtl="0"/>
+            <a:r>
+              <a:rPr lang="en-US" sz="1200" b="0" i="0" u="none" strike="noStrike" kern="1200" dirty="0">
+                <a:solidFill>
+                  <a:schemeClr val="tx1"/>
+                </a:solidFill>
+                <a:effectLst/>
+                <a:latin typeface="+mn-lt"/>
+                <a:ea typeface="+mn-ea"/>
+                <a:cs typeface="+mn-cs"/>
+              </a:rPr>
+              <a:t>We show the benefit scores of different PVTs in this table. </a:t>
+            </a:r>
+            <a:endParaRPr lang="en-US" b="0" dirty="0">
+              <a:effectLst/>
+            </a:endParaRPr>
+          </a:p>
+          <a:p>
+            <a:pPr rtl="0"/>
+            <a:br>
               <a:rPr lang="en-US" dirty="0"/>
-              <a:t>To verify whether some data profile indeed causes system malfunction, we take an interventional approach.</a:t>
-            </a:r>
+            </a:br>
+            <a:r>
+              <a:rPr lang="en-US" sz="1200" b="0" i="0" u="none" strike="noStrike" kern="1200" dirty="0">
+                <a:solidFill>
+                  <a:schemeClr val="tx1"/>
+                </a:solidFill>
+                <a:effectLst/>
+                <a:latin typeface="+mn-lt"/>
+                <a:ea typeface="+mn-ea"/>
+                <a:cs typeface="+mn-cs"/>
+              </a:rPr>
+              <a:t>In the subsequent stage, highest scoring PVT which is Correlation between sex and income is considered for intervention.</a:t>
+            </a:r>
+            <a:endParaRPr lang="en-US" b="0" dirty="0">
+              <a:effectLst/>
+            </a:endParaRPr>
+          </a:p>
+          <a:p>
+            <a:br>
+              <a:rPr lang="en-US" dirty="0"/>
+            </a:br>
+            <a:endParaRPr lang="en-US" dirty="0"/>
+          </a:p>
+          <a:p>
+            <a:endParaRPr lang="en-US" dirty="0"/>
           </a:p>
         </p:txBody>
       </p:sp>
     </p:spTree>
     <p:extLst>
       <p:ext uri="{BB962C8B-B14F-4D97-AF65-F5344CB8AC3E}">
-        <p14:creationId xmlns:p14="http://schemas.microsoft.com/office/powerpoint/2010/main" val="870587209"/>
+        <p14:creationId xmlns:p14="http://schemas.microsoft.com/office/powerpoint/2010/main" val="1192652719"/>
       </p:ext>
     </p:extLst>
   </p:cSld>
@@ -1065,6 +1096,70 @@
           <a:bodyPr/>
           <a:lstStyle/>
           <a:p>
+            <a:r>
+              <a:rPr lang="en-US" dirty="0"/>
+              <a:t>To verify whether some data profile indeed causes system malfunction, we take an interventional approach.</a:t>
+            </a:r>
+          </a:p>
+        </p:txBody>
+      </p:sp>
+    </p:spTree>
+    <p:extLst>
+      <p:ext uri="{BB962C8B-B14F-4D97-AF65-F5344CB8AC3E}">
+        <p14:creationId xmlns:p14="http://schemas.microsoft.com/office/powerpoint/2010/main" val="870587209"/>
+      </p:ext>
+    </p:extLst>
+  </p:cSld>
+  <p:clrMapOvr>
+    <a:masterClrMapping/>
+  </p:clrMapOvr>
+</p:notes>
+</file>
+
+<file path=ppt/notesSlides/notesSlide13.xml><?xml version="1.0" encoding="utf-8"?>
+<p:notes xmlns:a="http://schemas.openxmlformats.org/drawingml/2006/main" xmlns:r="http://schemas.openxmlformats.org/officeDocument/2006/relationships" xmlns:p="http://schemas.openxmlformats.org/presentationml/2006/main">
+  <p:cSld>
+    <p:spTree>
+      <p:nvGrpSpPr>
+        <p:cNvPr id="1" name=""/>
+        <p:cNvGrpSpPr/>
+        <p:nvPr/>
+      </p:nvGrpSpPr>
+      <p:grpSpPr>
+        <a:xfrm>
+          <a:off x="0" y="0"/>
+          <a:ext cx="0" cy="0"/>
+          <a:chOff x="0" y="0"/>
+          <a:chExt cx="0" cy="0"/>
+        </a:xfrm>
+      </p:grpSpPr>
+      <p:sp>
+        <p:nvSpPr>
+          <p:cNvPr id="2" name="Slide Image Placeholder 1"/>
+          <p:cNvSpPr>
+            <a:spLocks noGrp="1" noRot="1" noChangeAspect="1"/>
+          </p:cNvSpPr>
+          <p:nvPr>
+            <p:ph type="sldImg"/>
+          </p:nvPr>
+        </p:nvSpPr>
+        <p:spPr/>
+      </p:sp>
+      <p:sp>
+        <p:nvSpPr>
+          <p:cNvPr id="3" name="Notes Placeholder 2"/>
+          <p:cNvSpPr>
+            <a:spLocks noGrp="1"/>
+          </p:cNvSpPr>
+          <p:nvPr>
+            <p:ph type="body" idx="1"/>
+          </p:nvPr>
+        </p:nvSpPr>
+        <p:spPr/>
+        <p:txBody>
+          <a:bodyPr/>
+          <a:lstStyle/>
+          <a:p>
             <a:endParaRPr lang="en-US" dirty="0"/>
           </a:p>
         </p:txBody>
@@ -1082,7 +1177,7 @@
 </p:notes>
 </file>
 
-<file path=ppt/notesSlides/notesSlide13.xml><?xml version="1.0" encoding="utf-8"?>
+<file path=ppt/notesSlides/notesSlide14.xml><?xml version="1.0" encoding="utf-8"?>
 <p:notes xmlns:a="http://schemas.openxmlformats.org/drawingml/2006/main" xmlns:r="http://schemas.openxmlformats.org/officeDocument/2006/relationships" xmlns:p="http://schemas.openxmlformats.org/presentationml/2006/main">
   <p:cSld>
     <p:spTree>
@@ -1462,32 +1557,6 @@
               <a:t> can suggest skincare solutions and it’s correct. On one hand, this would be an amazing technological advancement, on the other hand, I just felt very skeptical before putting anything on my own skin based on what an AI is suggesting? Why because I still don’t trust AI that much!</a:t>
             </a:r>
           </a:p>
-          <a:p>
-            <a:endParaRPr lang="en-US" sz="1200" b="0" i="0" kern="1200" dirty="0">
-              <a:solidFill>
-                <a:schemeClr val="tx1"/>
-              </a:solidFill>
-              <a:effectLst/>
-              <a:latin typeface="+mn-lt"/>
-              <a:ea typeface="+mn-ea"/>
-              <a:cs typeface="+mn-cs"/>
-            </a:endParaRPr>
-          </a:p>
-          <a:p>
-            <a:r>
-              <a:rPr lang="en-US" sz="1200" b="0" i="0" kern="1200" dirty="0">
-                <a:solidFill>
-                  <a:schemeClr val="tx1"/>
-                </a:solidFill>
-                <a:effectLst/>
-                <a:latin typeface="+mn-lt"/>
-                <a:ea typeface="+mn-ea"/>
-                <a:cs typeface="+mn-cs"/>
-              </a:rPr>
-              <a:t>So the ultimate goal of my research is to meet the users of data systems where they are. I want to bring the data systems closer to their users. </a:t>
-            </a:r>
-            <a:endParaRPr lang="en-US" dirty="0"/>
-          </a:p>
         </p:txBody>
       </p:sp>
     </p:spTree>
@@ -1547,35 +1616,6 @@
           <a:bodyPr/>
           <a:lstStyle/>
           <a:p>
-            <a:r>
-              <a:rPr lang="en-US" dirty="0"/>
-              <a:t>For instance, </a:t>
-            </a:r>
-            <a:r>
-              <a:rPr lang="en-US" sz="1200" b="0" i="0" kern="1200" dirty="0">
-                <a:solidFill>
-                  <a:schemeClr val="tx1"/>
-                </a:solidFill>
-                <a:effectLst/>
-                <a:latin typeface="+mn-lt"/>
-                <a:ea typeface="+mn-ea"/>
-                <a:cs typeface="+mn-cs"/>
-              </a:rPr>
-              <a:t>with respect to data-driven systems, we all become curious about understanding and repairing bugs that relate to the impact that data has on the system. I am not simply talking about errors in the data, but, rather, cases where data may lead to system malfunction due to a disconnect between properties of the data and the system design.  </a:t>
-            </a:r>
-          </a:p>
-          <a:p>
-            <a:endParaRPr lang="en-US" sz="1200" b="0" i="0" kern="1200" dirty="0">
-              <a:solidFill>
-                <a:schemeClr val="tx1"/>
-              </a:solidFill>
-              <a:effectLst/>
-              <a:latin typeface="+mn-lt"/>
-              <a:ea typeface="+mn-ea"/>
-              <a:cs typeface="+mn-cs"/>
-            </a:endParaRPr>
-          </a:p>
-          <a:p>
             <a:pPr marL="0" marR="0" lvl="0" indent="0" algn="l" defTabSz="914400" rtl="0" eaLnBrk="1" fontAlgn="auto" latinLnBrk="0" hangingPunct="1">
               <a:lnSpc>
                 <a:spcPct val="100000"/>
@@ -1594,16 +1634,99 @@
               <a:defRPr/>
             </a:pPr>
             <a:r>
+              <a:rPr lang="en-US" sz="1200" b="0" i="0" kern="1200" dirty="0">
+                <a:solidFill>
+                  <a:schemeClr val="tx1"/>
+                </a:solidFill>
+                <a:effectLst/>
+                <a:latin typeface="+mn-lt"/>
+                <a:ea typeface="+mn-ea"/>
+                <a:cs typeface="+mn-cs"/>
+              </a:rPr>
+              <a:t>So the ultimate goal of my research is to meet the users of data systems where they are. I want to bring the data systems closer to their users.</a:t>
+            </a:r>
+            <a:endParaRPr lang="en-US" dirty="0"/>
+          </a:p>
+          <a:p>
+            <a:endParaRPr lang="en-US" dirty="0"/>
+          </a:p>
+          <a:p>
+            <a:r>
               <a:rPr lang="en-US" dirty="0"/>
-              <a:t>For example, when a system is designed to handle data in the US format, but the data is formatted in the say Australian format, neither the data is wrong, nor is the system, but there is a mismatch between what the system expects from the data. The goal of this project is to identify such mismatches.</a:t>
-            </a:r>
+              <a:t>$ Research in designing and developing systems focus on many dimensions. This diagram here is by no means exhaustive, rather just a few examples of those criteria. </a:t>
+            </a:r>
+          </a:p>
+          <a:p>
+            <a:endParaRPr lang="en-US" dirty="0"/>
+          </a:p>
+          <a:p>
+            <a:r>
+              <a:rPr lang="en-US" dirty="0"/>
+              <a:t>One is correctness, such as prediction accuracy of ML models or proper functioning of database management systems.</a:t>
+            </a:r>
+          </a:p>
+          <a:p>
+            <a:endParaRPr lang="en-US" dirty="0"/>
+          </a:p>
+          <a:p>
+            <a:r>
+              <a:rPr lang="en-US" dirty="0"/>
+              <a:t>Another important dimension is runtime performance, we want systems to be efficient and scalable. </a:t>
+            </a:r>
+          </a:p>
+          <a:p>
+            <a:endParaRPr lang="en-US" dirty="0"/>
+          </a:p>
+          <a:p>
+            <a:r>
+              <a:rPr lang="en-US" dirty="0"/>
+              <a:t>The focus of my research is on the dimension of user-centeredness, which demands a system to be easily accessible, </a:t>
+            </a:r>
+            <a:r>
+              <a:rPr lang="en-US" dirty="0" err="1"/>
+              <a:t>debuggable</a:t>
+            </a:r>
+            <a:r>
+              <a:rPr lang="en-US" dirty="0"/>
+              <a:t>, explainable, understandable, transparent, fair, and so on and so forth.</a:t>
+            </a:r>
+          </a:p>
+          <a:p>
+            <a:endParaRPr lang="en-US" dirty="0"/>
+          </a:p>
+          <a:p>
+            <a:r>
+              <a:rPr lang="en-US" dirty="0"/>
+              <a:t>$ HCI is a leading area that focuses on some of these, but HCI research mostly focuses on understanding user needs, interface design, visualization and so on. But often, there is little to no support in terms of the underlying technology to support user needs.</a:t>
+            </a:r>
+          </a:p>
+          <a:p>
+            <a:endParaRPr lang="en-US" dirty="0"/>
+          </a:p>
+          <a:p>
+            <a:r>
+              <a:rPr lang="en-US" dirty="0"/>
+              <a:t>$ On the other hand, systems research focuses on the technology, architecture, and algorithm to build effective and efficient systems, but often overlooks the user-centered aspects. </a:t>
+            </a:r>
+          </a:p>
+          <a:p>
+            <a:endParaRPr lang="en-US" dirty="0"/>
+          </a:p>
+          <a:p>
+            <a:r>
+              <a:rPr lang="en-US" dirty="0"/>
+              <a:t>$ As a result, there is a gap between these two lines of research, and I want to bridge this gap by building technology that empowers the users of data systems. I see this as the missing piece of the puzzle. </a:t>
+            </a:r>
+          </a:p>
+          <a:p>
+            <a:endParaRPr lang="en-US" dirty="0"/>
           </a:p>
         </p:txBody>
       </p:sp>
     </p:spTree>
     <p:extLst>
       <p:ext uri="{BB962C8B-B14F-4D97-AF65-F5344CB8AC3E}">
-        <p14:creationId xmlns:p14="http://schemas.microsoft.com/office/powerpoint/2010/main" val="1709497379"/>
+        <p14:creationId xmlns:p14="http://schemas.microsoft.com/office/powerpoint/2010/main" val="2195597966"/>
       </p:ext>
     </p:extLst>
   </p:cSld>
@@ -1657,6 +1780,35 @@
           <a:bodyPr/>
           <a:lstStyle/>
           <a:p>
+            <a:r>
+              <a:rPr lang="en-US" dirty="0"/>
+              <a:t>For instance, </a:t>
+            </a:r>
+            <a:r>
+              <a:rPr lang="en-US" sz="1200" b="0" i="0" kern="1200" dirty="0">
+                <a:solidFill>
+                  <a:schemeClr val="tx1"/>
+                </a:solidFill>
+                <a:effectLst/>
+                <a:latin typeface="+mn-lt"/>
+                <a:ea typeface="+mn-ea"/>
+                <a:cs typeface="+mn-cs"/>
+              </a:rPr>
+              <a:t>with respect to data-driven systems, we all become curious about understanding and repairing bugs that relate to the impact that data has on the system. I am not simply talking about errors in the data, but, rather, cases where data may lead to system malfunction due to a disconnect between properties of the data and the system design.  </a:t>
+            </a:r>
+          </a:p>
+          <a:p>
+            <a:endParaRPr lang="en-US" sz="1200" b="0" i="0" kern="1200" dirty="0">
+              <a:solidFill>
+                <a:schemeClr val="tx1"/>
+              </a:solidFill>
+              <a:effectLst/>
+              <a:latin typeface="+mn-lt"/>
+              <a:ea typeface="+mn-ea"/>
+              <a:cs typeface="+mn-cs"/>
+            </a:endParaRPr>
+          </a:p>
+          <a:p>
             <a:pPr marL="0" marR="0" lvl="0" indent="0" algn="l" defTabSz="914400" rtl="0" eaLnBrk="1" fontAlgn="auto" latinLnBrk="0" hangingPunct="1">
               <a:lnSpc>
                 <a:spcPct val="100000"/>
@@ -1675,102 +1827,9 @@
               <a:defRPr/>
             </a:pPr>
             <a:r>
-              <a:rPr lang="en-US" sz="1200" b="0" i="0" kern="1200" dirty="0" err="1">
-                <a:solidFill>
-                  <a:schemeClr val="tx1"/>
-                </a:solidFill>
-                <a:effectLst/>
-                <a:latin typeface="+mn-lt"/>
-                <a:ea typeface="+mn-ea"/>
-                <a:cs typeface="+mn-cs"/>
-              </a:rPr>
-              <a:t>DataPrism</a:t>
-            </a:r>
-            <a:r>
-              <a:rPr lang="en-US" sz="1200" b="0" i="0" kern="1200" dirty="0">
-                <a:solidFill>
-                  <a:schemeClr val="tx1"/>
-                </a:solidFill>
-                <a:effectLst/>
-                <a:latin typeface="+mn-lt"/>
-                <a:ea typeface="+mn-ea"/>
-                <a:cs typeface="+mn-cs"/>
-              </a:rPr>
-              <a:t> is about investigating where data may lead to system malfunction due to a disconnect between properties of the data and the system design. This is a joint work with </a:t>
-            </a:r>
-            <a:r>
-              <a:rPr lang="en-US" sz="1200" b="0" i="0" kern="1200" dirty="0" err="1">
-                <a:solidFill>
-                  <a:schemeClr val="tx1"/>
-                </a:solidFill>
-                <a:effectLst/>
-                <a:latin typeface="+mn-lt"/>
-                <a:ea typeface="+mn-ea"/>
-                <a:cs typeface="+mn-cs"/>
-              </a:rPr>
-              <a:t>Sainyam</a:t>
-            </a:r>
-            <a:r>
-              <a:rPr lang="en-US" sz="1200" b="0" i="0" kern="1200" dirty="0">
-                <a:solidFill>
-                  <a:schemeClr val="tx1"/>
-                </a:solidFill>
-                <a:effectLst/>
-                <a:latin typeface="+mn-lt"/>
-                <a:ea typeface="+mn-ea"/>
-                <a:cs typeface="+mn-cs"/>
-              </a:rPr>
-              <a:t>, </a:t>
-            </a:r>
-            <a:r>
-              <a:rPr lang="en-US" sz="1200" b="0" i="0" kern="1200" dirty="0" err="1">
-                <a:solidFill>
-                  <a:schemeClr val="tx1"/>
-                </a:solidFill>
-                <a:effectLst/>
-                <a:latin typeface="+mn-lt"/>
-                <a:ea typeface="+mn-ea"/>
-                <a:cs typeface="+mn-cs"/>
-              </a:rPr>
-              <a:t>Raoni</a:t>
-            </a:r>
-            <a:r>
-              <a:rPr lang="en-US" sz="1200" b="0" i="0" kern="1200" dirty="0">
-                <a:solidFill>
-                  <a:schemeClr val="tx1"/>
-                </a:solidFill>
-                <a:effectLst/>
-                <a:latin typeface="+mn-lt"/>
-                <a:ea typeface="+mn-ea"/>
-                <a:cs typeface="+mn-cs"/>
-              </a:rPr>
-              <a:t>, Juliana, Alexandra, and </a:t>
-            </a:r>
-            <a:r>
-              <a:rPr lang="en-US" sz="1200" b="0" i="0" kern="1200" dirty="0" err="1">
-                <a:solidFill>
-                  <a:schemeClr val="tx1"/>
-                </a:solidFill>
-                <a:effectLst/>
-                <a:latin typeface="+mn-lt"/>
-                <a:ea typeface="+mn-ea"/>
-                <a:cs typeface="+mn-cs"/>
-              </a:rPr>
-              <a:t>Divesh</a:t>
-            </a:r>
-            <a:r>
-              <a:rPr lang="en-US" sz="1200" b="0" i="0" kern="1200" dirty="0">
-                <a:solidFill>
-                  <a:schemeClr val="tx1"/>
-                </a:solidFill>
-                <a:effectLst/>
-                <a:latin typeface="+mn-lt"/>
-                <a:ea typeface="+mn-ea"/>
-                <a:cs typeface="+mn-cs"/>
-              </a:rPr>
-              <a:t>.</a:t>
-            </a:r>
-            <a:endParaRPr lang="en-US" dirty="0"/>
+              <a:rPr lang="en-US" dirty="0"/>
+              <a:t>For example, when a system is designed to handle data in the US format, but the data is formatted in the say Australian format, neither the data is wrong, nor is the system, but there is a mismatch between what the system expects from the data. </a:t>
+            </a:r>
           </a:p>
           <a:p>
             <a:pPr marL="0" marR="0" lvl="0" indent="0" algn="l" defTabSz="914400" rtl="0" eaLnBrk="1" fontAlgn="auto" latinLnBrk="0" hangingPunct="1">
@@ -1793,14 +1852,34 @@
             <a:endParaRPr lang="en-US" dirty="0"/>
           </a:p>
           <a:p>
-            <a:endParaRPr lang="en-US" dirty="0"/>
+            <a:pPr marL="0" marR="0" lvl="0" indent="0" algn="l" defTabSz="914400" rtl="0" eaLnBrk="1" fontAlgn="auto" latinLnBrk="0" hangingPunct="1">
+              <a:lnSpc>
+                <a:spcPct val="100000"/>
+              </a:lnSpc>
+              <a:spcBef>
+                <a:spcPts val="0"/>
+              </a:spcBef>
+              <a:spcAft>
+                <a:spcPts val="0"/>
+              </a:spcAft>
+              <a:buClrTx/>
+              <a:buSzTx/>
+              <a:buFontTx/>
+              <a:buNone/>
+              <a:tabLst/>
+              <a:defRPr/>
+            </a:pPr>
+            <a:r>
+              <a:rPr lang="en-US" dirty="0"/>
+              <a:t>The goal of this project is to identify such mismatches.</a:t>
+            </a:r>
           </a:p>
         </p:txBody>
       </p:sp>
     </p:spTree>
     <p:extLst>
       <p:ext uri="{BB962C8B-B14F-4D97-AF65-F5344CB8AC3E}">
-        <p14:creationId xmlns:p14="http://schemas.microsoft.com/office/powerpoint/2010/main" val="1921214398"/>
+        <p14:creationId xmlns:p14="http://schemas.microsoft.com/office/powerpoint/2010/main" val="1709497379"/>
       </p:ext>
     </p:extLst>
   </p:cSld>
@@ -1854,53 +1933,150 @@
           <a:bodyPr/>
           <a:lstStyle/>
           <a:p>
-            <a:r>
-              <a:rPr lang="en-US" dirty="0"/>
-              <a:t>Let’s take a closer look on another example. I am using here US census dataset to predict income of individuals. The first dataset looks like this. I use it to train an ML model that can predict Income. Now an important and auxiliary goal of machine learning is to ensure fairness over sensitive attributes, such as race or sex. So during my training, I make sure certain precautions are taken to make sure sensitive attributes are not visible to the model. For example, I can simply omit the attribute “sex” so that the model doesn’t even see individual’s sex. Since the model is completely unaware of the attribute sex, my expectation is that it won’t discriminate against sex, and indeed I see only 8% unfairness in the prediction which is pretty low.</a:t>
-            </a:r>
-          </a:p>
-          <a:p>
+            <a:pPr marL="0" marR="0" lvl="0" indent="0" algn="l" defTabSz="914400" rtl="0" eaLnBrk="1" fontAlgn="auto" latinLnBrk="0" hangingPunct="1">
+              <a:lnSpc>
+                <a:spcPct val="100000"/>
+              </a:lnSpc>
+              <a:spcBef>
+                <a:spcPts val="0"/>
+              </a:spcBef>
+              <a:spcAft>
+                <a:spcPts val="0"/>
+              </a:spcAft>
+              <a:buClrTx/>
+              <a:buSzTx/>
+              <a:buFontTx/>
+              <a:buNone/>
+              <a:tabLst/>
+              <a:defRPr/>
+            </a:pPr>
+            <a:r>
+              <a:rPr lang="en-US" sz="1200" b="0" i="0" kern="1200" dirty="0" err="1">
+                <a:solidFill>
+                  <a:schemeClr val="tx1"/>
+                </a:solidFill>
+                <a:effectLst/>
+                <a:latin typeface="+mn-lt"/>
+                <a:ea typeface="+mn-ea"/>
+                <a:cs typeface="+mn-cs"/>
+              </a:rPr>
+              <a:t>DataPrism</a:t>
+            </a:r>
+            <a:r>
+              <a:rPr lang="en-US" sz="1200" b="0" i="0" kern="1200" dirty="0">
+                <a:solidFill>
+                  <a:schemeClr val="tx1"/>
+                </a:solidFill>
+                <a:effectLst/>
+                <a:latin typeface="+mn-lt"/>
+                <a:ea typeface="+mn-ea"/>
+                <a:cs typeface="+mn-cs"/>
+              </a:rPr>
+              <a:t> is about investigating where data may lead to system malfunction due to a disconnect between properties of the data and the system design. This is a joint work with </a:t>
+            </a:r>
+            <a:r>
+              <a:rPr lang="en-US" sz="1200" b="0" i="0" kern="1200" dirty="0" err="1">
+                <a:solidFill>
+                  <a:schemeClr val="tx1"/>
+                </a:solidFill>
+                <a:effectLst/>
+                <a:latin typeface="+mn-lt"/>
+                <a:ea typeface="+mn-ea"/>
+                <a:cs typeface="+mn-cs"/>
+              </a:rPr>
+              <a:t>Sainyam</a:t>
+            </a:r>
+            <a:r>
+              <a:rPr lang="en-US" sz="1200" b="0" i="0" kern="1200" dirty="0">
+                <a:solidFill>
+                  <a:schemeClr val="tx1"/>
+                </a:solidFill>
+                <a:effectLst/>
+                <a:latin typeface="+mn-lt"/>
+                <a:ea typeface="+mn-ea"/>
+                <a:cs typeface="+mn-cs"/>
+              </a:rPr>
+              <a:t>, </a:t>
+            </a:r>
+            <a:r>
+              <a:rPr lang="en-US" sz="1200" b="0" i="0" kern="1200" dirty="0" err="1">
+                <a:solidFill>
+                  <a:schemeClr val="tx1"/>
+                </a:solidFill>
+                <a:effectLst/>
+                <a:latin typeface="+mn-lt"/>
+                <a:ea typeface="+mn-ea"/>
+                <a:cs typeface="+mn-cs"/>
+              </a:rPr>
+              <a:t>Raoni</a:t>
+            </a:r>
+            <a:r>
+              <a:rPr lang="en-US" sz="1200" b="0" i="0" kern="1200" dirty="0">
+                <a:solidFill>
+                  <a:schemeClr val="tx1"/>
+                </a:solidFill>
+                <a:effectLst/>
+                <a:latin typeface="+mn-lt"/>
+                <a:ea typeface="+mn-ea"/>
+                <a:cs typeface="+mn-cs"/>
+              </a:rPr>
+              <a:t>, Juliana, Alexandra, and </a:t>
+            </a:r>
+            <a:r>
+              <a:rPr lang="en-US" sz="1200" b="0" i="0" kern="1200" dirty="0" err="1">
+                <a:solidFill>
+                  <a:schemeClr val="tx1"/>
+                </a:solidFill>
+                <a:effectLst/>
+                <a:latin typeface="+mn-lt"/>
+                <a:ea typeface="+mn-ea"/>
+                <a:cs typeface="+mn-cs"/>
+              </a:rPr>
+              <a:t>Divesh</a:t>
+            </a:r>
+            <a:r>
+              <a:rPr lang="en-US" sz="1200" b="0" i="0" kern="1200" dirty="0">
+                <a:solidFill>
+                  <a:schemeClr val="tx1"/>
+                </a:solidFill>
+                <a:effectLst/>
+                <a:latin typeface="+mn-lt"/>
+                <a:ea typeface="+mn-ea"/>
+                <a:cs typeface="+mn-cs"/>
+              </a:rPr>
+              <a:t>.</a:t>
+            </a:r>
             <a:endParaRPr lang="en-US" dirty="0"/>
           </a:p>
           <a:p>
-            <a:r>
-              <a:rPr lang="en-US" dirty="0"/>
-              <a:t>So I am now happy with my strategy to remove the attribute sex altogether from the data and the trained model seems to be working pretty fairly if I do so, right?</a:t>
-            </a:r>
-          </a:p>
-          <a:p>
+            <a:pPr marL="0" marR="0" lvl="0" indent="0" algn="l" defTabSz="914400" rtl="0" eaLnBrk="1" fontAlgn="auto" latinLnBrk="0" hangingPunct="1">
+              <a:lnSpc>
+                <a:spcPct val="100000"/>
+              </a:lnSpc>
+              <a:spcBef>
+                <a:spcPts val="0"/>
+              </a:spcBef>
+              <a:spcAft>
+                <a:spcPts val="0"/>
+              </a:spcAft>
+              <a:buClrTx/>
+              <a:buSzTx/>
+              <a:buFontTx/>
+              <a:buNone/>
+              <a:tabLst/>
+              <a:defRPr/>
+            </a:pPr>
             <a:endParaRPr lang="en-US" dirty="0"/>
           </a:p>
           <a:p>
-            <a:r>
-              <a:rPr lang="en-US" dirty="0"/>
-              <a:t>Now I have a similar dataset, with a quick look, the distribution looks similar, there are 50% male, 50% female, 50% black, 50% white, 50% married and 50% unmarried. Looks good, right? So I do the exact same thing, drop the sex attribute and train an ML model and try to predict the income. But this time, I fail! My ML model is about 95% unfair!</a:t>
-            </a:r>
-          </a:p>
-          <a:p>
             <a:endParaRPr lang="en-US" dirty="0"/>
-          </a:p>
-          <a:p>
-            <a:r>
-              <a:rPr lang="en-US" dirty="0"/>
-              <a:t>I dig deeper and this is what I find! Actually, in the first dataset, there were unmarried females and unmarried males, also married females and married males. But in my new dataset, all females happen to be unmarried and all males happen to be married. So what’s going on here is that the model somehow is using marital status as a “proxy” of a person’s sex, and in turn, is using that to predict their income, which turns out to be highly unfair against females.</a:t>
-            </a:r>
-          </a:p>
-          <a:p>
-            <a:endParaRPr lang="en-US" dirty="0"/>
-          </a:p>
-          <a:p>
-            <a:r>
-              <a:rPr lang="en-US" dirty="0"/>
-              <a:t>So what’s really happening here?</a:t>
-            </a:r>
           </a:p>
         </p:txBody>
       </p:sp>
     </p:spTree>
     <p:extLst>
       <p:ext uri="{BB962C8B-B14F-4D97-AF65-F5344CB8AC3E}">
-        <p14:creationId xmlns:p14="http://schemas.microsoft.com/office/powerpoint/2010/main" val="1510174226"/>
+        <p14:creationId xmlns:p14="http://schemas.microsoft.com/office/powerpoint/2010/main" val="1921214398"/>
       </p:ext>
     </p:extLst>
   </p:cSld>
@@ -1954,14 +2130,53 @@
           <a:bodyPr/>
           <a:lstStyle/>
           <a:p>
+            <a:r>
+              <a:rPr lang="en-US" dirty="0"/>
+              <a:t>Let’s take a closer look on another example. I am using here US census dataset to predict income of individuals. The first dataset looks like this. I use it to train an ML model that can predict Income. Now an important and auxiliary goal of machine learning is to ensure fairness over sensitive attributes, such as race or sex. So during my training, I make sure certain precautions are taken to make sure sensitive attributes are not visible to the model. For example, I can simply omit the attribute “sex” so that the model doesn’t even see individual’s sex. Since the model is completely unaware of the attribute sex, my expectation is that it won’t discriminate against sex, and indeed I see only 8% unfairness in the prediction which is pretty low.</a:t>
+            </a:r>
+          </a:p>
+          <a:p>
             <a:endParaRPr lang="en-US" dirty="0"/>
+          </a:p>
+          <a:p>
+            <a:r>
+              <a:rPr lang="en-US" dirty="0"/>
+              <a:t>So I am now happy with my strategy to remove the attribute sex altogether from the data and the trained model seems to be working pretty fairly if I do so, right?</a:t>
+            </a:r>
+          </a:p>
+          <a:p>
+            <a:endParaRPr lang="en-US" dirty="0"/>
+          </a:p>
+          <a:p>
+            <a:r>
+              <a:rPr lang="en-US" dirty="0"/>
+              <a:t>Now I have a similar dataset, with a quick look, the distribution looks similar, there are 50% male, 50% female, 50% black, 50% white, 50% married and 50% unmarried. Looks good, right? So I do the exact same thing, drop the sex attribute and train an ML model and try to predict the income. But this time, I fail! My ML model is about 95% unfair!</a:t>
+            </a:r>
+          </a:p>
+          <a:p>
+            <a:endParaRPr lang="en-US" dirty="0"/>
+          </a:p>
+          <a:p>
+            <a:r>
+              <a:rPr lang="en-US" dirty="0"/>
+              <a:t>I dig deeper and this is what I find! Actually, in the first dataset, there were unmarried females and unmarried males, also married females and married males. But in my new dataset, all females happen to be unmarried and all males happen to be married. So what’s going on here is that the model somehow is using marital status as a “proxy” of a person’s sex, and in turn, is using that to predict their income, which turns out to be highly unfair against females.</a:t>
+            </a:r>
+          </a:p>
+          <a:p>
+            <a:endParaRPr lang="en-US" dirty="0"/>
+          </a:p>
+          <a:p>
+            <a:r>
+              <a:rPr lang="en-US" dirty="0"/>
+              <a:t>So what’s really happening here?</a:t>
+            </a:r>
           </a:p>
         </p:txBody>
       </p:sp>
     </p:spTree>
     <p:extLst>
       <p:ext uri="{BB962C8B-B14F-4D97-AF65-F5344CB8AC3E}">
-        <p14:creationId xmlns:p14="http://schemas.microsoft.com/office/powerpoint/2010/main" val="357599838"/>
+        <p14:creationId xmlns:p14="http://schemas.microsoft.com/office/powerpoint/2010/main" val="1510174226"/>
       </p:ext>
     </p:extLst>
   </p:cSld>
@@ -2015,17 +2230,14 @@
           <a:bodyPr/>
           <a:lstStyle/>
           <a:p>
-            <a:r>
-              <a:rPr lang="en-US" dirty="0"/>
-              <a:t>The key idea here is to blame the data, more specifically, certain data profiles for causing system malfunctions.</a:t>
-            </a:r>
+            <a:endParaRPr lang="en-US" dirty="0"/>
           </a:p>
         </p:txBody>
       </p:sp>
     </p:spTree>
     <p:extLst>
       <p:ext uri="{BB962C8B-B14F-4D97-AF65-F5344CB8AC3E}">
-        <p14:creationId xmlns:p14="http://schemas.microsoft.com/office/powerpoint/2010/main" val="2674089780"/>
+        <p14:creationId xmlns:p14="http://schemas.microsoft.com/office/powerpoint/2010/main" val="357599838"/>
       </p:ext>
     </p:extLst>
   </p:cSld>
@@ -2079,48 +2291,17 @@
           <a:bodyPr/>
           <a:lstStyle/>
           <a:p>
-            <a:pPr marL="0" marR="0" lvl="0" indent="0" algn="l" defTabSz="914400" rtl="0" eaLnBrk="1" fontAlgn="auto" latinLnBrk="0" hangingPunct="1">
-              <a:lnSpc>
-                <a:spcPct val="100000"/>
-              </a:lnSpc>
-              <a:spcBef>
-                <a:spcPts val="0"/>
-              </a:spcBef>
-              <a:spcAft>
-                <a:spcPts val="0"/>
-              </a:spcAft>
-              <a:buClrTx/>
-              <a:buSzTx/>
-              <a:buFontTx/>
-              <a:buNone/>
-              <a:tabLst/>
-              <a:defRPr/>
-            </a:pPr>
-            <a:r>
-              <a:rPr lang="en-US" sz="1200" b="0" i="0" u="none" strike="noStrike" kern="1200" dirty="0">
-                <a:solidFill>
-                  <a:schemeClr val="tx1"/>
-                </a:solidFill>
-                <a:effectLst/>
-                <a:latin typeface="+mn-lt"/>
-                <a:ea typeface="+mn-ea"/>
-                <a:cs typeface="+mn-cs"/>
-              </a:rPr>
-              <a:t>The high level intuition of constructing this graph is that attributes some issues such as incorrect format or mistakes generally have multiple discriminative profiles connected to it. Therefore, profiles that are connected to a high degree attributes in this graph are considered as possible culprits first.</a:t>
-            </a:r>
-            <a:endParaRPr lang="en-US" b="0" dirty="0">
-              <a:effectLst/>
-            </a:endParaRPr>
-          </a:p>
-          <a:p>
-            <a:endParaRPr lang="en-US" dirty="0"/>
+            <a:r>
+              <a:rPr lang="en-US" dirty="0"/>
+              <a:t>The key idea here is to blame the data, more specifically, certain data profiles for causing system malfunctions.</a:t>
+            </a:r>
           </a:p>
         </p:txBody>
       </p:sp>
     </p:spTree>
     <p:extLst>
       <p:ext uri="{BB962C8B-B14F-4D97-AF65-F5344CB8AC3E}">
-        <p14:creationId xmlns:p14="http://schemas.microsoft.com/office/powerpoint/2010/main" val="387061960"/>
+        <p14:creationId xmlns:p14="http://schemas.microsoft.com/office/powerpoint/2010/main" val="2674089780"/>
       </p:ext>
     </p:extLst>
   </p:cSld>
@@ -9906,7 +10087,7 @@
             <a:r>
               <a:rPr lang="en-US" sz="5200" dirty="0">
                 <a:solidFill>
-                  <a:schemeClr val="tx1"/>
+                  <a:schemeClr val="tx2"/>
                 </a:solidFill>
                 <a:latin typeface="+mj-lt"/>
                 <a:ea typeface="+mj-ea"/>
@@ -9919,7 +10100,7 @@
             <a:r>
               <a:rPr lang="en-US" sz="5200" dirty="0">
                 <a:solidFill>
-                  <a:schemeClr val="tx1"/>
+                  <a:schemeClr val="tx2"/>
                 </a:solidFill>
                 <a:latin typeface="+mj-lt"/>
                 <a:ea typeface="+mj-ea"/>
@@ -9930,7 +10111,9 @@
             <a:r>
               <a:rPr lang="en-US" sz="5200" dirty="0">
                 <a:solidFill>
-                  <a:schemeClr val="accent1"/>
+                  <a:schemeClr val="accent6">
+                    <a:lumMod val="75000"/>
+                  </a:schemeClr>
                 </a:solidFill>
                 <a:latin typeface="+mj-lt"/>
                 <a:ea typeface="+mj-ea"/>
@@ -9941,7 +10124,7 @@
             <a:r>
               <a:rPr lang="en-US" sz="5200" dirty="0">
                 <a:solidFill>
-                  <a:schemeClr val="tx1"/>
+                  <a:schemeClr val="tx2"/>
                 </a:solidFill>
                 <a:latin typeface="+mj-lt"/>
                 <a:ea typeface="+mj-ea"/>
@@ -10529,7 +10712,7 @@
           <a:p>
             <a:r>
               <a:rPr lang="en-US" dirty="0"/>
-              <a:t>Step 4: Data profile intervention</a:t>
+              <a:t>Step 4: Verify causes using intervention</a:t>
             </a:r>
           </a:p>
         </p:txBody>
@@ -10673,7 +10856,7 @@
           <a:p>
             <a:r>
               <a:rPr lang="en-US" dirty="0"/>
-              <a:t>Step 4: Key ideas of data intervention</a:t>
+              <a:t>Step 4: Key idea of profile intervention</a:t>
             </a:r>
           </a:p>
         </p:txBody>
@@ -13057,7 +13240,27 @@
                 <a:latin typeface="Times New Roman" panose="02020603050405020304" pitchFamily="18" charset="0"/>
                 <a:cs typeface="Times New Roman" panose="02020603050405020304" pitchFamily="18" charset="0"/>
               </a:rPr>
-              <a:t> produces a causally verified explanation of malfunction</a:t>
+              <a:t> produces a </a:t>
+            </a:r>
+            <a:r>
+              <a:rPr lang="en-US" sz="2400" b="1" dirty="0">
+                <a:solidFill>
+                  <a:srgbClr val="0070C0"/>
+                </a:solidFill>
+                <a:latin typeface="Times New Roman" panose="02020603050405020304" pitchFamily="18" charset="0"/>
+                <a:cs typeface="Times New Roman" panose="02020603050405020304" pitchFamily="18" charset="0"/>
+              </a:rPr>
+              <a:t>causally verified </a:t>
+            </a:r>
+            <a:r>
+              <a:rPr lang="en-US" sz="2400" dirty="0">
+                <a:solidFill>
+                  <a:schemeClr val="tx1"/>
+                </a:solidFill>
+                <a:latin typeface="Times New Roman" panose="02020603050405020304" pitchFamily="18" charset="0"/>
+                <a:cs typeface="Times New Roman" panose="02020603050405020304" pitchFamily="18" charset="0"/>
+              </a:rPr>
+              <a:t>explanation of malfunction.</a:t>
             </a:r>
           </a:p>
         </p:txBody>
@@ -13126,7 +13329,27 @@
                 <a:latin typeface="Times New Roman" panose="02020603050405020304" pitchFamily="18" charset="0"/>
                 <a:cs typeface="Times New Roman" panose="02020603050405020304" pitchFamily="18" charset="0"/>
               </a:rPr>
-              <a:t> requires fewer interventions than group testing and other debugging techniques</a:t>
+              <a:t> requires </a:t>
+            </a:r>
+            <a:r>
+              <a:rPr lang="en-US" sz="2400" b="1" dirty="0">
+                <a:solidFill>
+                  <a:srgbClr val="0070C0"/>
+                </a:solidFill>
+                <a:latin typeface="Times New Roman" panose="02020603050405020304" pitchFamily="18" charset="0"/>
+                <a:cs typeface="Times New Roman" panose="02020603050405020304" pitchFamily="18" charset="0"/>
+              </a:rPr>
+              <a:t>fewer interventions </a:t>
+            </a:r>
+            <a:r>
+              <a:rPr lang="en-US" sz="2400" dirty="0">
+                <a:solidFill>
+                  <a:schemeClr val="tx1"/>
+                </a:solidFill>
+                <a:latin typeface="Times New Roman" panose="02020603050405020304" pitchFamily="18" charset="0"/>
+                <a:cs typeface="Times New Roman" panose="02020603050405020304" pitchFamily="18" charset="0"/>
+              </a:rPr>
+              <a:t>than other techniques.</a:t>
             </a:r>
           </a:p>
         </p:txBody>
@@ -13334,7 +13557,7 @@
             <a:r>
               <a:rPr lang="en-US" sz="3200" dirty="0">
                 <a:solidFill>
-                  <a:schemeClr val="tx1"/>
+                  <a:schemeClr val="tx2"/>
                 </a:solidFill>
                 <a:latin typeface="+mj-lt"/>
                 <a:ea typeface="+mj-ea"/>
@@ -13347,7 +13570,7 @@
             <a:r>
               <a:rPr lang="en-US" sz="3200" dirty="0">
                 <a:solidFill>
-                  <a:schemeClr val="tx1"/>
+                  <a:schemeClr val="tx2"/>
                 </a:solidFill>
                 <a:latin typeface="+mj-lt"/>
                 <a:ea typeface="+mj-ea"/>
@@ -13358,7 +13581,7 @@
             <a:r>
               <a:rPr lang="en-US" sz="3200" dirty="0">
                 <a:solidFill>
-                  <a:schemeClr val="accent1"/>
+                  <a:schemeClr val="accent6"/>
                 </a:solidFill>
                 <a:latin typeface="+mj-lt"/>
                 <a:ea typeface="+mj-ea"/>
@@ -13369,7 +13592,7 @@
             <a:r>
               <a:rPr lang="en-US" sz="3200" dirty="0">
                 <a:solidFill>
-                  <a:schemeClr val="tx1"/>
+                  <a:schemeClr val="tx2"/>
                 </a:solidFill>
                 <a:latin typeface="+mj-lt"/>
                 <a:ea typeface="+mj-ea"/>
@@ -14042,8 +14265,12 @@
           <a:lstStyle/>
           <a:p>
             <a:r>
-              <a:rPr lang="en-US" dirty="0"/>
-              <a:t>Support for explanation in the design layer</a:t>
+              <a:rPr lang="en-US" sz="2800" dirty="0">
+                <a:solidFill>
+                  <a:schemeClr val="tx2"/>
+                </a:solidFill>
+              </a:rPr>
+              <a:t>Bringing data systems closer to the users</a:t>
             </a:r>
           </a:p>
         </p:txBody>
@@ -14072,6 +14299,1211 @@
             <a:fld id="{4740AEA5-A348-2949-9B8B-EA763C54C64D}" type="slidenum">
               <a:rPr lang="en-US" smtClean="0"/>
               <a:t>4</a:t>
+            </a:fld>
+            <a:endParaRPr lang="en-US" dirty="0"/>
+          </a:p>
+        </p:txBody>
+      </p:sp>
+      <p:grpSp>
+        <p:nvGrpSpPr>
+          <p:cNvPr id="5" name="Group 4">
+            <a:extLst>
+              <a:ext uri="{FF2B5EF4-FFF2-40B4-BE49-F238E27FC236}">
+                <a16:creationId xmlns:a16="http://schemas.microsoft.com/office/drawing/2014/main" id="{93F827C5-397C-B242-B493-1CE3FDF27221}"/>
+              </a:ext>
+            </a:extLst>
+          </p:cNvPr>
+          <p:cNvGrpSpPr/>
+          <p:nvPr/>
+        </p:nvGrpSpPr>
+        <p:grpSpPr>
+          <a:xfrm>
+            <a:off x="109094" y="3459634"/>
+            <a:ext cx="3573559" cy="2941323"/>
+            <a:chOff x="193465" y="1869317"/>
+            <a:chExt cx="3784833" cy="4050997"/>
+          </a:xfrm>
+        </p:grpSpPr>
+        <p:cxnSp>
+          <p:nvCxnSpPr>
+            <p:cNvPr id="6" name="Straight Arrow Connector 5">
+              <a:extLst>
+                <a:ext uri="{FF2B5EF4-FFF2-40B4-BE49-F238E27FC236}">
+                  <a16:creationId xmlns:a16="http://schemas.microsoft.com/office/drawing/2014/main" id="{D6F27064-8241-9D49-A5E2-9C5B4CF6EA19}"/>
+                </a:ext>
+              </a:extLst>
+            </p:cNvPr>
+            <p:cNvCxnSpPr>
+              <a:cxnSpLocks/>
+            </p:cNvCxnSpPr>
+            <p:nvPr/>
+          </p:nvCxnSpPr>
+          <p:spPr>
+            <a:xfrm>
+              <a:off x="1538587" y="4398431"/>
+              <a:ext cx="2408733" cy="0"/>
+            </a:xfrm>
+            <a:prstGeom prst="straightConnector1">
+              <a:avLst/>
+            </a:prstGeom>
+            <a:ln w="25400">
+              <a:solidFill>
+                <a:schemeClr val="tx1"/>
+              </a:solidFill>
+              <a:tailEnd type="triangle" w="lg" len="lg"/>
+            </a:ln>
+          </p:spPr>
+          <p:style>
+            <a:lnRef idx="1">
+              <a:schemeClr val="accent1"/>
+            </a:lnRef>
+            <a:fillRef idx="0">
+              <a:schemeClr val="accent1"/>
+            </a:fillRef>
+            <a:effectRef idx="0">
+              <a:schemeClr val="accent1"/>
+            </a:effectRef>
+            <a:fontRef idx="minor">
+              <a:schemeClr val="tx1"/>
+            </a:fontRef>
+          </p:style>
+        </p:cxnSp>
+        <p:cxnSp>
+          <p:nvCxnSpPr>
+            <p:cNvPr id="7" name="Straight Arrow Connector 6">
+              <a:extLst>
+                <a:ext uri="{FF2B5EF4-FFF2-40B4-BE49-F238E27FC236}">
+                  <a16:creationId xmlns:a16="http://schemas.microsoft.com/office/drawing/2014/main" id="{C759096F-8B41-9E4F-A56B-B6882ECE512B}"/>
+                </a:ext>
+              </a:extLst>
+            </p:cNvPr>
+            <p:cNvCxnSpPr>
+              <a:cxnSpLocks/>
+            </p:cNvCxnSpPr>
+            <p:nvPr/>
+          </p:nvCxnSpPr>
+          <p:spPr>
+            <a:xfrm flipV="1">
+              <a:off x="1538587" y="1869317"/>
+              <a:ext cx="0" cy="2529116"/>
+            </a:xfrm>
+            <a:prstGeom prst="straightConnector1">
+              <a:avLst/>
+            </a:prstGeom>
+            <a:ln w="25400">
+              <a:solidFill>
+                <a:schemeClr val="tx1"/>
+              </a:solidFill>
+              <a:tailEnd type="triangle" w="lg" len="lg"/>
+            </a:ln>
+          </p:spPr>
+          <p:style>
+            <a:lnRef idx="1">
+              <a:schemeClr val="accent1"/>
+            </a:lnRef>
+            <a:fillRef idx="0">
+              <a:schemeClr val="accent1"/>
+            </a:fillRef>
+            <a:effectRef idx="0">
+              <a:schemeClr val="accent1"/>
+            </a:effectRef>
+            <a:fontRef idx="minor">
+              <a:schemeClr val="tx1"/>
+            </a:fontRef>
+          </p:style>
+        </p:cxnSp>
+        <p:cxnSp>
+          <p:nvCxnSpPr>
+            <p:cNvPr id="8" name="Straight Arrow Connector 7">
+              <a:extLst>
+                <a:ext uri="{FF2B5EF4-FFF2-40B4-BE49-F238E27FC236}">
+                  <a16:creationId xmlns:a16="http://schemas.microsoft.com/office/drawing/2014/main" id="{B8118C53-643B-CD4D-B365-B5797728EEDF}"/>
+                </a:ext>
+              </a:extLst>
+            </p:cNvPr>
+            <p:cNvCxnSpPr>
+              <a:cxnSpLocks/>
+            </p:cNvCxnSpPr>
+            <p:nvPr/>
+          </p:nvCxnSpPr>
+          <p:spPr>
+            <a:xfrm flipH="1">
+              <a:off x="236763" y="4398431"/>
+              <a:ext cx="1301825" cy="1521883"/>
+            </a:xfrm>
+            <a:prstGeom prst="straightConnector1">
+              <a:avLst/>
+            </a:prstGeom>
+            <a:ln w="25400">
+              <a:solidFill>
+                <a:schemeClr val="tx1"/>
+              </a:solidFill>
+              <a:tailEnd type="triangle" w="lg" len="lg"/>
+            </a:ln>
+          </p:spPr>
+          <p:style>
+            <a:lnRef idx="1">
+              <a:schemeClr val="accent1"/>
+            </a:lnRef>
+            <a:fillRef idx="0">
+              <a:schemeClr val="accent1"/>
+            </a:fillRef>
+            <a:effectRef idx="0">
+              <a:schemeClr val="accent1"/>
+            </a:effectRef>
+            <a:fontRef idx="minor">
+              <a:schemeClr val="tx1"/>
+            </a:fontRef>
+          </p:style>
+        </p:cxnSp>
+        <p:sp>
+          <p:nvSpPr>
+            <p:cNvPr id="9" name="TextBox 8">
+              <a:extLst>
+                <a:ext uri="{FF2B5EF4-FFF2-40B4-BE49-F238E27FC236}">
+                  <a16:creationId xmlns:a16="http://schemas.microsoft.com/office/drawing/2014/main" id="{28FAA6C4-F658-8E43-A764-60324F2BACEB}"/>
+                </a:ext>
+              </a:extLst>
+            </p:cNvPr>
+            <p:cNvSpPr txBox="1"/>
+            <p:nvPr/>
+          </p:nvSpPr>
+          <p:spPr>
+            <a:xfrm>
+              <a:off x="1381054" y="4389204"/>
+              <a:ext cx="2597244" cy="1197494"/>
+            </a:xfrm>
+            <a:prstGeom prst="rect">
+              <a:avLst/>
+            </a:prstGeom>
+            <a:noFill/>
+          </p:spPr>
+          <p:txBody>
+            <a:bodyPr wrap="square" rtlCol="0">
+              <a:spAutoFit/>
+            </a:bodyPr>
+            <a:lstStyle/>
+            <a:p>
+              <a:pPr algn="ctr"/>
+              <a:r>
+                <a:rPr lang="en-US" sz="1600" b="1" dirty="0"/>
+                <a:t>User-centeredness</a:t>
+              </a:r>
+            </a:p>
+            <a:p>
+              <a:pPr algn="ctr"/>
+              <a:endParaRPr lang="en-US" sz="300" dirty="0"/>
+            </a:p>
+            <a:p>
+              <a:pPr algn="ctr"/>
+              <a:r>
+                <a:rPr lang="en-US" sz="1050" dirty="0">
+                  <a:solidFill>
+                    <a:srgbClr val="0070C0"/>
+                  </a:solidFill>
+                </a:rPr>
+                <a:t>debuggability</a:t>
+              </a:r>
+              <a:r>
+                <a:rPr lang="en-US" sz="1050" dirty="0"/>
+                <a:t>, </a:t>
+              </a:r>
+              <a:r>
+                <a:rPr lang="en-US" sz="1050" dirty="0">
+                  <a:solidFill>
+                    <a:schemeClr val="accent2">
+                      <a:lumMod val="75000"/>
+                    </a:schemeClr>
+                  </a:solidFill>
+                </a:rPr>
+                <a:t>usability</a:t>
+              </a:r>
+              <a:r>
+                <a:rPr lang="en-US" sz="1050" dirty="0"/>
+                <a:t>, </a:t>
+              </a:r>
+              <a:r>
+                <a:rPr lang="en-US" sz="1050" dirty="0">
+                  <a:solidFill>
+                    <a:srgbClr val="0070C0"/>
+                  </a:solidFill>
+                </a:rPr>
+                <a:t>explainability</a:t>
+              </a:r>
+              <a:r>
+                <a:rPr lang="en-US" sz="1050" dirty="0"/>
+                <a:t> </a:t>
+              </a:r>
+              <a:r>
+                <a:rPr lang="en-US" sz="1050" dirty="0">
+                  <a:solidFill>
+                    <a:srgbClr val="00B050"/>
+                  </a:solidFill>
+                </a:rPr>
+                <a:t>understandability</a:t>
+              </a:r>
+              <a:r>
+                <a:rPr lang="en-US" sz="1050" dirty="0"/>
+                <a:t>, </a:t>
+              </a:r>
+              <a:r>
+                <a:rPr lang="en-US" sz="1050" dirty="0">
+                  <a:solidFill>
+                    <a:schemeClr val="accent1"/>
+                  </a:solidFill>
+                </a:rPr>
+                <a:t>transparency, </a:t>
+              </a:r>
+              <a:r>
+                <a:rPr lang="en-US" sz="1050" dirty="0">
+                  <a:solidFill>
+                    <a:srgbClr val="00B050"/>
+                  </a:solidFill>
+                </a:rPr>
+                <a:t>fairness,</a:t>
+              </a:r>
+              <a:r>
+                <a:rPr lang="en-US" sz="1050" dirty="0"/>
+                <a:t> …</a:t>
+              </a:r>
+            </a:p>
+          </p:txBody>
+        </p:sp>
+        <p:sp>
+          <p:nvSpPr>
+            <p:cNvPr id="10" name="TextBox 9">
+              <a:extLst>
+                <a:ext uri="{FF2B5EF4-FFF2-40B4-BE49-F238E27FC236}">
+                  <a16:creationId xmlns:a16="http://schemas.microsoft.com/office/drawing/2014/main" id="{2F25EB42-23BE-BB47-A373-6DB292A97167}"/>
+                </a:ext>
+              </a:extLst>
+            </p:cNvPr>
+            <p:cNvSpPr txBox="1"/>
+            <p:nvPr/>
+          </p:nvSpPr>
+          <p:spPr>
+            <a:xfrm rot="19081091">
+              <a:off x="193465" y="4589044"/>
+              <a:ext cx="1434841" cy="466280"/>
+            </a:xfrm>
+            <a:prstGeom prst="rect">
+              <a:avLst/>
+            </a:prstGeom>
+            <a:noFill/>
+          </p:spPr>
+          <p:txBody>
+            <a:bodyPr wrap="square" rtlCol="0">
+              <a:spAutoFit/>
+            </a:bodyPr>
+            <a:lstStyle/>
+            <a:p>
+              <a:pPr algn="ctr"/>
+              <a:r>
+                <a:rPr lang="en-US" sz="1600" dirty="0"/>
+                <a:t>Performance</a:t>
+              </a:r>
+              <a:endParaRPr lang="en-US" sz="1050" dirty="0"/>
+            </a:p>
+          </p:txBody>
+        </p:sp>
+        <p:sp>
+          <p:nvSpPr>
+            <p:cNvPr id="11" name="TextBox 10">
+              <a:extLst>
+                <a:ext uri="{FF2B5EF4-FFF2-40B4-BE49-F238E27FC236}">
+                  <a16:creationId xmlns:a16="http://schemas.microsoft.com/office/drawing/2014/main" id="{DF2DA14F-DAEE-4D4B-A847-69B1E280CB52}"/>
+                </a:ext>
+              </a:extLst>
+            </p:cNvPr>
+            <p:cNvSpPr txBox="1"/>
+            <p:nvPr/>
+          </p:nvSpPr>
+          <p:spPr>
+            <a:xfrm rot="16200000">
+              <a:off x="253765" y="2796833"/>
+              <a:ext cx="2213601" cy="358570"/>
+            </a:xfrm>
+            <a:prstGeom prst="rect">
+              <a:avLst/>
+            </a:prstGeom>
+            <a:noFill/>
+          </p:spPr>
+          <p:txBody>
+            <a:bodyPr wrap="square" rtlCol="0">
+              <a:spAutoFit/>
+            </a:bodyPr>
+            <a:lstStyle/>
+            <a:p>
+              <a:pPr algn="ctr"/>
+              <a:r>
+                <a:rPr lang="en-US" sz="1600" dirty="0"/>
+                <a:t>Correctness</a:t>
+              </a:r>
+              <a:endParaRPr lang="en-US" sz="1050" dirty="0"/>
+            </a:p>
+          </p:txBody>
+        </p:sp>
+      </p:grpSp>
+      <p:grpSp>
+        <p:nvGrpSpPr>
+          <p:cNvPr id="12" name="Group 11">
+            <a:extLst>
+              <a:ext uri="{FF2B5EF4-FFF2-40B4-BE49-F238E27FC236}">
+                <a16:creationId xmlns:a16="http://schemas.microsoft.com/office/drawing/2014/main" id="{1CBFEA77-888F-034A-908B-58398A408CC4}"/>
+              </a:ext>
+            </a:extLst>
+          </p:cNvPr>
+          <p:cNvGrpSpPr/>
+          <p:nvPr/>
+        </p:nvGrpSpPr>
+        <p:grpSpPr>
+          <a:xfrm>
+            <a:off x="3494555" y="2221922"/>
+            <a:ext cx="2452263" cy="1710777"/>
+            <a:chOff x="3494555" y="2252490"/>
+            <a:chExt cx="2452263" cy="1710777"/>
+          </a:xfrm>
+        </p:grpSpPr>
+        <p:sp>
+          <p:nvSpPr>
+            <p:cNvPr id="13" name="Rectangular Callout 12">
+              <a:extLst>
+                <a:ext uri="{FF2B5EF4-FFF2-40B4-BE49-F238E27FC236}">
+                  <a16:creationId xmlns:a16="http://schemas.microsoft.com/office/drawing/2014/main" id="{DB1BA769-AD52-C045-AA35-1D337EC686ED}"/>
+                </a:ext>
+              </a:extLst>
+            </p:cNvPr>
+            <p:cNvSpPr/>
+            <p:nvPr/>
+          </p:nvSpPr>
+          <p:spPr>
+            <a:xfrm>
+              <a:off x="3494555" y="2293103"/>
+              <a:ext cx="2452263" cy="1670164"/>
+            </a:xfrm>
+            <a:prstGeom prst="wedgeRectCallout">
+              <a:avLst>
+                <a:gd name="adj1" fmla="val 41113"/>
+                <a:gd name="adj2" fmla="val 19936"/>
+              </a:avLst>
+            </a:prstGeom>
+            <a:solidFill>
+              <a:schemeClr val="bg1">
+                <a:lumMod val="85000"/>
+              </a:schemeClr>
+            </a:solidFill>
+          </p:spPr>
+          <p:style>
+            <a:lnRef idx="2">
+              <a:schemeClr val="accent1">
+                <a:shade val="50000"/>
+              </a:schemeClr>
+            </a:lnRef>
+            <a:fillRef idx="1">
+              <a:schemeClr val="accent1"/>
+            </a:fillRef>
+            <a:effectRef idx="0">
+              <a:schemeClr val="accent1"/>
+            </a:effectRef>
+            <a:fontRef idx="minor">
+              <a:schemeClr val="lt1"/>
+            </a:fontRef>
+          </p:style>
+          <p:txBody>
+            <a:bodyPr rtlCol="0" anchor="ctr"/>
+            <a:lstStyle/>
+            <a:p>
+              <a:pPr algn="ctr"/>
+              <a:endParaRPr lang="en-US" sz="2800" dirty="0">
+                <a:solidFill>
+                  <a:schemeClr val="bg1">
+                    <a:lumMod val="50000"/>
+                  </a:schemeClr>
+                </a:solidFill>
+              </a:endParaRPr>
+            </a:p>
+            <a:p>
+              <a:pPr algn="ctr"/>
+              <a:r>
+                <a:rPr lang="en-US" sz="2800" dirty="0">
+                  <a:solidFill>
+                    <a:schemeClr val="bg1">
+                      <a:lumMod val="50000"/>
+                    </a:schemeClr>
+                  </a:solidFill>
+                </a:rPr>
+                <a:t>HCI</a:t>
+              </a:r>
+            </a:p>
+            <a:p>
+              <a:pPr algn="ctr"/>
+              <a:r>
+                <a:rPr lang="en-US" sz="1400" dirty="0">
+                  <a:solidFill>
+                    <a:schemeClr val="bg1">
+                      <a:lumMod val="50000"/>
+                    </a:schemeClr>
+                  </a:solidFill>
+                </a:rPr>
+                <a:t>Interface design, Visualization, </a:t>
+              </a:r>
+            </a:p>
+            <a:p>
+              <a:pPr algn="ctr"/>
+              <a:r>
+                <a:rPr lang="en-US" sz="1400" dirty="0">
+                  <a:solidFill>
+                    <a:schemeClr val="bg1">
+                      <a:lumMod val="50000"/>
+                    </a:schemeClr>
+                  </a:solidFill>
+                </a:rPr>
+                <a:t>User-profiling…</a:t>
+              </a:r>
+              <a:endParaRPr lang="en-US" sz="2800" dirty="0">
+                <a:solidFill>
+                  <a:schemeClr val="bg1">
+                    <a:lumMod val="50000"/>
+                  </a:schemeClr>
+                </a:solidFill>
+              </a:endParaRPr>
+            </a:p>
+          </p:txBody>
+        </p:sp>
+        <p:pic>
+          <p:nvPicPr>
+            <p:cNvPr id="14" name="Graphic 13" descr="Users with solid fill">
+              <a:extLst>
+                <a:ext uri="{FF2B5EF4-FFF2-40B4-BE49-F238E27FC236}">
+                  <a16:creationId xmlns:a16="http://schemas.microsoft.com/office/drawing/2014/main" id="{2A8C7162-E076-5F44-87C9-0BBAFDFE6BA9}"/>
+                </a:ext>
+              </a:extLst>
+            </p:cNvPr>
+            <p:cNvPicPr>
+              <a:picLocks noChangeAspect="1"/>
+            </p:cNvPicPr>
+            <p:nvPr/>
+          </p:nvPicPr>
+          <p:blipFill>
+            <a:blip r:embed="rId3">
+              <a:extLst>
+                <a:ext uri="{96DAC541-7B7A-43D3-8B79-37D633B846F1}">
+                  <asvg:svgBlip xmlns:asvg="http://schemas.microsoft.com/office/drawing/2016/SVG/main" r:embed="rId4"/>
+                </a:ext>
+              </a:extLst>
+            </a:blip>
+            <a:stretch>
+              <a:fillRect/>
+            </a:stretch>
+          </p:blipFill>
+          <p:spPr>
+            <a:xfrm>
+              <a:off x="4376550" y="2252490"/>
+              <a:ext cx="635291" cy="602712"/>
+            </a:xfrm>
+            <a:prstGeom prst="rect">
+              <a:avLst/>
+            </a:prstGeom>
+          </p:spPr>
+        </p:pic>
+      </p:grpSp>
+      <p:grpSp>
+        <p:nvGrpSpPr>
+          <p:cNvPr id="15" name="Group 14">
+            <a:extLst>
+              <a:ext uri="{FF2B5EF4-FFF2-40B4-BE49-F238E27FC236}">
+                <a16:creationId xmlns:a16="http://schemas.microsoft.com/office/drawing/2014/main" id="{061FD488-9C8C-644D-BE8E-418831B00C7A}"/>
+              </a:ext>
+            </a:extLst>
+          </p:cNvPr>
+          <p:cNvGrpSpPr/>
+          <p:nvPr/>
+        </p:nvGrpSpPr>
+        <p:grpSpPr>
+          <a:xfrm>
+            <a:off x="9043792" y="2262535"/>
+            <a:ext cx="2088481" cy="1703900"/>
+            <a:chOff x="9043792" y="2293103"/>
+            <a:chExt cx="2088481" cy="1703900"/>
+          </a:xfrm>
+        </p:grpSpPr>
+        <p:sp>
+          <p:nvSpPr>
+            <p:cNvPr id="16" name="Rectangular Callout 15">
+              <a:extLst>
+                <a:ext uri="{FF2B5EF4-FFF2-40B4-BE49-F238E27FC236}">
+                  <a16:creationId xmlns:a16="http://schemas.microsoft.com/office/drawing/2014/main" id="{32289536-F68B-FA4E-A060-B724C6A1D5A3}"/>
+                </a:ext>
+              </a:extLst>
+            </p:cNvPr>
+            <p:cNvSpPr/>
+            <p:nvPr/>
+          </p:nvSpPr>
+          <p:spPr>
+            <a:xfrm>
+              <a:off x="9043792" y="2326839"/>
+              <a:ext cx="2088481" cy="1670164"/>
+            </a:xfrm>
+            <a:prstGeom prst="wedgeRectCallout">
+              <a:avLst>
+                <a:gd name="adj1" fmla="val 41113"/>
+                <a:gd name="adj2" fmla="val 19936"/>
+              </a:avLst>
+            </a:prstGeom>
+            <a:solidFill>
+              <a:schemeClr val="bg1">
+                <a:lumMod val="85000"/>
+              </a:schemeClr>
+            </a:solidFill>
+          </p:spPr>
+          <p:style>
+            <a:lnRef idx="2">
+              <a:schemeClr val="accent1">
+                <a:shade val="50000"/>
+              </a:schemeClr>
+            </a:lnRef>
+            <a:fillRef idx="1">
+              <a:schemeClr val="accent1"/>
+            </a:fillRef>
+            <a:effectRef idx="0">
+              <a:schemeClr val="accent1"/>
+            </a:effectRef>
+            <a:fontRef idx="minor">
+              <a:schemeClr val="lt1"/>
+            </a:fontRef>
+          </p:style>
+          <p:txBody>
+            <a:bodyPr rtlCol="0" anchor="ctr"/>
+            <a:lstStyle/>
+            <a:p>
+              <a:pPr algn="ctr"/>
+              <a:endParaRPr lang="en-US" sz="2800" dirty="0">
+                <a:solidFill>
+                  <a:schemeClr val="bg1">
+                    <a:lumMod val="50000"/>
+                  </a:schemeClr>
+                </a:solidFill>
+              </a:endParaRPr>
+            </a:p>
+            <a:p>
+              <a:pPr algn="ctr"/>
+              <a:r>
+                <a:rPr lang="en-US" sz="2800" dirty="0">
+                  <a:solidFill>
+                    <a:schemeClr val="bg1">
+                      <a:lumMod val="50000"/>
+                    </a:schemeClr>
+                  </a:solidFill>
+                </a:rPr>
+                <a:t>Systems</a:t>
+              </a:r>
+            </a:p>
+            <a:p>
+              <a:pPr algn="ctr"/>
+              <a:r>
+                <a:rPr lang="en-US" sz="1400" dirty="0">
+                  <a:solidFill>
+                    <a:schemeClr val="bg1">
+                      <a:lumMod val="50000"/>
+                    </a:schemeClr>
+                  </a:solidFill>
+                </a:rPr>
+                <a:t>Technology, Architecture, Algorithm…</a:t>
+              </a:r>
+              <a:endParaRPr lang="en-US" sz="2800" dirty="0">
+                <a:solidFill>
+                  <a:schemeClr val="bg1">
+                    <a:lumMod val="50000"/>
+                  </a:schemeClr>
+                </a:solidFill>
+              </a:endParaRPr>
+            </a:p>
+          </p:txBody>
+        </p:sp>
+        <p:pic>
+          <p:nvPicPr>
+            <p:cNvPr id="17" name="Graphic 16" descr="Single gear with solid fill">
+              <a:extLst>
+                <a:ext uri="{FF2B5EF4-FFF2-40B4-BE49-F238E27FC236}">
+                  <a16:creationId xmlns:a16="http://schemas.microsoft.com/office/drawing/2014/main" id="{0A48C02D-70D1-6245-9F99-CDA319062E12}"/>
+                </a:ext>
+              </a:extLst>
+            </p:cNvPr>
+            <p:cNvPicPr>
+              <a:picLocks noChangeAspect="1"/>
+            </p:cNvPicPr>
+            <p:nvPr/>
+          </p:nvPicPr>
+          <p:blipFill>
+            <a:blip r:embed="rId5">
+              <a:extLst>
+                <a:ext uri="{96DAC541-7B7A-43D3-8B79-37D633B846F1}">
+                  <asvg:svgBlip xmlns:asvg="http://schemas.microsoft.com/office/drawing/2016/SVG/main" r:embed="rId6"/>
+                </a:ext>
+              </a:extLst>
+            </a:blip>
+            <a:stretch>
+              <a:fillRect/>
+            </a:stretch>
+          </p:blipFill>
+          <p:spPr>
+            <a:xfrm>
+              <a:off x="9760921" y="2293103"/>
+              <a:ext cx="581986" cy="581986"/>
+            </a:xfrm>
+            <a:prstGeom prst="rect">
+              <a:avLst/>
+            </a:prstGeom>
+          </p:spPr>
+        </p:pic>
+      </p:grpSp>
+      <p:grpSp>
+        <p:nvGrpSpPr>
+          <p:cNvPr id="18" name="Group 17">
+            <a:extLst>
+              <a:ext uri="{FF2B5EF4-FFF2-40B4-BE49-F238E27FC236}">
+                <a16:creationId xmlns:a16="http://schemas.microsoft.com/office/drawing/2014/main" id="{86B949F1-4574-2D4C-9E65-BA09E362760F}"/>
+              </a:ext>
+            </a:extLst>
+          </p:cNvPr>
+          <p:cNvGrpSpPr/>
+          <p:nvPr/>
+        </p:nvGrpSpPr>
+        <p:grpSpPr>
+          <a:xfrm>
+            <a:off x="5946817" y="2762736"/>
+            <a:ext cx="3096975" cy="3207446"/>
+            <a:chOff x="5946817" y="2793304"/>
+            <a:chExt cx="3096975" cy="3207446"/>
+          </a:xfrm>
+        </p:grpSpPr>
+        <p:sp>
+          <p:nvSpPr>
+            <p:cNvPr id="19" name="Rectangular Callout 18">
+              <a:extLst>
+                <a:ext uri="{FF2B5EF4-FFF2-40B4-BE49-F238E27FC236}">
+                  <a16:creationId xmlns:a16="http://schemas.microsoft.com/office/drawing/2014/main" id="{113EDC95-9EFE-C345-8D79-90AE00443FDB}"/>
+                </a:ext>
+              </a:extLst>
+            </p:cNvPr>
+            <p:cNvSpPr/>
+            <p:nvPr/>
+          </p:nvSpPr>
+          <p:spPr>
+            <a:xfrm>
+              <a:off x="6196682" y="3526078"/>
+              <a:ext cx="2597245" cy="2474672"/>
+            </a:xfrm>
+            <a:prstGeom prst="wedgeRectCallout">
+              <a:avLst>
+                <a:gd name="adj1" fmla="val 41113"/>
+                <a:gd name="adj2" fmla="val 19936"/>
+              </a:avLst>
+            </a:prstGeom>
+            <a:solidFill>
+              <a:schemeClr val="bg1">
+                <a:lumMod val="85000"/>
+              </a:schemeClr>
+            </a:solidFill>
+            <a:ln w="57150">
+              <a:solidFill>
+                <a:srgbClr val="C00000"/>
+              </a:solidFill>
+            </a:ln>
+          </p:spPr>
+          <p:style>
+            <a:lnRef idx="2">
+              <a:schemeClr val="accent1">
+                <a:shade val="50000"/>
+              </a:schemeClr>
+            </a:lnRef>
+            <a:fillRef idx="1">
+              <a:schemeClr val="accent1"/>
+            </a:fillRef>
+            <a:effectRef idx="0">
+              <a:schemeClr val="accent1"/>
+            </a:effectRef>
+            <a:fontRef idx="minor">
+              <a:schemeClr val="lt1"/>
+            </a:fontRef>
+          </p:style>
+          <p:txBody>
+            <a:bodyPr rtlCol="0" anchor="ctr"/>
+            <a:lstStyle/>
+            <a:p>
+              <a:pPr algn="ctr"/>
+              <a:endParaRPr lang="en-US" sz="2400" b="1" dirty="0">
+                <a:solidFill>
+                  <a:schemeClr val="accent1"/>
+                </a:solidFill>
+              </a:endParaRPr>
+            </a:p>
+            <a:p>
+              <a:pPr algn="ctr"/>
+              <a:r>
+                <a:rPr lang="en-US" sz="2400" b="1" dirty="0">
+                  <a:solidFill>
+                    <a:schemeClr val="accent1"/>
+                  </a:solidFill>
+                </a:rPr>
+                <a:t>Technology</a:t>
+              </a:r>
+              <a:r>
+                <a:rPr lang="en-US" sz="2400" dirty="0">
+                  <a:solidFill>
+                    <a:schemeClr val="tx1"/>
+                  </a:solidFill>
+                </a:rPr>
+                <a:t> to empower users of data systems</a:t>
+              </a:r>
+            </a:p>
+          </p:txBody>
+        </p:sp>
+        <p:sp>
+          <p:nvSpPr>
+            <p:cNvPr id="20" name="Left-Right Arrow 19">
+              <a:extLst>
+                <a:ext uri="{FF2B5EF4-FFF2-40B4-BE49-F238E27FC236}">
+                  <a16:creationId xmlns:a16="http://schemas.microsoft.com/office/drawing/2014/main" id="{2FAF9005-EBE8-0747-9A01-CAD841ADDE39}"/>
+                </a:ext>
+              </a:extLst>
+            </p:cNvPr>
+            <p:cNvSpPr/>
+            <p:nvPr/>
+          </p:nvSpPr>
+          <p:spPr>
+            <a:xfrm>
+              <a:off x="5946817" y="2793304"/>
+              <a:ext cx="3096975" cy="538619"/>
+            </a:xfrm>
+            <a:prstGeom prst="leftRightArrow">
+              <a:avLst/>
+            </a:prstGeom>
+            <a:solidFill>
+              <a:schemeClr val="bg1">
+                <a:lumMod val="65000"/>
+              </a:schemeClr>
+            </a:solidFill>
+          </p:spPr>
+          <p:style>
+            <a:lnRef idx="2">
+              <a:schemeClr val="accent1">
+                <a:shade val="50000"/>
+              </a:schemeClr>
+            </a:lnRef>
+            <a:fillRef idx="1">
+              <a:schemeClr val="accent1"/>
+            </a:fillRef>
+            <a:effectRef idx="0">
+              <a:schemeClr val="accent1"/>
+            </a:effectRef>
+            <a:fontRef idx="minor">
+              <a:schemeClr val="lt1"/>
+            </a:fontRef>
+          </p:style>
+          <p:txBody>
+            <a:bodyPr rtlCol="0" anchor="ctr"/>
+            <a:lstStyle/>
+            <a:p>
+              <a:pPr algn="ctr"/>
+              <a:endParaRPr lang="en-US" dirty="0"/>
+            </a:p>
+          </p:txBody>
+        </p:sp>
+        <p:pic>
+          <p:nvPicPr>
+            <p:cNvPr id="21" name="Graphic 20" descr="Puzzle with solid fill">
+              <a:extLst>
+                <a:ext uri="{FF2B5EF4-FFF2-40B4-BE49-F238E27FC236}">
+                  <a16:creationId xmlns:a16="http://schemas.microsoft.com/office/drawing/2014/main" id="{98089800-51E2-3C4A-BBED-92C8F1ADE1E6}"/>
+                </a:ext>
+              </a:extLst>
+            </p:cNvPr>
+            <p:cNvPicPr>
+              <a:picLocks noChangeAspect="1"/>
+            </p:cNvPicPr>
+            <p:nvPr/>
+          </p:nvPicPr>
+          <p:blipFill>
+            <a:blip r:embed="rId7">
+              <a:extLst>
+                <a:ext uri="{96DAC541-7B7A-43D3-8B79-37D633B846F1}">
+                  <asvg:svgBlip xmlns:asvg="http://schemas.microsoft.com/office/drawing/2016/SVG/main" r:embed="rId8"/>
+                </a:ext>
+              </a:extLst>
+            </a:blip>
+            <a:stretch>
+              <a:fillRect/>
+            </a:stretch>
+          </p:blipFill>
+          <p:spPr>
+            <a:xfrm>
+              <a:off x="7050901" y="3582605"/>
+              <a:ext cx="761324" cy="761324"/>
+            </a:xfrm>
+            <a:prstGeom prst="rect">
+              <a:avLst/>
+            </a:prstGeom>
+          </p:spPr>
+        </p:pic>
+      </p:grpSp>
+      <p:pic>
+        <p:nvPicPr>
+          <p:cNvPr id="22" name="Picture 21" descr="A picture containing text&#10;&#10;Description automatically generated">
+            <a:extLst>
+              <a:ext uri="{FF2B5EF4-FFF2-40B4-BE49-F238E27FC236}">
+                <a16:creationId xmlns:a16="http://schemas.microsoft.com/office/drawing/2014/main" id="{817C5A08-4B8E-814D-9E7F-61125BA6B927}"/>
+              </a:ext>
+            </a:extLst>
+          </p:cNvPr>
+          <p:cNvPicPr>
+            <a:picLocks noChangeAspect="1"/>
+          </p:cNvPicPr>
+          <p:nvPr/>
+        </p:nvPicPr>
+        <p:blipFill>
+          <a:blip r:embed="rId9"/>
+          <a:stretch>
+            <a:fillRect/>
+          </a:stretch>
+        </p:blipFill>
+        <p:spPr>
+          <a:xfrm>
+            <a:off x="6829919" y="1453664"/>
+            <a:ext cx="1340336" cy="1340336"/>
+          </a:xfrm>
+          <a:prstGeom prst="rect">
+            <a:avLst/>
+          </a:prstGeom>
+        </p:spPr>
+      </p:pic>
+    </p:spTree>
+    <p:extLst>
+      <p:ext uri="{BB962C8B-B14F-4D97-AF65-F5344CB8AC3E}">
+        <p14:creationId xmlns:p14="http://schemas.microsoft.com/office/powerpoint/2010/main" val="2768471427"/>
+      </p:ext>
+    </p:extLst>
+  </p:cSld>
+  <p:clrMapOvr>
+    <a:masterClrMapping/>
+  </p:clrMapOvr>
+  <mc:AlternateContent xmlns:mc="http://schemas.openxmlformats.org/markup-compatibility/2006" xmlns:p14="http://schemas.microsoft.com/office/powerpoint/2010/main">
+    <mc:Choice Requires="p14">
+      <p:transition p14:dur="0"/>
+    </mc:Choice>
+    <mc:Fallback xmlns="">
+      <p:transition/>
+    </mc:Fallback>
+  </mc:AlternateContent>
+  <p:timing>
+    <p:tnLst>
+      <p:par>
+        <p:cTn id="1" dur="indefinite" restart="never" nodeType="tmRoot">
+          <p:childTnLst>
+            <p:seq concurrent="1" nextAc="seek">
+              <p:cTn id="2" dur="indefinite" nodeType="mainSeq">
+                <p:childTnLst>
+                  <p:par>
+                    <p:cTn id="3" fill="hold">
+                      <p:stCondLst>
+                        <p:cond delay="indefinite"/>
+                      </p:stCondLst>
+                      <p:childTnLst>
+                        <p:par>
+                          <p:cTn id="4" fill="hold">
+                            <p:stCondLst>
+                              <p:cond delay="0"/>
+                            </p:stCondLst>
+                            <p:childTnLst>
+                              <p:par>
+                                <p:cTn id="5" presetID="1" presetClass="entr" presetSubtype="0" fill="hold" nodeType="clickEffect">
+                                  <p:stCondLst>
+                                    <p:cond delay="0"/>
+                                  </p:stCondLst>
+                                  <p:childTnLst>
+                                    <p:set>
+                                      <p:cBhvr>
+                                        <p:cTn id="6" dur="1" fill="hold">
+                                          <p:stCondLst>
+                                            <p:cond delay="0"/>
+                                          </p:stCondLst>
+                                        </p:cTn>
+                                        <p:tgtEl>
+                                          <p:spTgt spid="5"/>
+                                        </p:tgtEl>
+                                        <p:attrNameLst>
+                                          <p:attrName>style.visibility</p:attrName>
+                                        </p:attrNameLst>
+                                      </p:cBhvr>
+                                      <p:to>
+                                        <p:strVal val="visible"/>
+                                      </p:to>
+                                    </p:set>
+                                  </p:childTnLst>
+                                </p:cTn>
+                              </p:par>
+                            </p:childTnLst>
+                          </p:cTn>
+                        </p:par>
+                      </p:childTnLst>
+                    </p:cTn>
+                  </p:par>
+                  <p:par>
+                    <p:cTn id="7" fill="hold">
+                      <p:stCondLst>
+                        <p:cond delay="indefinite"/>
+                      </p:stCondLst>
+                      <p:childTnLst>
+                        <p:par>
+                          <p:cTn id="8" fill="hold">
+                            <p:stCondLst>
+                              <p:cond delay="0"/>
+                            </p:stCondLst>
+                            <p:childTnLst>
+                              <p:par>
+                                <p:cTn id="9" presetID="1" presetClass="entr" presetSubtype="0" fill="hold" nodeType="clickEffect">
+                                  <p:stCondLst>
+                                    <p:cond delay="0"/>
+                                  </p:stCondLst>
+                                  <p:childTnLst>
+                                    <p:set>
+                                      <p:cBhvr>
+                                        <p:cTn id="10" dur="1" fill="hold">
+                                          <p:stCondLst>
+                                            <p:cond delay="0"/>
+                                          </p:stCondLst>
+                                        </p:cTn>
+                                        <p:tgtEl>
+                                          <p:spTgt spid="12"/>
+                                        </p:tgtEl>
+                                        <p:attrNameLst>
+                                          <p:attrName>style.visibility</p:attrName>
+                                        </p:attrNameLst>
+                                      </p:cBhvr>
+                                      <p:to>
+                                        <p:strVal val="visible"/>
+                                      </p:to>
+                                    </p:set>
+                                  </p:childTnLst>
+                                </p:cTn>
+                              </p:par>
+                            </p:childTnLst>
+                          </p:cTn>
+                        </p:par>
+                      </p:childTnLst>
+                    </p:cTn>
+                  </p:par>
+                  <p:par>
+                    <p:cTn id="11" fill="hold">
+                      <p:stCondLst>
+                        <p:cond delay="indefinite"/>
+                      </p:stCondLst>
+                      <p:childTnLst>
+                        <p:par>
+                          <p:cTn id="12" fill="hold">
+                            <p:stCondLst>
+                              <p:cond delay="0"/>
+                            </p:stCondLst>
+                            <p:childTnLst>
+                              <p:par>
+                                <p:cTn id="13" presetID="1" presetClass="entr" presetSubtype="0" fill="hold" nodeType="clickEffect">
+                                  <p:stCondLst>
+                                    <p:cond delay="0"/>
+                                  </p:stCondLst>
+                                  <p:childTnLst>
+                                    <p:set>
+                                      <p:cBhvr>
+                                        <p:cTn id="14" dur="1" fill="hold">
+                                          <p:stCondLst>
+                                            <p:cond delay="0"/>
+                                          </p:stCondLst>
+                                        </p:cTn>
+                                        <p:tgtEl>
+                                          <p:spTgt spid="15"/>
+                                        </p:tgtEl>
+                                        <p:attrNameLst>
+                                          <p:attrName>style.visibility</p:attrName>
+                                        </p:attrNameLst>
+                                      </p:cBhvr>
+                                      <p:to>
+                                        <p:strVal val="visible"/>
+                                      </p:to>
+                                    </p:set>
+                                  </p:childTnLst>
+                                </p:cTn>
+                              </p:par>
+                            </p:childTnLst>
+                          </p:cTn>
+                        </p:par>
+                      </p:childTnLst>
+                    </p:cTn>
+                  </p:par>
+                  <p:par>
+                    <p:cTn id="15" fill="hold">
+                      <p:stCondLst>
+                        <p:cond delay="indefinite"/>
+                      </p:stCondLst>
+                      <p:childTnLst>
+                        <p:par>
+                          <p:cTn id="16" fill="hold">
+                            <p:stCondLst>
+                              <p:cond delay="0"/>
+                            </p:stCondLst>
+                            <p:childTnLst>
+                              <p:par>
+                                <p:cTn id="17" presetID="1" presetClass="entr" presetSubtype="0" fill="hold" nodeType="clickEffect">
+                                  <p:stCondLst>
+                                    <p:cond delay="0"/>
+                                  </p:stCondLst>
+                                  <p:childTnLst>
+                                    <p:set>
+                                      <p:cBhvr>
+                                        <p:cTn id="18" dur="1" fill="hold">
+                                          <p:stCondLst>
+                                            <p:cond delay="0"/>
+                                          </p:stCondLst>
+                                        </p:cTn>
+                                        <p:tgtEl>
+                                          <p:spTgt spid="18"/>
+                                        </p:tgtEl>
+                                        <p:attrNameLst>
+                                          <p:attrName>style.visibility</p:attrName>
+                                        </p:attrNameLst>
+                                      </p:cBhvr>
+                                      <p:to>
+                                        <p:strVal val="visible"/>
+                                      </p:to>
+                                    </p:set>
+                                  </p:childTnLst>
+                                </p:cTn>
+                              </p:par>
+                              <p:par>
+                                <p:cTn id="19" presetID="1" presetClass="entr" presetSubtype="0" fill="hold" nodeType="withEffect">
+                                  <p:stCondLst>
+                                    <p:cond delay="0"/>
+                                  </p:stCondLst>
+                                  <p:childTnLst>
+                                    <p:set>
+                                      <p:cBhvr>
+                                        <p:cTn id="20" dur="1" fill="hold">
+                                          <p:stCondLst>
+                                            <p:cond delay="0"/>
+                                          </p:stCondLst>
+                                        </p:cTn>
+                                        <p:tgtEl>
+                                          <p:spTgt spid="22"/>
+                                        </p:tgtEl>
+                                        <p:attrNameLst>
+                                          <p:attrName>style.visibility</p:attrName>
+                                        </p:attrNameLst>
+                                      </p:cBhvr>
+                                      <p:to>
+                                        <p:strVal val="visible"/>
+                                      </p:to>
+                                    </p:set>
+                                  </p:childTnLst>
+                                </p:cTn>
+                              </p:par>
+                            </p:childTnLst>
+                          </p:cTn>
+                        </p:par>
+                      </p:childTnLst>
+                    </p:cTn>
+                  </p:par>
+                </p:childTnLst>
+              </p:cTn>
+              <p:prevCondLst>
+                <p:cond evt="onPrev" delay="0">
+                  <p:tgtEl>
+                    <p:sldTgt/>
+                  </p:tgtEl>
+                </p:cond>
+              </p:prevCondLst>
+              <p:nextCondLst>
+                <p:cond evt="onNext" delay="0">
+                  <p:tgtEl>
+                    <p:sldTgt/>
+                  </p:tgtEl>
+                </p:cond>
+              </p:nextCondLst>
+            </p:seq>
+          </p:childTnLst>
+        </p:cTn>
+      </p:par>
+    </p:tnLst>
+  </p:timing>
+</p:sld>
+</file>
+
+<file path=ppt/slides/slide5.xml><?xml version="1.0" encoding="utf-8"?>
+<p:sld xmlns:a="http://schemas.openxmlformats.org/drawingml/2006/main" xmlns:r="http://schemas.openxmlformats.org/officeDocument/2006/relationships" xmlns:p="http://schemas.openxmlformats.org/presentationml/2006/main">
+  <p:cSld>
+    <p:spTree>
+      <p:nvGrpSpPr>
+        <p:cNvPr id="1" name=""/>
+        <p:cNvGrpSpPr/>
+        <p:nvPr/>
+      </p:nvGrpSpPr>
+      <p:grpSpPr>
+        <a:xfrm>
+          <a:off x="0" y="0"/>
+          <a:ext cx="0" cy="0"/>
+          <a:chOff x="0" y="0"/>
+          <a:chExt cx="0" cy="0"/>
+        </a:xfrm>
+      </p:grpSpPr>
+      <p:sp>
+        <p:nvSpPr>
+          <p:cNvPr id="4" name="Text Placeholder 3">
+            <a:extLst>
+              <a:ext uri="{FF2B5EF4-FFF2-40B4-BE49-F238E27FC236}">
+                <a16:creationId xmlns:a16="http://schemas.microsoft.com/office/drawing/2014/main" id="{2DB738F3-D554-3C46-8B59-089CEE9A90A4}"/>
+              </a:ext>
+            </a:extLst>
+          </p:cNvPr>
+          <p:cNvSpPr>
+            <a:spLocks noGrp="1"/>
+          </p:cNvSpPr>
+          <p:nvPr>
+            <p:ph type="body" sz="quarter" idx="13"/>
+          </p:nvPr>
+        </p:nvSpPr>
+        <p:spPr/>
+        <p:txBody>
+          <a:bodyPr/>
+          <a:lstStyle/>
+          <a:p>
+            <a:r>
+              <a:rPr lang="en-US" dirty="0"/>
+              <a:t>Support for explanation in the design layer</a:t>
+            </a:r>
+          </a:p>
+        </p:txBody>
+      </p:sp>
+      <p:sp>
+        <p:nvSpPr>
+          <p:cNvPr id="3" name="Slide Number Placeholder 2">
+            <a:extLst>
+              <a:ext uri="{FF2B5EF4-FFF2-40B4-BE49-F238E27FC236}">
+                <a16:creationId xmlns:a16="http://schemas.microsoft.com/office/drawing/2014/main" id="{80C2BEC8-2FF6-694A-8485-9EC3C22C7AD7}"/>
+              </a:ext>
+            </a:extLst>
+          </p:cNvPr>
+          <p:cNvSpPr>
+            <a:spLocks noGrp="1"/>
+          </p:cNvSpPr>
+          <p:nvPr>
+            <p:ph type="sldNum" sz="quarter" idx="4"/>
+          </p:nvPr>
+        </p:nvSpPr>
+        <p:spPr/>
+        <p:txBody>
+          <a:bodyPr/>
+          <a:lstStyle/>
+          <a:p>
+            <a:fld id="{4740AEA5-A348-2949-9B8B-EA763C54C64D}" type="slidenum">
+              <a:rPr lang="en-US" smtClean="0"/>
+              <a:t>5</a:t>
             </a:fld>
             <a:endParaRPr lang="en-US" dirty="0"/>
           </a:p>
@@ -14724,7 +16156,7 @@
 </p:sld>
 </file>
 
-<file path=ppt/slides/slide5.xml><?xml version="1.0" encoding="utf-8"?>
+<file path=ppt/slides/slide6.xml><?xml version="1.0" encoding="utf-8"?>
 <p:sld xmlns:a="http://schemas.openxmlformats.org/drawingml/2006/main" xmlns:r="http://schemas.openxmlformats.org/officeDocument/2006/relationships" xmlns:p="http://schemas.openxmlformats.org/presentationml/2006/main">
   <p:cSld>
     <p:spTree>
@@ -14951,7 +16383,7 @@
           <a:p>
             <a:fld id="{4740AEA5-A348-2949-9B8B-EA763C54C64D}" type="slidenum">
               <a:rPr lang="en-US" smtClean="0"/>
-              <a:t>5</a:t>
+              <a:t>6</a:t>
             </a:fld>
             <a:endParaRPr lang="en-US" dirty="0"/>
           </a:p>
@@ -15469,1073 +16901,6 @@
       <p:transition/>
     </mc:Fallback>
   </mc:AlternateContent>
-</p:sld>
-</file>
-
-<file path=ppt/slides/slide6.xml><?xml version="1.0" encoding="utf-8"?>
-<p:sld xmlns:a="http://schemas.openxmlformats.org/drawingml/2006/main" xmlns:r="http://schemas.openxmlformats.org/officeDocument/2006/relationships" xmlns:p="http://schemas.openxmlformats.org/presentationml/2006/main">
-  <p:cSld>
-    <p:spTree>
-      <p:nvGrpSpPr>
-        <p:cNvPr id="1" name=""/>
-        <p:cNvGrpSpPr/>
-        <p:nvPr/>
-      </p:nvGrpSpPr>
-      <p:grpSpPr>
-        <a:xfrm>
-          <a:off x="0" y="0"/>
-          <a:ext cx="0" cy="0"/>
-          <a:chOff x="0" y="0"/>
-          <a:chExt cx="0" cy="0"/>
-        </a:xfrm>
-      </p:grpSpPr>
-      <p:sp>
-        <p:nvSpPr>
-          <p:cNvPr id="2" name="Slide Number Placeholder 1">
-            <a:extLst>
-              <a:ext uri="{FF2B5EF4-FFF2-40B4-BE49-F238E27FC236}">
-                <a16:creationId xmlns:a16="http://schemas.microsoft.com/office/drawing/2014/main" id="{6EC48DB3-D2B7-F00A-A0EA-A4E9C08BC9CB}"/>
-              </a:ext>
-            </a:extLst>
-          </p:cNvPr>
-          <p:cNvSpPr>
-            <a:spLocks noGrp="1"/>
-          </p:cNvSpPr>
-          <p:nvPr>
-            <p:ph type="sldNum" sz="quarter" idx="4"/>
-          </p:nvPr>
-        </p:nvSpPr>
-        <p:spPr/>
-        <p:txBody>
-          <a:bodyPr/>
-          <a:lstStyle/>
-          <a:p>
-            <a:fld id="{4740AEA5-A348-2949-9B8B-EA763C54C64D}" type="slidenum">
-              <a:rPr lang="en-US" smtClean="0"/>
-              <a:t>6</a:t>
-            </a:fld>
-            <a:endParaRPr lang="en-US" dirty="0"/>
-          </a:p>
-        </p:txBody>
-      </p:sp>
-      <p:sp>
-        <p:nvSpPr>
-          <p:cNvPr id="4" name="Text Placeholder 3">
-            <a:extLst>
-              <a:ext uri="{FF2B5EF4-FFF2-40B4-BE49-F238E27FC236}">
-                <a16:creationId xmlns:a16="http://schemas.microsoft.com/office/drawing/2014/main" id="{90B3AA25-F3B3-FA97-54D7-9314D08B5A4D}"/>
-              </a:ext>
-            </a:extLst>
-          </p:cNvPr>
-          <p:cNvSpPr>
-            <a:spLocks noGrp="1"/>
-          </p:cNvSpPr>
-          <p:nvPr>
-            <p:ph type="body" sz="quarter" idx="13"/>
-          </p:nvPr>
-        </p:nvSpPr>
-        <p:spPr/>
-        <p:txBody>
-          <a:bodyPr/>
-          <a:lstStyle/>
-          <a:p>
-            <a:r>
-              <a:rPr lang="en-US" dirty="0"/>
-              <a:t>Mismatch between data and systems</a:t>
-            </a:r>
-          </a:p>
-        </p:txBody>
-      </p:sp>
-      <p:sp>
-        <p:nvSpPr>
-          <p:cNvPr id="7" name="TextBox 6">
-            <a:extLst>
-              <a:ext uri="{FF2B5EF4-FFF2-40B4-BE49-F238E27FC236}">
-                <a16:creationId xmlns:a16="http://schemas.microsoft.com/office/drawing/2014/main" id="{C8368904-A128-C385-21BE-D5A291021D93}"/>
-              </a:ext>
-            </a:extLst>
-          </p:cNvPr>
-          <p:cNvSpPr txBox="1"/>
-          <p:nvPr/>
-        </p:nvSpPr>
-        <p:spPr>
-          <a:xfrm>
-            <a:off x="7278172" y="1476629"/>
-            <a:ext cx="3776135" cy="830997"/>
-          </a:xfrm>
-          <a:prstGeom prst="rect">
-            <a:avLst/>
-          </a:prstGeom>
-          <a:noFill/>
-        </p:spPr>
-        <p:txBody>
-          <a:bodyPr wrap="square" rtlCol="0">
-            <a:spAutoFit/>
-          </a:bodyPr>
-          <a:lstStyle/>
-          <a:p>
-            <a:r>
-              <a:rPr lang="en-US" sz="2400" dirty="0">
-                <a:latin typeface="Times New Roman" panose="02020603050405020304" pitchFamily="18" charset="0"/>
-                <a:cs typeface="Times New Roman" panose="02020603050405020304" pitchFamily="18" charset="0"/>
-              </a:rPr>
-              <a:t>Availability of tools to build data-driven systems</a:t>
-            </a:r>
-          </a:p>
-        </p:txBody>
-      </p:sp>
-      <p:pic>
-        <p:nvPicPr>
-          <p:cNvPr id="8" name="Picture 8" descr="TensorFlow - Wikipedia">
-            <a:extLst>
-              <a:ext uri="{FF2B5EF4-FFF2-40B4-BE49-F238E27FC236}">
-                <a16:creationId xmlns:a16="http://schemas.microsoft.com/office/drawing/2014/main" id="{029976F3-DC0F-B0C3-A707-AC55160B37E9}"/>
-              </a:ext>
-            </a:extLst>
-          </p:cNvPr>
-          <p:cNvPicPr>
-            <a:picLocks noChangeAspect="1" noChangeArrowheads="1"/>
-          </p:cNvPicPr>
-          <p:nvPr/>
-        </p:nvPicPr>
-        <p:blipFill>
-          <a:blip r:embed="rId2">
-            <a:extLst>
-              <a:ext uri="{28A0092B-C50C-407E-A947-70E740481C1C}">
-                <a14:useLocalDpi xmlns:a14="http://schemas.microsoft.com/office/drawing/2010/main" val="0"/>
-              </a:ext>
-            </a:extLst>
-          </a:blip>
-          <a:srcRect/>
-          <a:stretch>
-            <a:fillRect/>
-          </a:stretch>
-        </p:blipFill>
-        <p:spPr bwMode="auto">
-          <a:xfrm>
-            <a:off x="7004197" y="3071519"/>
-            <a:ext cx="1552670" cy="993709"/>
-          </a:xfrm>
-          <a:prstGeom prst="rect">
-            <a:avLst/>
-          </a:prstGeom>
-          <a:noFill/>
-          <a:extLst>
-            <a:ext uri="{909E8E84-426E-40DD-AFC4-6F175D3DCCD1}">
-              <a14:hiddenFill xmlns:a14="http://schemas.microsoft.com/office/drawing/2010/main">
-                <a:solidFill>
-                  <a:srgbClr val="FFFFFF"/>
-                </a:solidFill>
-              </a14:hiddenFill>
-            </a:ext>
-          </a:extLst>
-        </p:spPr>
-      </p:pic>
-      <p:pic>
-        <p:nvPicPr>
-          <p:cNvPr id="9" name="Picture 10" descr="Welcome to PyTorch Tutorials — PyTorch Tutorials 1.11.0+cu102 documentation">
-            <a:extLst>
-              <a:ext uri="{FF2B5EF4-FFF2-40B4-BE49-F238E27FC236}">
-                <a16:creationId xmlns:a16="http://schemas.microsoft.com/office/drawing/2014/main" id="{1D176F72-AA3E-2D7D-ABF0-E77EB0F1BFD2}"/>
-              </a:ext>
-            </a:extLst>
-          </p:cNvPr>
-          <p:cNvPicPr>
-            <a:picLocks noChangeAspect="1" noChangeArrowheads="1"/>
-          </p:cNvPicPr>
-          <p:nvPr/>
-        </p:nvPicPr>
-        <p:blipFill>
-          <a:blip r:embed="rId3">
-            <a:extLst>
-              <a:ext uri="{28A0092B-C50C-407E-A947-70E740481C1C}">
-                <a14:useLocalDpi xmlns:a14="http://schemas.microsoft.com/office/drawing/2010/main" val="0"/>
-              </a:ext>
-            </a:extLst>
-          </a:blip>
-          <a:srcRect/>
-          <a:stretch>
-            <a:fillRect/>
-          </a:stretch>
-        </p:blipFill>
-        <p:spPr bwMode="auto">
-          <a:xfrm>
-            <a:off x="8556867" y="3176548"/>
-            <a:ext cx="1301708" cy="1301708"/>
-          </a:xfrm>
-          <a:prstGeom prst="rect">
-            <a:avLst/>
-          </a:prstGeom>
-          <a:noFill/>
-          <a:extLst>
-            <a:ext uri="{909E8E84-426E-40DD-AFC4-6F175D3DCCD1}">
-              <a14:hiddenFill xmlns:a14="http://schemas.microsoft.com/office/drawing/2010/main">
-                <a:solidFill>
-                  <a:srgbClr val="FFFFFF"/>
-                </a:solidFill>
-              </a14:hiddenFill>
-            </a:ext>
-          </a:extLst>
-        </p:spPr>
-      </p:pic>
-      <p:pic>
-        <p:nvPicPr>
-          <p:cNvPr id="10" name="Picture 12" descr="scikit-learn - Wikipedia">
-            <a:extLst>
-              <a:ext uri="{FF2B5EF4-FFF2-40B4-BE49-F238E27FC236}">
-                <a16:creationId xmlns:a16="http://schemas.microsoft.com/office/drawing/2014/main" id="{34825CA6-B2F9-76D0-40C9-92C3406A8DBD}"/>
-              </a:ext>
-            </a:extLst>
-          </p:cNvPr>
-          <p:cNvPicPr>
-            <a:picLocks noChangeAspect="1" noChangeArrowheads="1"/>
-          </p:cNvPicPr>
-          <p:nvPr/>
-        </p:nvPicPr>
-        <p:blipFill>
-          <a:blip r:embed="rId4">
-            <a:extLst>
-              <a:ext uri="{28A0092B-C50C-407E-A947-70E740481C1C}">
-                <a14:useLocalDpi xmlns:a14="http://schemas.microsoft.com/office/drawing/2010/main" val="0"/>
-              </a:ext>
-            </a:extLst>
-          </a:blip>
-          <a:srcRect/>
-          <a:stretch>
-            <a:fillRect/>
-          </a:stretch>
-        </p:blipFill>
-        <p:spPr bwMode="auto">
-          <a:xfrm>
-            <a:off x="10047917" y="3153819"/>
-            <a:ext cx="1621924" cy="873051"/>
-          </a:xfrm>
-          <a:prstGeom prst="rect">
-            <a:avLst/>
-          </a:prstGeom>
-          <a:noFill/>
-          <a:extLst>
-            <a:ext uri="{909E8E84-426E-40DD-AFC4-6F175D3DCCD1}">
-              <a14:hiddenFill xmlns:a14="http://schemas.microsoft.com/office/drawing/2010/main">
-                <a:solidFill>
-                  <a:srgbClr val="FFFFFF"/>
-                </a:solidFill>
-              </a14:hiddenFill>
-            </a:ext>
-          </a:extLst>
-        </p:spPr>
-      </p:pic>
-      <p:sp>
-        <p:nvSpPr>
-          <p:cNvPr id="11" name="TextBox 10">
-            <a:extLst>
-              <a:ext uri="{FF2B5EF4-FFF2-40B4-BE49-F238E27FC236}">
-                <a16:creationId xmlns:a16="http://schemas.microsoft.com/office/drawing/2014/main" id="{EFE6851F-EF27-B531-3709-C5F3348A4768}"/>
-              </a:ext>
-            </a:extLst>
-          </p:cNvPr>
-          <p:cNvSpPr txBox="1"/>
-          <p:nvPr/>
-        </p:nvSpPr>
-        <p:spPr>
-          <a:xfrm>
-            <a:off x="1222571" y="1474068"/>
-            <a:ext cx="4765287" cy="461665"/>
-          </a:xfrm>
-          <a:prstGeom prst="rect">
-            <a:avLst/>
-          </a:prstGeom>
-          <a:noFill/>
-        </p:spPr>
-        <p:txBody>
-          <a:bodyPr wrap="square" rtlCol="0">
-            <a:spAutoFit/>
-          </a:bodyPr>
-          <a:lstStyle/>
-          <a:p>
-            <a:r>
-              <a:rPr lang="en-US" sz="2400" dirty="0">
-                <a:latin typeface="Times New Roman" panose="02020603050405020304" pitchFamily="18" charset="0"/>
-                <a:cs typeface="Times New Roman" panose="02020603050405020304" pitchFamily="18" charset="0"/>
-              </a:rPr>
-              <a:t>Easy access to large amounts of data</a:t>
-            </a:r>
-          </a:p>
-        </p:txBody>
-      </p:sp>
-      <p:pic>
-        <p:nvPicPr>
-          <p:cNvPr id="12" name="Picture 11">
-            <a:extLst>
-              <a:ext uri="{FF2B5EF4-FFF2-40B4-BE49-F238E27FC236}">
-                <a16:creationId xmlns:a16="http://schemas.microsoft.com/office/drawing/2014/main" id="{E1211620-EB05-42EC-B1F4-7EE8C1026EFD}"/>
-              </a:ext>
-            </a:extLst>
-          </p:cNvPr>
-          <p:cNvPicPr>
-            <a:picLocks noChangeAspect="1"/>
-          </p:cNvPicPr>
-          <p:nvPr/>
-        </p:nvPicPr>
-        <p:blipFill>
-          <a:blip r:embed="rId5"/>
-          <a:stretch>
-            <a:fillRect/>
-          </a:stretch>
-        </p:blipFill>
-        <p:spPr>
-          <a:xfrm>
-            <a:off x="1370165" y="3153141"/>
-            <a:ext cx="4178300" cy="635000"/>
-          </a:xfrm>
-          <a:prstGeom prst="rect">
-            <a:avLst/>
-          </a:prstGeom>
-        </p:spPr>
-      </p:pic>
-      <p:pic>
-        <p:nvPicPr>
-          <p:cNvPr id="13" name="Picture 4" descr="data.gov - Wikipedia">
-            <a:extLst>
-              <a:ext uri="{FF2B5EF4-FFF2-40B4-BE49-F238E27FC236}">
-                <a16:creationId xmlns:a16="http://schemas.microsoft.com/office/drawing/2014/main" id="{0C28CA62-59BC-9AD9-FE4E-34DEB07A4250}"/>
-              </a:ext>
-            </a:extLst>
-          </p:cNvPr>
-          <p:cNvPicPr>
-            <a:picLocks noChangeAspect="1" noChangeArrowheads="1"/>
-          </p:cNvPicPr>
-          <p:nvPr/>
-        </p:nvPicPr>
-        <p:blipFill rotWithShape="1">
-          <a:blip r:embed="rId6">
-            <a:extLst>
-              <a:ext uri="{28A0092B-C50C-407E-A947-70E740481C1C}">
-                <a14:useLocalDpi xmlns:a14="http://schemas.microsoft.com/office/drawing/2010/main" val="0"/>
-              </a:ext>
-            </a:extLst>
-          </a:blip>
-          <a:srcRect t="35001" b="28060"/>
-          <a:stretch/>
-        </p:blipFill>
-        <p:spPr bwMode="auto">
-          <a:xfrm>
-            <a:off x="2488890" y="3788141"/>
-            <a:ext cx="1940850" cy="716934"/>
-          </a:xfrm>
-          <a:prstGeom prst="rect">
-            <a:avLst/>
-          </a:prstGeom>
-          <a:noFill/>
-          <a:extLst>
-            <a:ext uri="{909E8E84-426E-40DD-AFC4-6F175D3DCCD1}">
-              <a14:hiddenFill xmlns:a14="http://schemas.microsoft.com/office/drawing/2010/main">
-                <a:solidFill>
-                  <a:srgbClr val="FFFFFF"/>
-                </a:solidFill>
-              </a14:hiddenFill>
-            </a:ext>
-          </a:extLst>
-        </p:spPr>
-      </p:pic>
-      <p:cxnSp>
-        <p:nvCxnSpPr>
-          <p:cNvPr id="14" name="Straight Connector 13">
-            <a:extLst>
-              <a:ext uri="{FF2B5EF4-FFF2-40B4-BE49-F238E27FC236}">
-                <a16:creationId xmlns:a16="http://schemas.microsoft.com/office/drawing/2014/main" id="{5E3230D7-54D3-9EB8-8992-1D529D6804E6}"/>
-              </a:ext>
-            </a:extLst>
-          </p:cNvPr>
-          <p:cNvCxnSpPr>
-            <a:cxnSpLocks/>
-          </p:cNvCxnSpPr>
-          <p:nvPr/>
-        </p:nvCxnSpPr>
-        <p:spPr>
-          <a:xfrm>
-            <a:off x="6551265" y="2197077"/>
-            <a:ext cx="0" cy="2521127"/>
-          </a:xfrm>
-          <a:prstGeom prst="line">
-            <a:avLst/>
-          </a:prstGeom>
-          <a:ln w="31750"/>
-        </p:spPr>
-        <p:style>
-          <a:lnRef idx="1">
-            <a:schemeClr val="dk1"/>
-          </a:lnRef>
-          <a:fillRef idx="0">
-            <a:schemeClr val="dk1"/>
-          </a:fillRef>
-          <a:effectRef idx="0">
-            <a:schemeClr val="dk1"/>
-          </a:effectRef>
-          <a:fontRef idx="minor">
-            <a:schemeClr val="tx1"/>
-          </a:fontRef>
-        </p:style>
-      </p:cxnSp>
-      <p:sp>
-        <p:nvSpPr>
-          <p:cNvPr id="15" name="Rounded Rectangle 14">
-            <a:extLst>
-              <a:ext uri="{FF2B5EF4-FFF2-40B4-BE49-F238E27FC236}">
-                <a16:creationId xmlns:a16="http://schemas.microsoft.com/office/drawing/2014/main" id="{B0A91AAC-22EC-E1CB-4DF0-C417324D7DD2}"/>
-              </a:ext>
-            </a:extLst>
-          </p:cNvPr>
-          <p:cNvSpPr/>
-          <p:nvPr/>
-        </p:nvSpPr>
-        <p:spPr>
-          <a:xfrm>
-            <a:off x="3556000" y="5367867"/>
-            <a:ext cx="2099733" cy="1066392"/>
-          </a:xfrm>
-          <a:prstGeom prst="roundRect">
-            <a:avLst/>
-          </a:prstGeom>
-          <a:solidFill>
-            <a:schemeClr val="bg1">
-              <a:lumMod val="75000"/>
-            </a:schemeClr>
-          </a:solidFill>
-          <a:ln>
-            <a:solidFill>
-              <a:schemeClr val="tx1"/>
-            </a:solidFill>
-          </a:ln>
-        </p:spPr>
-        <p:style>
-          <a:lnRef idx="2">
-            <a:schemeClr val="accent1">
-              <a:shade val="50000"/>
-            </a:schemeClr>
-          </a:lnRef>
-          <a:fillRef idx="1">
-            <a:schemeClr val="accent1"/>
-          </a:fillRef>
-          <a:effectRef idx="0">
-            <a:schemeClr val="accent1"/>
-          </a:effectRef>
-          <a:fontRef idx="minor">
-            <a:schemeClr val="lt1"/>
-          </a:fontRef>
-        </p:style>
-        <p:txBody>
-          <a:bodyPr rtlCol="0" anchor="ctr"/>
-          <a:lstStyle/>
-          <a:p>
-            <a:pPr algn="ctr"/>
-            <a:r>
-              <a:rPr lang="en-US" dirty="0">
-                <a:solidFill>
-                  <a:schemeClr val="tx1"/>
-                </a:solidFill>
-                <a:latin typeface="Times New Roman" panose="02020603050405020304" pitchFamily="18" charset="0"/>
-                <a:cs typeface="Times New Roman" panose="02020603050405020304" pitchFamily="18" charset="0"/>
-              </a:rPr>
-              <a:t>Input Dataset</a:t>
-            </a:r>
-          </a:p>
-        </p:txBody>
-      </p:sp>
-      <p:sp>
-        <p:nvSpPr>
-          <p:cNvPr id="16" name="Rounded Rectangle 15">
-            <a:extLst>
-              <a:ext uri="{FF2B5EF4-FFF2-40B4-BE49-F238E27FC236}">
-                <a16:creationId xmlns:a16="http://schemas.microsoft.com/office/drawing/2014/main" id="{50101923-3EB2-FAFD-368C-862EBC42FD43}"/>
-              </a:ext>
-            </a:extLst>
-          </p:cNvPr>
-          <p:cNvSpPr/>
-          <p:nvPr/>
-        </p:nvSpPr>
-        <p:spPr>
-          <a:xfrm>
-            <a:off x="7210457" y="5367867"/>
-            <a:ext cx="2099733" cy="1066392"/>
-          </a:xfrm>
-          <a:prstGeom prst="roundRect">
-            <a:avLst/>
-          </a:prstGeom>
-          <a:solidFill>
-            <a:schemeClr val="bg1">
-              <a:lumMod val="75000"/>
-            </a:schemeClr>
-          </a:solidFill>
-          <a:ln>
-            <a:solidFill>
-              <a:schemeClr val="tx1"/>
-            </a:solidFill>
-          </a:ln>
-        </p:spPr>
-        <p:style>
-          <a:lnRef idx="2">
-            <a:schemeClr val="accent1">
-              <a:shade val="50000"/>
-            </a:schemeClr>
-          </a:lnRef>
-          <a:fillRef idx="1">
-            <a:schemeClr val="accent1"/>
-          </a:fillRef>
-          <a:effectRef idx="0">
-            <a:schemeClr val="accent1"/>
-          </a:effectRef>
-          <a:fontRef idx="minor">
-            <a:schemeClr val="lt1"/>
-          </a:fontRef>
-        </p:style>
-        <p:txBody>
-          <a:bodyPr rtlCol="0" anchor="ctr"/>
-          <a:lstStyle/>
-          <a:p>
-            <a:pPr algn="ctr"/>
-            <a:r>
-              <a:rPr lang="en-US" dirty="0">
-                <a:solidFill>
-                  <a:schemeClr val="tx1"/>
-                </a:solidFill>
-                <a:latin typeface="Times New Roman" panose="02020603050405020304" pitchFamily="18" charset="0"/>
-                <a:cs typeface="Times New Roman" panose="02020603050405020304" pitchFamily="18" charset="0"/>
-              </a:rPr>
-              <a:t>Pipeline Implementation</a:t>
-            </a:r>
-          </a:p>
-        </p:txBody>
-      </p:sp>
-      <p:sp>
-        <p:nvSpPr>
-          <p:cNvPr id="17" name="Right Arrow 16">
-            <a:extLst>
-              <a:ext uri="{FF2B5EF4-FFF2-40B4-BE49-F238E27FC236}">
-                <a16:creationId xmlns:a16="http://schemas.microsoft.com/office/drawing/2014/main" id="{FEFA99B0-65C8-B202-6CBA-4E4DF3A263AA}"/>
-              </a:ext>
-            </a:extLst>
-          </p:cNvPr>
-          <p:cNvSpPr/>
-          <p:nvPr/>
-        </p:nvSpPr>
-        <p:spPr>
-          <a:xfrm>
-            <a:off x="5987859" y="5621838"/>
-            <a:ext cx="1134534" cy="558449"/>
-          </a:xfrm>
-          <a:prstGeom prst="rightArrow">
-            <a:avLst/>
-          </a:prstGeom>
-          <a:solidFill>
-            <a:schemeClr val="tx1">
-              <a:lumMod val="50000"/>
-              <a:lumOff val="50000"/>
-            </a:schemeClr>
-          </a:solidFill>
-          <a:ln>
-            <a:solidFill>
-              <a:schemeClr val="tx1"/>
-            </a:solidFill>
-          </a:ln>
-        </p:spPr>
-        <p:style>
-          <a:lnRef idx="2">
-            <a:schemeClr val="accent1">
-              <a:shade val="50000"/>
-            </a:schemeClr>
-          </a:lnRef>
-          <a:fillRef idx="1">
-            <a:schemeClr val="accent1"/>
-          </a:fillRef>
-          <a:effectRef idx="0">
-            <a:schemeClr val="accent1"/>
-          </a:effectRef>
-          <a:fontRef idx="minor">
-            <a:schemeClr val="lt1"/>
-          </a:fontRef>
-        </p:style>
-        <p:txBody>
-          <a:bodyPr rtlCol="0" anchor="ctr"/>
-          <a:lstStyle/>
-          <a:p>
-            <a:pPr algn="ctr"/>
-            <a:endParaRPr lang="en-US"/>
-          </a:p>
-        </p:txBody>
-      </p:sp>
-      <p:sp>
-        <p:nvSpPr>
-          <p:cNvPr id="20" name="Rounded Rectangular Callout 19">
-            <a:extLst>
-              <a:ext uri="{FF2B5EF4-FFF2-40B4-BE49-F238E27FC236}">
-                <a16:creationId xmlns:a16="http://schemas.microsoft.com/office/drawing/2014/main" id="{233B2154-F3C9-4144-9CDD-DCF627FB77C5}"/>
-              </a:ext>
-            </a:extLst>
-          </p:cNvPr>
-          <p:cNvSpPr/>
-          <p:nvPr/>
-        </p:nvSpPr>
-        <p:spPr>
-          <a:xfrm>
-            <a:off x="1137693" y="2231531"/>
-            <a:ext cx="10227734" cy="1483551"/>
-          </a:xfrm>
-          <a:prstGeom prst="wedgeRoundRectCallout">
-            <a:avLst>
-              <a:gd name="adj1" fmla="val 2216"/>
-              <a:gd name="adj2" fmla="val 174656"/>
-              <a:gd name="adj3" fmla="val 16667"/>
-            </a:avLst>
-          </a:prstGeom>
-          <a:solidFill>
-            <a:schemeClr val="bg1">
-              <a:lumMod val="85000"/>
-            </a:schemeClr>
-          </a:solidFill>
-          <a:ln>
-            <a:solidFill>
-              <a:schemeClr val="tx1"/>
-            </a:solidFill>
-          </a:ln>
-        </p:spPr>
-        <p:style>
-          <a:lnRef idx="2">
-            <a:schemeClr val="accent1">
-              <a:shade val="50000"/>
-            </a:schemeClr>
-          </a:lnRef>
-          <a:fillRef idx="1">
-            <a:schemeClr val="accent1"/>
-          </a:fillRef>
-          <a:effectRef idx="0">
-            <a:schemeClr val="accent1"/>
-          </a:effectRef>
-          <a:fontRef idx="minor">
-            <a:schemeClr val="lt1"/>
-          </a:fontRef>
-        </p:style>
-        <p:txBody>
-          <a:bodyPr rtlCol="0" anchor="ctr"/>
-          <a:lstStyle/>
-          <a:p>
-            <a:pPr algn="ctr"/>
-            <a:r>
-              <a:rPr lang="en-US" sz="4000" dirty="0">
-                <a:solidFill>
-                  <a:schemeClr val="tx1"/>
-                </a:solidFill>
-                <a:latin typeface="Times New Roman" panose="02020603050405020304" pitchFamily="18" charset="0"/>
-                <a:cs typeface="Times New Roman" panose="02020603050405020304" pitchFamily="18" charset="0"/>
-              </a:rPr>
-              <a:t>Mismatch between pipeline’s assumptions of input data and the actual input data</a:t>
-            </a:r>
-            <a:endParaRPr lang="en-US" sz="4000" dirty="0">
-              <a:solidFill>
-                <a:schemeClr val="tx1"/>
-              </a:solidFill>
-            </a:endParaRPr>
-          </a:p>
-        </p:txBody>
-      </p:sp>
-      <p:pic>
-        <p:nvPicPr>
-          <p:cNvPr id="1026" name="Picture 2" descr="Free Error Cliparts, Download Free Error Cliparts png images, Free ClipArts  on Clipart Library">
-            <a:extLst>
-              <a:ext uri="{FF2B5EF4-FFF2-40B4-BE49-F238E27FC236}">
-                <a16:creationId xmlns:a16="http://schemas.microsoft.com/office/drawing/2014/main" id="{3336B7E5-0D23-2D90-EFAD-34D7E593DB01}"/>
-              </a:ext>
-            </a:extLst>
-          </p:cNvPr>
-          <p:cNvPicPr>
-            <a:picLocks noChangeAspect="1" noChangeArrowheads="1"/>
-          </p:cNvPicPr>
-          <p:nvPr/>
-        </p:nvPicPr>
-        <p:blipFill>
-          <a:blip r:embed="rId7">
-            <a:extLst>
-              <a:ext uri="{28A0092B-C50C-407E-A947-70E740481C1C}">
-                <a14:useLocalDpi xmlns:a14="http://schemas.microsoft.com/office/drawing/2010/main" val="0"/>
-              </a:ext>
-            </a:extLst>
-          </a:blip>
-          <a:srcRect/>
-          <a:stretch>
-            <a:fillRect/>
-          </a:stretch>
-        </p:blipFill>
-        <p:spPr bwMode="auto">
-          <a:xfrm>
-            <a:off x="3084078" y="665560"/>
-            <a:ext cx="6318682" cy="5805625"/>
-          </a:xfrm>
-          <a:prstGeom prst="rect">
-            <a:avLst/>
-          </a:prstGeom>
-          <a:noFill/>
-          <a:extLst>
-            <a:ext uri="{909E8E84-426E-40DD-AFC4-6F175D3DCCD1}">
-              <a14:hiddenFill xmlns:a14="http://schemas.microsoft.com/office/drawing/2010/main">
-                <a:solidFill>
-                  <a:srgbClr val="FFFFFF"/>
-                </a:solidFill>
-              </a14:hiddenFill>
-            </a:ext>
-          </a:extLst>
-        </p:spPr>
-      </p:pic>
-    </p:spTree>
-    <p:extLst>
-      <p:ext uri="{BB962C8B-B14F-4D97-AF65-F5344CB8AC3E}">
-        <p14:creationId xmlns:p14="http://schemas.microsoft.com/office/powerpoint/2010/main" val="1941177564"/>
-      </p:ext>
-    </p:extLst>
-  </p:cSld>
-  <p:clrMapOvr>
-    <a:masterClrMapping/>
-  </p:clrMapOvr>
-  <mc:AlternateContent xmlns:mc="http://schemas.openxmlformats.org/markup-compatibility/2006" xmlns:p14="http://schemas.microsoft.com/office/powerpoint/2010/main">
-    <mc:Choice Requires="p14">
-      <p:transition p14:dur="0"/>
-    </mc:Choice>
-    <mc:Fallback xmlns="">
-      <p:transition/>
-    </mc:Fallback>
-  </mc:AlternateContent>
-  <p:timing>
-    <p:tnLst>
-      <p:par>
-        <p:cTn id="1" dur="indefinite" restart="never" nodeType="tmRoot">
-          <p:childTnLst>
-            <p:seq concurrent="1" nextAc="seek">
-              <p:cTn id="2" dur="indefinite" nodeType="mainSeq">
-                <p:childTnLst>
-                  <p:par>
-                    <p:cTn id="3" fill="hold">
-                      <p:stCondLst>
-                        <p:cond delay="indefinite"/>
-                      </p:stCondLst>
-                      <p:childTnLst>
-                        <p:par>
-                          <p:cTn id="4" fill="hold">
-                            <p:stCondLst>
-                              <p:cond delay="0"/>
-                            </p:stCondLst>
-                            <p:childTnLst>
-                              <p:par>
-                                <p:cTn id="5" presetID="1" presetClass="entr" presetSubtype="0" fill="hold" nodeType="clickEffect">
-                                  <p:stCondLst>
-                                    <p:cond delay="0"/>
-                                  </p:stCondLst>
-                                  <p:childTnLst>
-                                    <p:set>
-                                      <p:cBhvr>
-                                        <p:cTn id="6" dur="1" fill="hold">
-                                          <p:stCondLst>
-                                            <p:cond delay="0"/>
-                                          </p:stCondLst>
-                                        </p:cTn>
-                                        <p:tgtEl>
-                                          <p:spTgt spid="14"/>
-                                        </p:tgtEl>
-                                        <p:attrNameLst>
-                                          <p:attrName>style.visibility</p:attrName>
-                                        </p:attrNameLst>
-                                      </p:cBhvr>
-                                      <p:to>
-                                        <p:strVal val="visible"/>
-                                      </p:to>
-                                    </p:set>
-                                  </p:childTnLst>
-                                </p:cTn>
-                              </p:par>
-                              <p:par>
-                                <p:cTn id="7" presetID="1" presetClass="entr" presetSubtype="0" fill="hold" grpId="0" nodeType="withEffect">
-                                  <p:stCondLst>
-                                    <p:cond delay="0"/>
-                                  </p:stCondLst>
-                                  <p:childTnLst>
-                                    <p:set>
-                                      <p:cBhvr>
-                                        <p:cTn id="8" dur="1" fill="hold">
-                                          <p:stCondLst>
-                                            <p:cond delay="0"/>
-                                          </p:stCondLst>
-                                        </p:cTn>
-                                        <p:tgtEl>
-                                          <p:spTgt spid="7"/>
-                                        </p:tgtEl>
-                                        <p:attrNameLst>
-                                          <p:attrName>style.visibility</p:attrName>
-                                        </p:attrNameLst>
-                                      </p:cBhvr>
-                                      <p:to>
-                                        <p:strVal val="visible"/>
-                                      </p:to>
-                                    </p:set>
-                                  </p:childTnLst>
-                                </p:cTn>
-                              </p:par>
-                              <p:par>
-                                <p:cTn id="9" presetID="1" presetClass="entr" presetSubtype="0" fill="hold" nodeType="withEffect">
-                                  <p:stCondLst>
-                                    <p:cond delay="0"/>
-                                  </p:stCondLst>
-                                  <p:childTnLst>
-                                    <p:set>
-                                      <p:cBhvr>
-                                        <p:cTn id="10" dur="1" fill="hold">
-                                          <p:stCondLst>
-                                            <p:cond delay="0"/>
-                                          </p:stCondLst>
-                                        </p:cTn>
-                                        <p:tgtEl>
-                                          <p:spTgt spid="8"/>
-                                        </p:tgtEl>
-                                        <p:attrNameLst>
-                                          <p:attrName>style.visibility</p:attrName>
-                                        </p:attrNameLst>
-                                      </p:cBhvr>
-                                      <p:to>
-                                        <p:strVal val="visible"/>
-                                      </p:to>
-                                    </p:set>
-                                  </p:childTnLst>
-                                </p:cTn>
-                              </p:par>
-                              <p:par>
-                                <p:cTn id="11" presetID="1" presetClass="entr" presetSubtype="0" fill="hold" nodeType="withEffect">
-                                  <p:stCondLst>
-                                    <p:cond delay="0"/>
-                                  </p:stCondLst>
-                                  <p:childTnLst>
-                                    <p:set>
-                                      <p:cBhvr>
-                                        <p:cTn id="12" dur="1" fill="hold">
-                                          <p:stCondLst>
-                                            <p:cond delay="0"/>
-                                          </p:stCondLst>
-                                        </p:cTn>
-                                        <p:tgtEl>
-                                          <p:spTgt spid="9"/>
-                                        </p:tgtEl>
-                                        <p:attrNameLst>
-                                          <p:attrName>style.visibility</p:attrName>
-                                        </p:attrNameLst>
-                                      </p:cBhvr>
-                                      <p:to>
-                                        <p:strVal val="visible"/>
-                                      </p:to>
-                                    </p:set>
-                                  </p:childTnLst>
-                                </p:cTn>
-                              </p:par>
-                              <p:par>
-                                <p:cTn id="13" presetID="1" presetClass="entr" presetSubtype="0" fill="hold" nodeType="withEffect">
-                                  <p:stCondLst>
-                                    <p:cond delay="0"/>
-                                  </p:stCondLst>
-                                  <p:childTnLst>
-                                    <p:set>
-                                      <p:cBhvr>
-                                        <p:cTn id="14" dur="1" fill="hold">
-                                          <p:stCondLst>
-                                            <p:cond delay="0"/>
-                                          </p:stCondLst>
-                                        </p:cTn>
-                                        <p:tgtEl>
-                                          <p:spTgt spid="10"/>
-                                        </p:tgtEl>
-                                        <p:attrNameLst>
-                                          <p:attrName>style.visibility</p:attrName>
-                                        </p:attrNameLst>
-                                      </p:cBhvr>
-                                      <p:to>
-                                        <p:strVal val="visible"/>
-                                      </p:to>
-                                    </p:set>
-                                  </p:childTnLst>
-                                </p:cTn>
-                              </p:par>
-                              <p:par>
-                                <p:cTn id="15" presetID="1" presetClass="entr" presetSubtype="0" fill="hold" grpId="0" nodeType="withEffect">
-                                  <p:stCondLst>
-                                    <p:cond delay="0"/>
-                                  </p:stCondLst>
-                                  <p:childTnLst>
-                                    <p:set>
-                                      <p:cBhvr>
-                                        <p:cTn id="16" dur="1" fill="hold">
-                                          <p:stCondLst>
-                                            <p:cond delay="0"/>
-                                          </p:stCondLst>
-                                        </p:cTn>
-                                        <p:tgtEl>
-                                          <p:spTgt spid="16"/>
-                                        </p:tgtEl>
-                                        <p:attrNameLst>
-                                          <p:attrName>style.visibility</p:attrName>
-                                        </p:attrNameLst>
-                                      </p:cBhvr>
-                                      <p:to>
-                                        <p:strVal val="visible"/>
-                                      </p:to>
-                                    </p:set>
-                                  </p:childTnLst>
-                                </p:cTn>
-                              </p:par>
-                            </p:childTnLst>
-                          </p:cTn>
-                        </p:par>
-                      </p:childTnLst>
-                    </p:cTn>
-                  </p:par>
-                  <p:par>
-                    <p:cTn id="17" fill="hold">
-                      <p:stCondLst>
-                        <p:cond delay="indefinite"/>
-                      </p:stCondLst>
-                      <p:childTnLst>
-                        <p:par>
-                          <p:cTn id="18" fill="hold">
-                            <p:stCondLst>
-                              <p:cond delay="0"/>
-                            </p:stCondLst>
-                            <p:childTnLst>
-                              <p:par>
-                                <p:cTn id="19" presetID="1" presetClass="entr" presetSubtype="0" fill="hold" grpId="0" nodeType="clickEffect">
-                                  <p:stCondLst>
-                                    <p:cond delay="0"/>
-                                  </p:stCondLst>
-                                  <p:childTnLst>
-                                    <p:set>
-                                      <p:cBhvr>
-                                        <p:cTn id="20" dur="1" fill="hold">
-                                          <p:stCondLst>
-                                            <p:cond delay="0"/>
-                                          </p:stCondLst>
-                                        </p:cTn>
-                                        <p:tgtEl>
-                                          <p:spTgt spid="17"/>
-                                        </p:tgtEl>
-                                        <p:attrNameLst>
-                                          <p:attrName>style.visibility</p:attrName>
-                                        </p:attrNameLst>
-                                      </p:cBhvr>
-                                      <p:to>
-                                        <p:strVal val="visible"/>
-                                      </p:to>
-                                    </p:set>
-                                  </p:childTnLst>
-                                </p:cTn>
-                              </p:par>
-                              <p:par>
-                                <p:cTn id="21" presetID="1" presetClass="entr" presetSubtype="0" fill="hold" grpId="0" nodeType="withEffect">
-                                  <p:stCondLst>
-                                    <p:cond delay="0"/>
-                                  </p:stCondLst>
-                                  <p:childTnLst>
-                                    <p:set>
-                                      <p:cBhvr>
-                                        <p:cTn id="22" dur="1" fill="hold">
-                                          <p:stCondLst>
-                                            <p:cond delay="0"/>
-                                          </p:stCondLst>
-                                        </p:cTn>
-                                        <p:tgtEl>
-                                          <p:spTgt spid="20"/>
-                                        </p:tgtEl>
-                                        <p:attrNameLst>
-                                          <p:attrName>style.visibility</p:attrName>
-                                        </p:attrNameLst>
-                                      </p:cBhvr>
-                                      <p:to>
-                                        <p:strVal val="visible"/>
-                                      </p:to>
-                                    </p:set>
-                                  </p:childTnLst>
-                                </p:cTn>
-                              </p:par>
-                            </p:childTnLst>
-                          </p:cTn>
-                        </p:par>
-                      </p:childTnLst>
-                    </p:cTn>
-                  </p:par>
-                  <p:par>
-                    <p:cTn id="23" fill="hold">
-                      <p:stCondLst>
-                        <p:cond delay="indefinite"/>
-                      </p:stCondLst>
-                      <p:childTnLst>
-                        <p:par>
-                          <p:cTn id="24" fill="hold">
-                            <p:stCondLst>
-                              <p:cond delay="0"/>
-                            </p:stCondLst>
-                            <p:childTnLst>
-                              <p:par>
-                                <p:cTn id="25" presetID="1" presetClass="entr" presetSubtype="0" fill="hold" nodeType="clickEffect">
-                                  <p:stCondLst>
-                                    <p:cond delay="0"/>
-                                  </p:stCondLst>
-                                  <p:childTnLst>
-                                    <p:set>
-                                      <p:cBhvr>
-                                        <p:cTn id="26" dur="1" fill="hold">
-                                          <p:stCondLst>
-                                            <p:cond delay="0"/>
-                                          </p:stCondLst>
-                                        </p:cTn>
-                                        <p:tgtEl>
-                                          <p:spTgt spid="1026"/>
-                                        </p:tgtEl>
-                                        <p:attrNameLst>
-                                          <p:attrName>style.visibility</p:attrName>
-                                        </p:attrNameLst>
-                                      </p:cBhvr>
-                                      <p:to>
-                                        <p:strVal val="visible"/>
-                                      </p:to>
-                                    </p:set>
-                                  </p:childTnLst>
-                                </p:cTn>
-                              </p:par>
-                            </p:childTnLst>
-                          </p:cTn>
-                        </p:par>
-                      </p:childTnLst>
-                    </p:cTn>
-                  </p:par>
-                </p:childTnLst>
-              </p:cTn>
-              <p:prevCondLst>
-                <p:cond evt="onPrev" delay="0">
-                  <p:tgtEl>
-                    <p:sldTgt/>
-                  </p:tgtEl>
-                </p:cond>
-              </p:prevCondLst>
-              <p:nextCondLst>
-                <p:cond evt="onNext" delay="0">
-                  <p:tgtEl>
-                    <p:sldTgt/>
-                  </p:tgtEl>
-                </p:cond>
-              </p:nextCondLst>
-            </p:seq>
-          </p:childTnLst>
-        </p:cTn>
-      </p:par>
-    </p:tnLst>
-    <p:bldLst>
-      <p:bldP spid="7" grpId="0"/>
-      <p:bldP spid="16" grpId="0" animBg="1"/>
-      <p:bldP spid="17" grpId="0" animBg="1"/>
-      <p:bldP spid="20" grpId="0" animBg="1"/>
-    </p:bldLst>
-  </p:timing>
 </p:sld>
 </file>
 

--- a/posters_and_slides/NWDS_2023_Talk.pptx
+++ b/posters_and_slides/NWDS_2023_Talk.pptx
@@ -14,9 +14,9 @@
     <p:sldId id="296" r:id="rId2"/>
     <p:sldId id="658" r:id="rId3"/>
     <p:sldId id="659" r:id="rId4"/>
-    <p:sldId id="651" r:id="rId5"/>
-    <p:sldId id="649" r:id="rId6"/>
-    <p:sldId id="505" r:id="rId7"/>
+    <p:sldId id="649" r:id="rId5"/>
+    <p:sldId id="505" r:id="rId6"/>
+    <p:sldId id="660" r:id="rId7"/>
     <p:sldId id="661" r:id="rId8"/>
     <p:sldId id="605" r:id="rId9"/>
     <p:sldId id="594" r:id="rId10"/>
@@ -296,7 +296,7 @@
           <a:p>
             <a:fld id="{51CB09B3-5157-3D44-BCBF-48921DC5308C}" type="datetimeFigureOut">
               <a:rPr lang="en-US" smtClean="0"/>
-              <a:t>5/12/23</a:t>
+              <a:t>5/15/23</a:t>
             </a:fld>
             <a:endParaRPr lang="en-US" dirty="0"/>
           </a:p>
@@ -474,7 +474,7 @@
           <a:p>
             <a:fld id="{B4946490-D9C2-884C-8377-1704A87F15BA}" type="datetimeFigureOut">
               <a:rPr lang="en-US" smtClean="0"/>
-              <a:t>5/12/23</a:t>
+              <a:t>5/15/23</a:t>
             </a:fld>
             <a:endParaRPr lang="en-US" dirty="0"/>
           </a:p>
@@ -850,23 +850,7 @@
           <a:bodyPr/>
           <a:lstStyle/>
           <a:p>
-            <a:pPr marL="0" marR="0" lvl="0" indent="0" algn="l" defTabSz="914400" rtl="0" eaLnBrk="1" fontAlgn="auto" latinLnBrk="0" hangingPunct="1">
-              <a:lnSpc>
-                <a:spcPct val="100000"/>
-              </a:lnSpc>
-              <a:spcBef>
-                <a:spcPts val="0"/>
-              </a:spcBef>
-              <a:spcAft>
-                <a:spcPts val="0"/>
-              </a:spcAft>
-              <a:buClrTx/>
-              <a:buSzTx/>
-              <a:buFontTx/>
-              <a:buNone/>
-              <a:tabLst/>
-              <a:defRPr/>
-            </a:pPr>
+            <a:pPr rtl="0"/>
             <a:r>
               <a:rPr lang="en-US" sz="1200" b="0" i="0" u="none" strike="noStrike" kern="1200" dirty="0">
                 <a:solidFill>
@@ -877,11 +861,83 @@
                 <a:ea typeface="+mn-ea"/>
                 <a:cs typeface="+mn-cs"/>
               </a:rPr>
-              <a:t>The high level intuition of constructing this graph is that attributes some issues such as incorrect format or mistakes generally have multiple discriminative profiles connected to it. Therefore, profiles that are connected to a high degree attributes in this graph are considered as possible culprits first.</a:t>
+              <a:t>Now the third stage ranks the discriminative profiles based on a benefit score. </a:t>
+            </a:r>
+          </a:p>
+          <a:p>
+            <a:pPr rtl="0"/>
+            <a:endParaRPr lang="en-US" sz="1200" b="0" i="0" u="none" strike="noStrike" kern="1200" dirty="0">
+              <a:solidFill>
+                <a:schemeClr val="tx1"/>
+              </a:solidFill>
+              <a:effectLst/>
+              <a:latin typeface="+mn-lt"/>
+              <a:ea typeface="+mn-ea"/>
+              <a:cs typeface="+mn-cs"/>
+            </a:endParaRPr>
+          </a:p>
+          <a:p>
+            <a:pPr rtl="0"/>
+            <a:r>
+              <a:rPr lang="en-US" sz="1200" b="0" i="0" u="none" strike="noStrike" kern="1200" dirty="0">
+                <a:solidFill>
+                  <a:schemeClr val="tx1"/>
+                </a:solidFill>
+                <a:effectLst/>
+                <a:latin typeface="+mn-lt"/>
+                <a:ea typeface="+mn-ea"/>
+                <a:cs typeface="+mn-cs"/>
+              </a:rPr>
+              <a:t>This score captures the likelihood that malfunction score would change if a profile is intervened. Specifically, the benefit of a profile is the violation score of the failing dataset times the fraction of tuples that are transformed by the PVTs transformation. </a:t>
             </a:r>
             <a:endParaRPr lang="en-US" b="0" dirty="0">
               <a:effectLst/>
             </a:endParaRPr>
+          </a:p>
+          <a:p>
+            <a:pPr rtl="0"/>
+            <a:r>
+              <a:rPr lang="en-US" sz="1200" b="0" i="0" u="none" strike="noStrike" kern="1200" dirty="0">
+                <a:solidFill>
+                  <a:schemeClr val="tx1"/>
+                </a:solidFill>
+                <a:effectLst/>
+                <a:latin typeface="+mn-lt"/>
+                <a:ea typeface="+mn-ea"/>
+                <a:cs typeface="+mn-cs"/>
+              </a:rPr>
+              <a:t>We show the benefit scores of different PVTs in this table. </a:t>
+            </a:r>
+            <a:endParaRPr lang="en-US" b="0" dirty="0">
+              <a:effectLst/>
+            </a:endParaRPr>
+          </a:p>
+          <a:p>
+            <a:pPr rtl="0"/>
+            <a:br>
+              <a:rPr lang="en-US" dirty="0"/>
+            </a:br>
+            <a:r>
+              <a:rPr lang="en-US" sz="1200" b="0" i="0" u="none" strike="noStrike" kern="1200" dirty="0">
+                <a:solidFill>
+                  <a:schemeClr val="tx1"/>
+                </a:solidFill>
+                <a:effectLst/>
+                <a:latin typeface="+mn-lt"/>
+                <a:ea typeface="+mn-ea"/>
+                <a:cs typeface="+mn-cs"/>
+              </a:rPr>
+              <a:t>In the subsequent stage, highest scoring PVT which is Correlation between sex and income is considered for intervention.</a:t>
+            </a:r>
+            <a:endParaRPr lang="en-US" b="0" dirty="0">
+              <a:effectLst/>
+            </a:endParaRPr>
+          </a:p>
+          <a:p>
+            <a:br>
+              <a:rPr lang="en-US" dirty="0"/>
+            </a:br>
+            <a:endParaRPr lang="en-US" dirty="0"/>
           </a:p>
           <a:p>
             <a:endParaRPr lang="en-US" dirty="0"/>
@@ -891,7 +947,7 @@
     </p:spTree>
     <p:extLst>
       <p:ext uri="{BB962C8B-B14F-4D97-AF65-F5344CB8AC3E}">
-        <p14:creationId xmlns:p14="http://schemas.microsoft.com/office/powerpoint/2010/main" val="387061960"/>
+        <p14:creationId xmlns:p14="http://schemas.microsoft.com/office/powerpoint/2010/main" val="1192652719"/>
       </p:ext>
     </p:extLst>
   </p:cSld>
@@ -945,104 +1001,17 @@
           <a:bodyPr/>
           <a:lstStyle/>
           <a:p>
-            <a:pPr rtl="0"/>
-            <a:r>
-              <a:rPr lang="en-US" sz="1200" b="0" i="0" u="none" strike="noStrike" kern="1200" dirty="0">
-                <a:solidFill>
-                  <a:schemeClr val="tx1"/>
-                </a:solidFill>
-                <a:effectLst/>
-                <a:latin typeface="+mn-lt"/>
-                <a:ea typeface="+mn-ea"/>
-                <a:cs typeface="+mn-cs"/>
-              </a:rPr>
-              <a:t>Now the third stage ranks the discriminative profiles based on a benefit score. </a:t>
-            </a:r>
-          </a:p>
-          <a:p>
-            <a:pPr rtl="0"/>
-            <a:endParaRPr lang="en-US" sz="1200" b="0" i="0" u="none" strike="noStrike" kern="1200" dirty="0">
-              <a:solidFill>
-                <a:schemeClr val="tx1"/>
-              </a:solidFill>
-              <a:effectLst/>
-              <a:latin typeface="+mn-lt"/>
-              <a:ea typeface="+mn-ea"/>
-              <a:cs typeface="+mn-cs"/>
-            </a:endParaRPr>
-          </a:p>
-          <a:p>
-            <a:pPr rtl="0"/>
-            <a:r>
-              <a:rPr lang="en-US" sz="1200" b="0" i="0" u="none" strike="noStrike" kern="1200" dirty="0">
-                <a:solidFill>
-                  <a:schemeClr val="tx1"/>
-                </a:solidFill>
-                <a:effectLst/>
-                <a:latin typeface="+mn-lt"/>
-                <a:ea typeface="+mn-ea"/>
-                <a:cs typeface="+mn-cs"/>
-              </a:rPr>
-              <a:t>This score captures the likelihood that malfunction score would change if a profile is intervened. Specifically, the benefit of a profile is the violation score of the failing dataset times the fraction of tuples that are transformed by the PVTs transformation. </a:t>
-            </a:r>
-            <a:endParaRPr lang="en-US" b="0" dirty="0">
-              <a:effectLst/>
-            </a:endParaRPr>
-          </a:p>
-          <a:p>
-            <a:pPr rtl="0"/>
-            <a:r>
-              <a:rPr lang="en-US" sz="1200" b="0" i="0" u="none" strike="noStrike" kern="1200" dirty="0">
-                <a:solidFill>
-                  <a:schemeClr val="tx1"/>
-                </a:solidFill>
-                <a:effectLst/>
-                <a:latin typeface="+mn-lt"/>
-                <a:ea typeface="+mn-ea"/>
-                <a:cs typeface="+mn-cs"/>
-              </a:rPr>
-              <a:t>We show the benefit scores of different PVTs in this table. </a:t>
-            </a:r>
-            <a:endParaRPr lang="en-US" b="0" dirty="0">
-              <a:effectLst/>
-            </a:endParaRPr>
-          </a:p>
-          <a:p>
-            <a:pPr rtl="0"/>
-            <a:br>
+            <a:r>
               <a:rPr lang="en-US" dirty="0"/>
-            </a:br>
-            <a:r>
-              <a:rPr lang="en-US" sz="1200" b="0" i="0" u="none" strike="noStrike" kern="1200" dirty="0">
-                <a:solidFill>
-                  <a:schemeClr val="tx1"/>
-                </a:solidFill>
-                <a:effectLst/>
-                <a:latin typeface="+mn-lt"/>
-                <a:ea typeface="+mn-ea"/>
-                <a:cs typeface="+mn-cs"/>
-              </a:rPr>
-              <a:t>In the subsequent stage, highest scoring PVT which is Correlation between sex and income is considered for intervention.</a:t>
-            </a:r>
-            <a:endParaRPr lang="en-US" b="0" dirty="0">
-              <a:effectLst/>
-            </a:endParaRPr>
-          </a:p>
-          <a:p>
-            <a:br>
-              <a:rPr lang="en-US" dirty="0"/>
-            </a:br>
-            <a:endParaRPr lang="en-US" dirty="0"/>
-          </a:p>
-          <a:p>
-            <a:endParaRPr lang="en-US" dirty="0"/>
+              <a:t>To verify whether some data profile indeed causes system malfunction, we take an interventional approach.</a:t>
+            </a:r>
           </a:p>
         </p:txBody>
       </p:sp>
     </p:spTree>
     <p:extLst>
       <p:ext uri="{BB962C8B-B14F-4D97-AF65-F5344CB8AC3E}">
-        <p14:creationId xmlns:p14="http://schemas.microsoft.com/office/powerpoint/2010/main" val="1192652719"/>
+        <p14:creationId xmlns:p14="http://schemas.microsoft.com/office/powerpoint/2010/main" val="870587209"/>
       </p:ext>
     </p:extLst>
   </p:cSld>
@@ -1096,70 +1065,6 @@
           <a:bodyPr/>
           <a:lstStyle/>
           <a:p>
-            <a:r>
-              <a:rPr lang="en-US" dirty="0"/>
-              <a:t>To verify whether some data profile indeed causes system malfunction, we take an interventional approach.</a:t>
-            </a:r>
-          </a:p>
-        </p:txBody>
-      </p:sp>
-    </p:spTree>
-    <p:extLst>
-      <p:ext uri="{BB962C8B-B14F-4D97-AF65-F5344CB8AC3E}">
-        <p14:creationId xmlns:p14="http://schemas.microsoft.com/office/powerpoint/2010/main" val="870587209"/>
-      </p:ext>
-    </p:extLst>
-  </p:cSld>
-  <p:clrMapOvr>
-    <a:masterClrMapping/>
-  </p:clrMapOvr>
-</p:notes>
-</file>
-
-<file path=ppt/notesSlides/notesSlide13.xml><?xml version="1.0" encoding="utf-8"?>
-<p:notes xmlns:a="http://schemas.openxmlformats.org/drawingml/2006/main" xmlns:r="http://schemas.openxmlformats.org/officeDocument/2006/relationships" xmlns:p="http://schemas.openxmlformats.org/presentationml/2006/main">
-  <p:cSld>
-    <p:spTree>
-      <p:nvGrpSpPr>
-        <p:cNvPr id="1" name=""/>
-        <p:cNvGrpSpPr/>
-        <p:nvPr/>
-      </p:nvGrpSpPr>
-      <p:grpSpPr>
-        <a:xfrm>
-          <a:off x="0" y="0"/>
-          <a:ext cx="0" cy="0"/>
-          <a:chOff x="0" y="0"/>
-          <a:chExt cx="0" cy="0"/>
-        </a:xfrm>
-      </p:grpSpPr>
-      <p:sp>
-        <p:nvSpPr>
-          <p:cNvPr id="2" name="Slide Image Placeholder 1"/>
-          <p:cNvSpPr>
-            <a:spLocks noGrp="1" noRot="1" noChangeAspect="1"/>
-          </p:cNvSpPr>
-          <p:nvPr>
-            <p:ph type="sldImg"/>
-          </p:nvPr>
-        </p:nvSpPr>
-        <p:spPr/>
-      </p:sp>
-      <p:sp>
-        <p:nvSpPr>
-          <p:cNvPr id="3" name="Notes Placeholder 2"/>
-          <p:cNvSpPr>
-            <a:spLocks noGrp="1"/>
-          </p:cNvSpPr>
-          <p:nvPr>
-            <p:ph type="body" idx="1"/>
-          </p:nvPr>
-        </p:nvSpPr>
-        <p:spPr/>
-        <p:txBody>
-          <a:bodyPr/>
-          <a:lstStyle/>
-          <a:p>
             <a:endParaRPr lang="en-US" dirty="0"/>
           </a:p>
         </p:txBody>
@@ -1177,7 +1082,7 @@
 </p:notes>
 </file>
 
-<file path=ppt/notesSlides/notesSlide14.xml><?xml version="1.0" encoding="utf-8"?>
+<file path=ppt/notesSlides/notesSlide13.xml><?xml version="1.0" encoding="utf-8"?>
 <p:notes xmlns:a="http://schemas.openxmlformats.org/drawingml/2006/main" xmlns:r="http://schemas.openxmlformats.org/officeDocument/2006/relationships" xmlns:p="http://schemas.openxmlformats.org/presentationml/2006/main">
   <p:cSld>
     <p:spTree>
@@ -1557,6 +1462,32 @@
               <a:t> can suggest skincare solutions and it’s correct. On one hand, this would be an amazing technological advancement, on the other hand, I just felt very skeptical before putting anything on my own skin based on what an AI is suggesting? Why because I still don’t trust AI that much!</a:t>
             </a:r>
           </a:p>
+          <a:p>
+            <a:endParaRPr lang="en-US" sz="1200" b="0" i="0" kern="1200" dirty="0">
+              <a:solidFill>
+                <a:schemeClr val="tx1"/>
+              </a:solidFill>
+              <a:effectLst/>
+              <a:latin typeface="+mn-lt"/>
+              <a:ea typeface="+mn-ea"/>
+              <a:cs typeface="+mn-cs"/>
+            </a:endParaRPr>
+          </a:p>
+          <a:p>
+            <a:r>
+              <a:rPr lang="en-US" sz="1200" b="0" i="0" kern="1200" dirty="0">
+                <a:solidFill>
+                  <a:schemeClr val="tx1"/>
+                </a:solidFill>
+                <a:effectLst/>
+                <a:latin typeface="+mn-lt"/>
+                <a:ea typeface="+mn-ea"/>
+                <a:cs typeface="+mn-cs"/>
+              </a:rPr>
+              <a:t>So the ultimate goal of my research is to meet the users of data systems where they are. I want to bring the data systems closer to their users. </a:t>
+            </a:r>
+            <a:endParaRPr lang="en-US" dirty="0"/>
+          </a:p>
         </p:txBody>
       </p:sp>
     </p:spTree>
@@ -1616,6 +1547,35 @@
           <a:bodyPr/>
           <a:lstStyle/>
           <a:p>
+            <a:r>
+              <a:rPr lang="en-US" dirty="0"/>
+              <a:t>For instance, </a:t>
+            </a:r>
+            <a:r>
+              <a:rPr lang="en-US" sz="1200" b="0" i="0" kern="1200" dirty="0">
+                <a:solidFill>
+                  <a:schemeClr val="tx1"/>
+                </a:solidFill>
+                <a:effectLst/>
+                <a:latin typeface="+mn-lt"/>
+                <a:ea typeface="+mn-ea"/>
+                <a:cs typeface="+mn-cs"/>
+              </a:rPr>
+              <a:t>with respect to data-driven systems, we all become curious about understanding and repairing bugs that relate to the impact that data has on the system. I am not simply talking about errors in the data, but, rather, cases where data may lead to system malfunction due to a disconnect between properties of the data and the system design.  </a:t>
+            </a:r>
+          </a:p>
+          <a:p>
+            <a:endParaRPr lang="en-US" sz="1200" b="0" i="0" kern="1200" dirty="0">
+              <a:solidFill>
+                <a:schemeClr val="tx1"/>
+              </a:solidFill>
+              <a:effectLst/>
+              <a:latin typeface="+mn-lt"/>
+              <a:ea typeface="+mn-ea"/>
+              <a:cs typeface="+mn-cs"/>
+            </a:endParaRPr>
+          </a:p>
+          <a:p>
             <a:pPr marL="0" marR="0" lvl="0" indent="0" algn="l" defTabSz="914400" rtl="0" eaLnBrk="1" fontAlgn="auto" latinLnBrk="0" hangingPunct="1">
               <a:lnSpc>
                 <a:spcPct val="100000"/>
@@ -1634,99 +1594,16 @@
               <a:defRPr/>
             </a:pPr>
             <a:r>
-              <a:rPr lang="en-US" sz="1200" b="0" i="0" kern="1200" dirty="0">
-                <a:solidFill>
-                  <a:schemeClr val="tx1"/>
-                </a:solidFill>
-                <a:effectLst/>
-                <a:latin typeface="+mn-lt"/>
-                <a:ea typeface="+mn-ea"/>
-                <a:cs typeface="+mn-cs"/>
-              </a:rPr>
-              <a:t>So the ultimate goal of my research is to meet the users of data systems where they are. I want to bring the data systems closer to their users.</a:t>
-            </a:r>
-            <a:endParaRPr lang="en-US" dirty="0"/>
-          </a:p>
-          <a:p>
-            <a:endParaRPr lang="en-US" dirty="0"/>
-          </a:p>
-          <a:p>
-            <a:r>
               <a:rPr lang="en-US" dirty="0"/>
-              <a:t>$ Research in designing and developing systems focus on many dimensions. This diagram here is by no means exhaustive, rather just a few examples of those criteria. </a:t>
-            </a:r>
-          </a:p>
-          <a:p>
-            <a:endParaRPr lang="en-US" dirty="0"/>
-          </a:p>
-          <a:p>
-            <a:r>
-              <a:rPr lang="en-US" dirty="0"/>
-              <a:t>One is correctness, such as prediction accuracy of ML models or proper functioning of database management systems.</a:t>
-            </a:r>
-          </a:p>
-          <a:p>
-            <a:endParaRPr lang="en-US" dirty="0"/>
-          </a:p>
-          <a:p>
-            <a:r>
-              <a:rPr lang="en-US" dirty="0"/>
-              <a:t>Another important dimension is runtime performance, we want systems to be efficient and scalable. </a:t>
-            </a:r>
-          </a:p>
-          <a:p>
-            <a:endParaRPr lang="en-US" dirty="0"/>
-          </a:p>
-          <a:p>
-            <a:r>
-              <a:rPr lang="en-US" dirty="0"/>
-              <a:t>The focus of my research is on the dimension of user-centeredness, which demands a system to be easily accessible, </a:t>
-            </a:r>
-            <a:r>
-              <a:rPr lang="en-US" dirty="0" err="1"/>
-              <a:t>debuggable</a:t>
-            </a:r>
-            <a:r>
-              <a:rPr lang="en-US" dirty="0"/>
-              <a:t>, explainable, understandable, transparent, fair, and so on and so forth.</a:t>
-            </a:r>
-          </a:p>
-          <a:p>
-            <a:endParaRPr lang="en-US" dirty="0"/>
-          </a:p>
-          <a:p>
-            <a:r>
-              <a:rPr lang="en-US" dirty="0"/>
-              <a:t>$ HCI is a leading area that focuses on some of these, but HCI research mostly focuses on understanding user needs, interface design, visualization and so on. But often, there is little to no support in terms of the underlying technology to support user needs.</a:t>
-            </a:r>
-          </a:p>
-          <a:p>
-            <a:endParaRPr lang="en-US" dirty="0"/>
-          </a:p>
-          <a:p>
-            <a:r>
-              <a:rPr lang="en-US" dirty="0"/>
-              <a:t>$ On the other hand, systems research focuses on the technology, architecture, and algorithm to build effective and efficient systems, but often overlooks the user-centered aspects. </a:t>
-            </a:r>
-          </a:p>
-          <a:p>
-            <a:endParaRPr lang="en-US" dirty="0"/>
-          </a:p>
-          <a:p>
-            <a:r>
-              <a:rPr lang="en-US" dirty="0"/>
-              <a:t>$ As a result, there is a gap between these two lines of research, and I want to bridge this gap by building technology that empowers the users of data systems. I see this as the missing piece of the puzzle. </a:t>
-            </a:r>
-          </a:p>
-          <a:p>
-            <a:endParaRPr lang="en-US" dirty="0"/>
+              <a:t>For example, when a system is designed to handle data in the US format, but the data is formatted in the say Australian format, neither the data is wrong, nor is the system, but there is a mismatch between what the system expects from the data. The goal of this project is to identify such mismatches.</a:t>
+            </a:r>
           </a:p>
         </p:txBody>
       </p:sp>
     </p:spTree>
     <p:extLst>
       <p:ext uri="{BB962C8B-B14F-4D97-AF65-F5344CB8AC3E}">
-        <p14:creationId xmlns:p14="http://schemas.microsoft.com/office/powerpoint/2010/main" val="2195597966"/>
+        <p14:creationId xmlns:p14="http://schemas.microsoft.com/office/powerpoint/2010/main" val="1709497379"/>
       </p:ext>
     </p:extLst>
   </p:cSld>
@@ -1780,35 +1657,6 @@
           <a:bodyPr/>
           <a:lstStyle/>
           <a:p>
-            <a:r>
-              <a:rPr lang="en-US" dirty="0"/>
-              <a:t>For instance, </a:t>
-            </a:r>
-            <a:r>
-              <a:rPr lang="en-US" sz="1200" b="0" i="0" kern="1200" dirty="0">
-                <a:solidFill>
-                  <a:schemeClr val="tx1"/>
-                </a:solidFill>
-                <a:effectLst/>
-                <a:latin typeface="+mn-lt"/>
-                <a:ea typeface="+mn-ea"/>
-                <a:cs typeface="+mn-cs"/>
-              </a:rPr>
-              <a:t>with respect to data-driven systems, we all become curious about understanding and repairing bugs that relate to the impact that data has on the system. I am not simply talking about errors in the data, but, rather, cases where data may lead to system malfunction due to a disconnect between properties of the data and the system design.  </a:t>
-            </a:r>
-          </a:p>
-          <a:p>
-            <a:endParaRPr lang="en-US" sz="1200" b="0" i="0" kern="1200" dirty="0">
-              <a:solidFill>
-                <a:schemeClr val="tx1"/>
-              </a:solidFill>
-              <a:effectLst/>
-              <a:latin typeface="+mn-lt"/>
-              <a:ea typeface="+mn-ea"/>
-              <a:cs typeface="+mn-cs"/>
-            </a:endParaRPr>
-          </a:p>
-          <a:p>
             <a:pPr marL="0" marR="0" lvl="0" indent="0" algn="l" defTabSz="914400" rtl="0" eaLnBrk="1" fontAlgn="auto" latinLnBrk="0" hangingPunct="1">
               <a:lnSpc>
                 <a:spcPct val="100000"/>
@@ -1827,9 +1675,102 @@
               <a:defRPr/>
             </a:pPr>
             <a:r>
-              <a:rPr lang="en-US" dirty="0"/>
-              <a:t>For example, when a system is designed to handle data in the US format, but the data is formatted in the say Australian format, neither the data is wrong, nor is the system, but there is a mismatch between what the system expects from the data. </a:t>
-            </a:r>
+              <a:rPr lang="en-US" sz="1200" b="0" i="0" kern="1200" dirty="0" err="1">
+                <a:solidFill>
+                  <a:schemeClr val="tx1"/>
+                </a:solidFill>
+                <a:effectLst/>
+                <a:latin typeface="+mn-lt"/>
+                <a:ea typeface="+mn-ea"/>
+                <a:cs typeface="+mn-cs"/>
+              </a:rPr>
+              <a:t>DataPrism</a:t>
+            </a:r>
+            <a:r>
+              <a:rPr lang="en-US" sz="1200" b="0" i="0" kern="1200" dirty="0">
+                <a:solidFill>
+                  <a:schemeClr val="tx1"/>
+                </a:solidFill>
+                <a:effectLst/>
+                <a:latin typeface="+mn-lt"/>
+                <a:ea typeface="+mn-ea"/>
+                <a:cs typeface="+mn-cs"/>
+              </a:rPr>
+              <a:t> is about investigating where data may lead to system malfunction due to a disconnect between properties of the data and the system design. This is a joint work with </a:t>
+            </a:r>
+            <a:r>
+              <a:rPr lang="en-US" sz="1200" b="0" i="0" kern="1200" dirty="0" err="1">
+                <a:solidFill>
+                  <a:schemeClr val="tx1"/>
+                </a:solidFill>
+                <a:effectLst/>
+                <a:latin typeface="+mn-lt"/>
+                <a:ea typeface="+mn-ea"/>
+                <a:cs typeface="+mn-cs"/>
+              </a:rPr>
+              <a:t>Sainyam</a:t>
+            </a:r>
+            <a:r>
+              <a:rPr lang="en-US" sz="1200" b="0" i="0" kern="1200" dirty="0">
+                <a:solidFill>
+                  <a:schemeClr val="tx1"/>
+                </a:solidFill>
+                <a:effectLst/>
+                <a:latin typeface="+mn-lt"/>
+                <a:ea typeface="+mn-ea"/>
+                <a:cs typeface="+mn-cs"/>
+              </a:rPr>
+              <a:t>, </a:t>
+            </a:r>
+            <a:r>
+              <a:rPr lang="en-US" sz="1200" b="0" i="0" kern="1200" dirty="0" err="1">
+                <a:solidFill>
+                  <a:schemeClr val="tx1"/>
+                </a:solidFill>
+                <a:effectLst/>
+                <a:latin typeface="+mn-lt"/>
+                <a:ea typeface="+mn-ea"/>
+                <a:cs typeface="+mn-cs"/>
+              </a:rPr>
+              <a:t>Raoni</a:t>
+            </a:r>
+            <a:r>
+              <a:rPr lang="en-US" sz="1200" b="0" i="0" kern="1200" dirty="0">
+                <a:solidFill>
+                  <a:schemeClr val="tx1"/>
+                </a:solidFill>
+                <a:effectLst/>
+                <a:latin typeface="+mn-lt"/>
+                <a:ea typeface="+mn-ea"/>
+                <a:cs typeface="+mn-cs"/>
+              </a:rPr>
+              <a:t>, Juliana, Alexandra, and </a:t>
+            </a:r>
+            <a:r>
+              <a:rPr lang="en-US" sz="1200" b="0" i="0" kern="1200" dirty="0" err="1">
+                <a:solidFill>
+                  <a:schemeClr val="tx1"/>
+                </a:solidFill>
+                <a:effectLst/>
+                <a:latin typeface="+mn-lt"/>
+                <a:ea typeface="+mn-ea"/>
+                <a:cs typeface="+mn-cs"/>
+              </a:rPr>
+              <a:t>Divesh</a:t>
+            </a:r>
+            <a:r>
+              <a:rPr lang="en-US" sz="1200" b="0" i="0" kern="1200" dirty="0">
+                <a:solidFill>
+                  <a:schemeClr val="tx1"/>
+                </a:solidFill>
+                <a:effectLst/>
+                <a:latin typeface="+mn-lt"/>
+                <a:ea typeface="+mn-ea"/>
+                <a:cs typeface="+mn-cs"/>
+              </a:rPr>
+              <a:t>.</a:t>
+            </a:r>
+            <a:endParaRPr lang="en-US" dirty="0"/>
           </a:p>
           <a:p>
             <a:pPr marL="0" marR="0" lvl="0" indent="0" algn="l" defTabSz="914400" rtl="0" eaLnBrk="1" fontAlgn="auto" latinLnBrk="0" hangingPunct="1">
@@ -1852,34 +1793,14 @@
             <a:endParaRPr lang="en-US" dirty="0"/>
           </a:p>
           <a:p>
-            <a:pPr marL="0" marR="0" lvl="0" indent="0" algn="l" defTabSz="914400" rtl="0" eaLnBrk="1" fontAlgn="auto" latinLnBrk="0" hangingPunct="1">
-              <a:lnSpc>
-                <a:spcPct val="100000"/>
-              </a:lnSpc>
-              <a:spcBef>
-                <a:spcPts val="0"/>
-              </a:spcBef>
-              <a:spcAft>
-                <a:spcPts val="0"/>
-              </a:spcAft>
-              <a:buClrTx/>
-              <a:buSzTx/>
-              <a:buFontTx/>
-              <a:buNone/>
-              <a:tabLst/>
-              <a:defRPr/>
-            </a:pPr>
-            <a:r>
-              <a:rPr lang="en-US" dirty="0"/>
-              <a:t>The goal of this project is to identify such mismatches.</a:t>
-            </a:r>
+            <a:endParaRPr lang="en-US" dirty="0"/>
           </a:p>
         </p:txBody>
       </p:sp>
     </p:spTree>
     <p:extLst>
       <p:ext uri="{BB962C8B-B14F-4D97-AF65-F5344CB8AC3E}">
-        <p14:creationId xmlns:p14="http://schemas.microsoft.com/office/powerpoint/2010/main" val="1709497379"/>
+        <p14:creationId xmlns:p14="http://schemas.microsoft.com/office/powerpoint/2010/main" val="1921214398"/>
       </p:ext>
     </p:extLst>
   </p:cSld>
@@ -1933,150 +1854,53 @@
           <a:bodyPr/>
           <a:lstStyle/>
           <a:p>
-            <a:pPr marL="0" marR="0" lvl="0" indent="0" algn="l" defTabSz="914400" rtl="0" eaLnBrk="1" fontAlgn="auto" latinLnBrk="0" hangingPunct="1">
-              <a:lnSpc>
-                <a:spcPct val="100000"/>
-              </a:lnSpc>
-              <a:spcBef>
-                <a:spcPts val="0"/>
-              </a:spcBef>
-              <a:spcAft>
-                <a:spcPts val="0"/>
-              </a:spcAft>
-              <a:buClrTx/>
-              <a:buSzTx/>
-              <a:buFontTx/>
-              <a:buNone/>
-              <a:tabLst/>
-              <a:defRPr/>
-            </a:pPr>
-            <a:r>
-              <a:rPr lang="en-US" sz="1200" b="0" i="0" kern="1200" dirty="0" err="1">
-                <a:solidFill>
-                  <a:schemeClr val="tx1"/>
-                </a:solidFill>
-                <a:effectLst/>
-                <a:latin typeface="+mn-lt"/>
-                <a:ea typeface="+mn-ea"/>
-                <a:cs typeface="+mn-cs"/>
-              </a:rPr>
-              <a:t>DataPrism</a:t>
-            </a:r>
-            <a:r>
-              <a:rPr lang="en-US" sz="1200" b="0" i="0" kern="1200" dirty="0">
-                <a:solidFill>
-                  <a:schemeClr val="tx1"/>
-                </a:solidFill>
-                <a:effectLst/>
-                <a:latin typeface="+mn-lt"/>
-                <a:ea typeface="+mn-ea"/>
-                <a:cs typeface="+mn-cs"/>
-              </a:rPr>
-              <a:t> is about investigating where data may lead to system malfunction due to a disconnect between properties of the data and the system design. This is a joint work with </a:t>
-            </a:r>
-            <a:r>
-              <a:rPr lang="en-US" sz="1200" b="0" i="0" kern="1200" dirty="0" err="1">
-                <a:solidFill>
-                  <a:schemeClr val="tx1"/>
-                </a:solidFill>
-                <a:effectLst/>
-                <a:latin typeface="+mn-lt"/>
-                <a:ea typeface="+mn-ea"/>
-                <a:cs typeface="+mn-cs"/>
-              </a:rPr>
-              <a:t>Sainyam</a:t>
-            </a:r>
-            <a:r>
-              <a:rPr lang="en-US" sz="1200" b="0" i="0" kern="1200" dirty="0">
-                <a:solidFill>
-                  <a:schemeClr val="tx1"/>
-                </a:solidFill>
-                <a:effectLst/>
-                <a:latin typeface="+mn-lt"/>
-                <a:ea typeface="+mn-ea"/>
-                <a:cs typeface="+mn-cs"/>
-              </a:rPr>
-              <a:t>, </a:t>
-            </a:r>
-            <a:r>
-              <a:rPr lang="en-US" sz="1200" b="0" i="0" kern="1200" dirty="0" err="1">
-                <a:solidFill>
-                  <a:schemeClr val="tx1"/>
-                </a:solidFill>
-                <a:effectLst/>
-                <a:latin typeface="+mn-lt"/>
-                <a:ea typeface="+mn-ea"/>
-                <a:cs typeface="+mn-cs"/>
-              </a:rPr>
-              <a:t>Raoni</a:t>
-            </a:r>
-            <a:r>
-              <a:rPr lang="en-US" sz="1200" b="0" i="0" kern="1200" dirty="0">
-                <a:solidFill>
-                  <a:schemeClr val="tx1"/>
-                </a:solidFill>
-                <a:effectLst/>
-                <a:latin typeface="+mn-lt"/>
-                <a:ea typeface="+mn-ea"/>
-                <a:cs typeface="+mn-cs"/>
-              </a:rPr>
-              <a:t>, Juliana, Alexandra, and </a:t>
-            </a:r>
-            <a:r>
-              <a:rPr lang="en-US" sz="1200" b="0" i="0" kern="1200" dirty="0" err="1">
-                <a:solidFill>
-                  <a:schemeClr val="tx1"/>
-                </a:solidFill>
-                <a:effectLst/>
-                <a:latin typeface="+mn-lt"/>
-                <a:ea typeface="+mn-ea"/>
-                <a:cs typeface="+mn-cs"/>
-              </a:rPr>
-              <a:t>Divesh</a:t>
-            </a:r>
-            <a:r>
-              <a:rPr lang="en-US" sz="1200" b="0" i="0" kern="1200" dirty="0">
-                <a:solidFill>
-                  <a:schemeClr val="tx1"/>
-                </a:solidFill>
-                <a:effectLst/>
-                <a:latin typeface="+mn-lt"/>
-                <a:ea typeface="+mn-ea"/>
-                <a:cs typeface="+mn-cs"/>
-              </a:rPr>
-              <a:t>.</a:t>
-            </a:r>
+            <a:r>
+              <a:rPr lang="en-US" dirty="0"/>
+              <a:t>Let’s take a closer look on another example. I am using here US census dataset to predict income of individuals. The first dataset looks like this. I use it to train an ML model that can predict Income. Now an important and auxiliary goal of machine learning is to ensure fairness over sensitive attributes, such as race or sex. So during my training, I make sure certain precautions are taken to make sure sensitive attributes are not visible to the model. For example, I can simply omit the attribute “sex” so that the model doesn’t even see individual’s sex. Since the model is completely unaware of the attribute sex, my expectation is that it won’t discriminate against sex, and indeed I see only 8% unfairness in the prediction which is pretty low.</a:t>
+            </a:r>
+          </a:p>
+          <a:p>
             <a:endParaRPr lang="en-US" dirty="0"/>
           </a:p>
           <a:p>
-            <a:pPr marL="0" marR="0" lvl="0" indent="0" algn="l" defTabSz="914400" rtl="0" eaLnBrk="1" fontAlgn="auto" latinLnBrk="0" hangingPunct="1">
-              <a:lnSpc>
-                <a:spcPct val="100000"/>
-              </a:lnSpc>
-              <a:spcBef>
-                <a:spcPts val="0"/>
-              </a:spcBef>
-              <a:spcAft>
-                <a:spcPts val="0"/>
-              </a:spcAft>
-              <a:buClrTx/>
-              <a:buSzTx/>
-              <a:buFontTx/>
-              <a:buNone/>
-              <a:tabLst/>
-              <a:defRPr/>
-            </a:pPr>
+            <a:r>
+              <a:rPr lang="en-US" dirty="0"/>
+              <a:t>So I am now happy with my strategy to remove the attribute sex altogether from the data and the trained model seems to be working pretty fairly if I do so, right?</a:t>
+            </a:r>
+          </a:p>
+          <a:p>
             <a:endParaRPr lang="en-US" dirty="0"/>
           </a:p>
           <a:p>
+            <a:r>
+              <a:rPr lang="en-US" dirty="0"/>
+              <a:t>Now I have a similar dataset, with a quick look, the distribution looks similar, there are 50% male, 50% female, 50% black, 50% white, 50% married and 50% unmarried. Looks good, right? So I do the exact same thing, drop the sex attribute and train an ML model and try to predict the income. But this time, I fail! My ML model is about 95% unfair!</a:t>
+            </a:r>
+          </a:p>
+          <a:p>
             <a:endParaRPr lang="en-US" dirty="0"/>
+          </a:p>
+          <a:p>
+            <a:r>
+              <a:rPr lang="en-US" dirty="0"/>
+              <a:t>I dig deeper and this is what I find! Actually, in the first dataset, there were unmarried females and unmarried males, also married females and married males. But in my new dataset, all females happen to be unmarried and all males happen to be married. So what’s going on here is that the model somehow is using marital status as a “proxy” of a person’s sex, and in turn, is using that to predict their income, which turns out to be highly unfair against females.</a:t>
+            </a:r>
+          </a:p>
+          <a:p>
+            <a:endParaRPr lang="en-US" dirty="0"/>
+          </a:p>
+          <a:p>
+            <a:r>
+              <a:rPr lang="en-US" dirty="0"/>
+              <a:t>So what’s really happening here?</a:t>
+            </a:r>
           </a:p>
         </p:txBody>
       </p:sp>
     </p:spTree>
     <p:extLst>
       <p:ext uri="{BB962C8B-B14F-4D97-AF65-F5344CB8AC3E}">
-        <p14:creationId xmlns:p14="http://schemas.microsoft.com/office/powerpoint/2010/main" val="1921214398"/>
+        <p14:creationId xmlns:p14="http://schemas.microsoft.com/office/powerpoint/2010/main" val="1510174226"/>
       </p:ext>
     </p:extLst>
   </p:cSld>
@@ -2130,53 +1954,14 @@
           <a:bodyPr/>
           <a:lstStyle/>
           <a:p>
-            <a:r>
-              <a:rPr lang="en-US" dirty="0"/>
-              <a:t>Let’s take a closer look on another example. I am using here US census dataset to predict income of individuals. The first dataset looks like this. I use it to train an ML model that can predict Income. Now an important and auxiliary goal of machine learning is to ensure fairness over sensitive attributes, such as race or sex. So during my training, I make sure certain precautions are taken to make sure sensitive attributes are not visible to the model. For example, I can simply omit the attribute “sex” so that the model doesn’t even see individual’s sex. Since the model is completely unaware of the attribute sex, my expectation is that it won’t discriminate against sex, and indeed I see only 8% unfairness in the prediction which is pretty low.</a:t>
-            </a:r>
-          </a:p>
-          <a:p>
             <a:endParaRPr lang="en-US" dirty="0"/>
-          </a:p>
-          <a:p>
-            <a:r>
-              <a:rPr lang="en-US" dirty="0"/>
-              <a:t>So I am now happy with my strategy to remove the attribute sex altogether from the data and the trained model seems to be working pretty fairly if I do so, right?</a:t>
-            </a:r>
-          </a:p>
-          <a:p>
-            <a:endParaRPr lang="en-US" dirty="0"/>
-          </a:p>
-          <a:p>
-            <a:r>
-              <a:rPr lang="en-US" dirty="0"/>
-              <a:t>Now I have a similar dataset, with a quick look, the distribution looks similar, there are 50% male, 50% female, 50% black, 50% white, 50% married and 50% unmarried. Looks good, right? So I do the exact same thing, drop the sex attribute and train an ML model and try to predict the income. But this time, I fail! My ML model is about 95% unfair!</a:t>
-            </a:r>
-          </a:p>
-          <a:p>
-            <a:endParaRPr lang="en-US" dirty="0"/>
-          </a:p>
-          <a:p>
-            <a:r>
-              <a:rPr lang="en-US" dirty="0"/>
-              <a:t>I dig deeper and this is what I find! Actually, in the first dataset, there were unmarried females and unmarried males, also married females and married males. But in my new dataset, all females happen to be unmarried and all males happen to be married. So what’s going on here is that the model somehow is using marital status as a “proxy” of a person’s sex, and in turn, is using that to predict their income, which turns out to be highly unfair against females.</a:t>
-            </a:r>
-          </a:p>
-          <a:p>
-            <a:endParaRPr lang="en-US" dirty="0"/>
-          </a:p>
-          <a:p>
-            <a:r>
-              <a:rPr lang="en-US" dirty="0"/>
-              <a:t>So what’s really happening here?</a:t>
-            </a:r>
           </a:p>
         </p:txBody>
       </p:sp>
     </p:spTree>
     <p:extLst>
       <p:ext uri="{BB962C8B-B14F-4D97-AF65-F5344CB8AC3E}">
-        <p14:creationId xmlns:p14="http://schemas.microsoft.com/office/powerpoint/2010/main" val="1510174226"/>
+        <p14:creationId xmlns:p14="http://schemas.microsoft.com/office/powerpoint/2010/main" val="357599838"/>
       </p:ext>
     </p:extLst>
   </p:cSld>
@@ -2230,14 +2015,17 @@
           <a:bodyPr/>
           <a:lstStyle/>
           <a:p>
-            <a:endParaRPr lang="en-US" dirty="0"/>
+            <a:r>
+              <a:rPr lang="en-US" dirty="0"/>
+              <a:t>The key idea here is to blame the data, more specifically, certain data profiles for causing system malfunctions.</a:t>
+            </a:r>
           </a:p>
         </p:txBody>
       </p:sp>
     </p:spTree>
     <p:extLst>
       <p:ext uri="{BB962C8B-B14F-4D97-AF65-F5344CB8AC3E}">
-        <p14:creationId xmlns:p14="http://schemas.microsoft.com/office/powerpoint/2010/main" val="357599838"/>
+        <p14:creationId xmlns:p14="http://schemas.microsoft.com/office/powerpoint/2010/main" val="2674089780"/>
       </p:ext>
     </p:extLst>
   </p:cSld>
@@ -2291,17 +2079,48 @@
           <a:bodyPr/>
           <a:lstStyle/>
           <a:p>
-            <a:r>
-              <a:rPr lang="en-US" dirty="0"/>
-              <a:t>The key idea here is to blame the data, more specifically, certain data profiles for causing system malfunctions.</a:t>
-            </a:r>
+            <a:pPr marL="0" marR="0" lvl="0" indent="0" algn="l" defTabSz="914400" rtl="0" eaLnBrk="1" fontAlgn="auto" latinLnBrk="0" hangingPunct="1">
+              <a:lnSpc>
+                <a:spcPct val="100000"/>
+              </a:lnSpc>
+              <a:spcBef>
+                <a:spcPts val="0"/>
+              </a:spcBef>
+              <a:spcAft>
+                <a:spcPts val="0"/>
+              </a:spcAft>
+              <a:buClrTx/>
+              <a:buSzTx/>
+              <a:buFontTx/>
+              <a:buNone/>
+              <a:tabLst/>
+              <a:defRPr/>
+            </a:pPr>
+            <a:r>
+              <a:rPr lang="en-US" sz="1200" b="0" i="0" u="none" strike="noStrike" kern="1200" dirty="0">
+                <a:solidFill>
+                  <a:schemeClr val="tx1"/>
+                </a:solidFill>
+                <a:effectLst/>
+                <a:latin typeface="+mn-lt"/>
+                <a:ea typeface="+mn-ea"/>
+                <a:cs typeface="+mn-cs"/>
+              </a:rPr>
+              <a:t>The high level intuition of constructing this graph is that attributes some issues such as incorrect format or mistakes generally have multiple discriminative profiles connected to it. Therefore, profiles that are connected to a high degree attributes in this graph are considered as possible culprits first.</a:t>
+            </a:r>
+            <a:endParaRPr lang="en-US" b="0" dirty="0">
+              <a:effectLst/>
+            </a:endParaRPr>
+          </a:p>
+          <a:p>
+            <a:endParaRPr lang="en-US" dirty="0"/>
           </a:p>
         </p:txBody>
       </p:sp>
     </p:spTree>
     <p:extLst>
       <p:ext uri="{BB962C8B-B14F-4D97-AF65-F5344CB8AC3E}">
-        <p14:creationId xmlns:p14="http://schemas.microsoft.com/office/powerpoint/2010/main" val="2674089780"/>
+        <p14:creationId xmlns:p14="http://schemas.microsoft.com/office/powerpoint/2010/main" val="387061960"/>
       </p:ext>
     </p:extLst>
   </p:cSld>
@@ -10087,7 +9906,7 @@
             <a:r>
               <a:rPr lang="en-US" sz="5200" dirty="0">
                 <a:solidFill>
-                  <a:schemeClr val="tx2"/>
+                  <a:schemeClr val="tx1"/>
                 </a:solidFill>
                 <a:latin typeface="+mj-lt"/>
                 <a:ea typeface="+mj-ea"/>
@@ -10100,7 +9919,7 @@
             <a:r>
               <a:rPr lang="en-US" sz="5200" dirty="0">
                 <a:solidFill>
-                  <a:schemeClr val="tx2"/>
+                  <a:schemeClr val="tx1"/>
                 </a:solidFill>
                 <a:latin typeface="+mj-lt"/>
                 <a:ea typeface="+mj-ea"/>
@@ -10111,9 +9930,7 @@
             <a:r>
               <a:rPr lang="en-US" sz="5200" dirty="0">
                 <a:solidFill>
-                  <a:schemeClr val="accent6">
-                    <a:lumMod val="75000"/>
-                  </a:schemeClr>
+                  <a:schemeClr val="accent1"/>
                 </a:solidFill>
                 <a:latin typeface="+mj-lt"/>
                 <a:ea typeface="+mj-ea"/>
@@ -10124,7 +9941,7 @@
             <a:r>
               <a:rPr lang="en-US" sz="5200" dirty="0">
                 <a:solidFill>
-                  <a:schemeClr val="tx2"/>
+                  <a:schemeClr val="tx1"/>
                 </a:solidFill>
                 <a:latin typeface="+mj-lt"/>
                 <a:ea typeface="+mj-ea"/>
@@ -10712,7 +10529,7 @@
           <a:p>
             <a:r>
               <a:rPr lang="en-US" dirty="0"/>
-              <a:t>Step 4: Verify causes using intervention</a:t>
+              <a:t>Step 4: Data profile intervention</a:t>
             </a:r>
           </a:p>
         </p:txBody>
@@ -10856,7 +10673,7 @@
           <a:p>
             <a:r>
               <a:rPr lang="en-US" dirty="0"/>
-              <a:t>Step 4: Key idea of profile intervention</a:t>
+              <a:t>Step 4: Key ideas of data intervention</a:t>
             </a:r>
           </a:p>
         </p:txBody>
@@ -13240,27 +13057,7 @@
                 <a:latin typeface="Times New Roman" panose="02020603050405020304" pitchFamily="18" charset="0"/>
                 <a:cs typeface="Times New Roman" panose="02020603050405020304" pitchFamily="18" charset="0"/>
               </a:rPr>
-              <a:t> produces a </a:t>
-            </a:r>
-            <a:r>
-              <a:rPr lang="en-US" sz="2400" b="1" dirty="0">
-                <a:solidFill>
-                  <a:srgbClr val="0070C0"/>
-                </a:solidFill>
-                <a:latin typeface="Times New Roman" panose="02020603050405020304" pitchFamily="18" charset="0"/>
-                <a:cs typeface="Times New Roman" panose="02020603050405020304" pitchFamily="18" charset="0"/>
-              </a:rPr>
-              <a:t>causally verified </a:t>
-            </a:r>
-            <a:r>
-              <a:rPr lang="en-US" sz="2400" dirty="0">
-                <a:solidFill>
-                  <a:schemeClr val="tx1"/>
-                </a:solidFill>
-                <a:latin typeface="Times New Roman" panose="02020603050405020304" pitchFamily="18" charset="0"/>
-                <a:cs typeface="Times New Roman" panose="02020603050405020304" pitchFamily="18" charset="0"/>
-              </a:rPr>
-              <a:t>explanation of malfunction.</a:t>
+              <a:t> produces a causally verified explanation of malfunction</a:t>
             </a:r>
           </a:p>
         </p:txBody>
@@ -13329,27 +13126,7 @@
                 <a:latin typeface="Times New Roman" panose="02020603050405020304" pitchFamily="18" charset="0"/>
                 <a:cs typeface="Times New Roman" panose="02020603050405020304" pitchFamily="18" charset="0"/>
               </a:rPr>
-              <a:t> requires </a:t>
-            </a:r>
-            <a:r>
-              <a:rPr lang="en-US" sz="2400" b="1" dirty="0">
-                <a:solidFill>
-                  <a:srgbClr val="0070C0"/>
-                </a:solidFill>
-                <a:latin typeface="Times New Roman" panose="02020603050405020304" pitchFamily="18" charset="0"/>
-                <a:cs typeface="Times New Roman" panose="02020603050405020304" pitchFamily="18" charset="0"/>
-              </a:rPr>
-              <a:t>fewer interventions </a:t>
-            </a:r>
-            <a:r>
-              <a:rPr lang="en-US" sz="2400" dirty="0">
-                <a:solidFill>
-                  <a:schemeClr val="tx1"/>
-                </a:solidFill>
-                <a:latin typeface="Times New Roman" panose="02020603050405020304" pitchFamily="18" charset="0"/>
-                <a:cs typeface="Times New Roman" panose="02020603050405020304" pitchFamily="18" charset="0"/>
-              </a:rPr>
-              <a:t>than other techniques.</a:t>
+              <a:t> requires fewer interventions than group testing and other debugging techniques</a:t>
             </a:r>
           </a:p>
         </p:txBody>
@@ -13557,7 +13334,7 @@
             <a:r>
               <a:rPr lang="en-US" sz="3200" dirty="0">
                 <a:solidFill>
-                  <a:schemeClr val="tx2"/>
+                  <a:schemeClr val="tx1"/>
                 </a:solidFill>
                 <a:latin typeface="+mj-lt"/>
                 <a:ea typeface="+mj-ea"/>
@@ -13570,7 +13347,7 @@
             <a:r>
               <a:rPr lang="en-US" sz="3200" dirty="0">
                 <a:solidFill>
-                  <a:schemeClr val="tx2"/>
+                  <a:schemeClr val="tx1"/>
                 </a:solidFill>
                 <a:latin typeface="+mj-lt"/>
                 <a:ea typeface="+mj-ea"/>
@@ -13581,7 +13358,7 @@
             <a:r>
               <a:rPr lang="en-US" sz="3200" dirty="0">
                 <a:solidFill>
-                  <a:schemeClr val="accent6"/>
+                  <a:schemeClr val="accent1"/>
                 </a:solidFill>
                 <a:latin typeface="+mj-lt"/>
                 <a:ea typeface="+mj-ea"/>
@@ -13592,7 +13369,7 @@
             <a:r>
               <a:rPr lang="en-US" sz="3200" dirty="0">
                 <a:solidFill>
-                  <a:schemeClr val="tx2"/>
+                  <a:schemeClr val="tx1"/>
                 </a:solidFill>
                 <a:latin typeface="+mj-lt"/>
                 <a:ea typeface="+mj-ea"/>
@@ -14265,12 +14042,8 @@
           <a:lstStyle/>
           <a:p>
             <a:r>
-              <a:rPr lang="en-US" sz="2800" dirty="0">
-                <a:solidFill>
-                  <a:schemeClr val="tx2"/>
-                </a:solidFill>
-              </a:rPr>
-              <a:t>Bringing data systems closer to the users</a:t>
+              <a:rPr lang="en-US" dirty="0"/>
+              <a:t>Support for explanation in the design layer</a:t>
             </a:r>
           </a:p>
         </p:txBody>
@@ -14299,1211 +14072,6 @@
             <a:fld id="{4740AEA5-A348-2949-9B8B-EA763C54C64D}" type="slidenum">
               <a:rPr lang="en-US" smtClean="0"/>
               <a:t>4</a:t>
-            </a:fld>
-            <a:endParaRPr lang="en-US" dirty="0"/>
-          </a:p>
-        </p:txBody>
-      </p:sp>
-      <p:grpSp>
-        <p:nvGrpSpPr>
-          <p:cNvPr id="5" name="Group 4">
-            <a:extLst>
-              <a:ext uri="{FF2B5EF4-FFF2-40B4-BE49-F238E27FC236}">
-                <a16:creationId xmlns:a16="http://schemas.microsoft.com/office/drawing/2014/main" id="{93F827C5-397C-B242-B493-1CE3FDF27221}"/>
-              </a:ext>
-            </a:extLst>
-          </p:cNvPr>
-          <p:cNvGrpSpPr/>
-          <p:nvPr/>
-        </p:nvGrpSpPr>
-        <p:grpSpPr>
-          <a:xfrm>
-            <a:off x="109094" y="3459634"/>
-            <a:ext cx="3573559" cy="2941323"/>
-            <a:chOff x="193465" y="1869317"/>
-            <a:chExt cx="3784833" cy="4050997"/>
-          </a:xfrm>
-        </p:grpSpPr>
-        <p:cxnSp>
-          <p:nvCxnSpPr>
-            <p:cNvPr id="6" name="Straight Arrow Connector 5">
-              <a:extLst>
-                <a:ext uri="{FF2B5EF4-FFF2-40B4-BE49-F238E27FC236}">
-                  <a16:creationId xmlns:a16="http://schemas.microsoft.com/office/drawing/2014/main" id="{D6F27064-8241-9D49-A5E2-9C5B4CF6EA19}"/>
-                </a:ext>
-              </a:extLst>
-            </p:cNvPr>
-            <p:cNvCxnSpPr>
-              <a:cxnSpLocks/>
-            </p:cNvCxnSpPr>
-            <p:nvPr/>
-          </p:nvCxnSpPr>
-          <p:spPr>
-            <a:xfrm>
-              <a:off x="1538587" y="4398431"/>
-              <a:ext cx="2408733" cy="0"/>
-            </a:xfrm>
-            <a:prstGeom prst="straightConnector1">
-              <a:avLst/>
-            </a:prstGeom>
-            <a:ln w="25400">
-              <a:solidFill>
-                <a:schemeClr val="tx1"/>
-              </a:solidFill>
-              <a:tailEnd type="triangle" w="lg" len="lg"/>
-            </a:ln>
-          </p:spPr>
-          <p:style>
-            <a:lnRef idx="1">
-              <a:schemeClr val="accent1"/>
-            </a:lnRef>
-            <a:fillRef idx="0">
-              <a:schemeClr val="accent1"/>
-            </a:fillRef>
-            <a:effectRef idx="0">
-              <a:schemeClr val="accent1"/>
-            </a:effectRef>
-            <a:fontRef idx="minor">
-              <a:schemeClr val="tx1"/>
-            </a:fontRef>
-          </p:style>
-        </p:cxnSp>
-        <p:cxnSp>
-          <p:nvCxnSpPr>
-            <p:cNvPr id="7" name="Straight Arrow Connector 6">
-              <a:extLst>
-                <a:ext uri="{FF2B5EF4-FFF2-40B4-BE49-F238E27FC236}">
-                  <a16:creationId xmlns:a16="http://schemas.microsoft.com/office/drawing/2014/main" id="{C759096F-8B41-9E4F-A56B-B6882ECE512B}"/>
-                </a:ext>
-              </a:extLst>
-            </p:cNvPr>
-            <p:cNvCxnSpPr>
-              <a:cxnSpLocks/>
-            </p:cNvCxnSpPr>
-            <p:nvPr/>
-          </p:nvCxnSpPr>
-          <p:spPr>
-            <a:xfrm flipV="1">
-              <a:off x="1538587" y="1869317"/>
-              <a:ext cx="0" cy="2529116"/>
-            </a:xfrm>
-            <a:prstGeom prst="straightConnector1">
-              <a:avLst/>
-            </a:prstGeom>
-            <a:ln w="25400">
-              <a:solidFill>
-                <a:schemeClr val="tx1"/>
-              </a:solidFill>
-              <a:tailEnd type="triangle" w="lg" len="lg"/>
-            </a:ln>
-          </p:spPr>
-          <p:style>
-            <a:lnRef idx="1">
-              <a:schemeClr val="accent1"/>
-            </a:lnRef>
-            <a:fillRef idx="0">
-              <a:schemeClr val="accent1"/>
-            </a:fillRef>
-            <a:effectRef idx="0">
-              <a:schemeClr val="accent1"/>
-            </a:effectRef>
-            <a:fontRef idx="minor">
-              <a:schemeClr val="tx1"/>
-            </a:fontRef>
-          </p:style>
-        </p:cxnSp>
-        <p:cxnSp>
-          <p:nvCxnSpPr>
-            <p:cNvPr id="8" name="Straight Arrow Connector 7">
-              <a:extLst>
-                <a:ext uri="{FF2B5EF4-FFF2-40B4-BE49-F238E27FC236}">
-                  <a16:creationId xmlns:a16="http://schemas.microsoft.com/office/drawing/2014/main" id="{B8118C53-643B-CD4D-B365-B5797728EEDF}"/>
-                </a:ext>
-              </a:extLst>
-            </p:cNvPr>
-            <p:cNvCxnSpPr>
-              <a:cxnSpLocks/>
-            </p:cNvCxnSpPr>
-            <p:nvPr/>
-          </p:nvCxnSpPr>
-          <p:spPr>
-            <a:xfrm flipH="1">
-              <a:off x="236763" y="4398431"/>
-              <a:ext cx="1301825" cy="1521883"/>
-            </a:xfrm>
-            <a:prstGeom prst="straightConnector1">
-              <a:avLst/>
-            </a:prstGeom>
-            <a:ln w="25400">
-              <a:solidFill>
-                <a:schemeClr val="tx1"/>
-              </a:solidFill>
-              <a:tailEnd type="triangle" w="lg" len="lg"/>
-            </a:ln>
-          </p:spPr>
-          <p:style>
-            <a:lnRef idx="1">
-              <a:schemeClr val="accent1"/>
-            </a:lnRef>
-            <a:fillRef idx="0">
-              <a:schemeClr val="accent1"/>
-            </a:fillRef>
-            <a:effectRef idx="0">
-              <a:schemeClr val="accent1"/>
-            </a:effectRef>
-            <a:fontRef idx="minor">
-              <a:schemeClr val="tx1"/>
-            </a:fontRef>
-          </p:style>
-        </p:cxnSp>
-        <p:sp>
-          <p:nvSpPr>
-            <p:cNvPr id="9" name="TextBox 8">
-              <a:extLst>
-                <a:ext uri="{FF2B5EF4-FFF2-40B4-BE49-F238E27FC236}">
-                  <a16:creationId xmlns:a16="http://schemas.microsoft.com/office/drawing/2014/main" id="{28FAA6C4-F658-8E43-A764-60324F2BACEB}"/>
-                </a:ext>
-              </a:extLst>
-            </p:cNvPr>
-            <p:cNvSpPr txBox="1"/>
-            <p:nvPr/>
-          </p:nvSpPr>
-          <p:spPr>
-            <a:xfrm>
-              <a:off x="1381054" y="4389204"/>
-              <a:ext cx="2597244" cy="1197494"/>
-            </a:xfrm>
-            <a:prstGeom prst="rect">
-              <a:avLst/>
-            </a:prstGeom>
-            <a:noFill/>
-          </p:spPr>
-          <p:txBody>
-            <a:bodyPr wrap="square" rtlCol="0">
-              <a:spAutoFit/>
-            </a:bodyPr>
-            <a:lstStyle/>
-            <a:p>
-              <a:pPr algn="ctr"/>
-              <a:r>
-                <a:rPr lang="en-US" sz="1600" b="1" dirty="0"/>
-                <a:t>User-centeredness</a:t>
-              </a:r>
-            </a:p>
-            <a:p>
-              <a:pPr algn="ctr"/>
-              <a:endParaRPr lang="en-US" sz="300" dirty="0"/>
-            </a:p>
-            <a:p>
-              <a:pPr algn="ctr"/>
-              <a:r>
-                <a:rPr lang="en-US" sz="1050" dirty="0">
-                  <a:solidFill>
-                    <a:srgbClr val="0070C0"/>
-                  </a:solidFill>
-                </a:rPr>
-                <a:t>debuggability</a:t>
-              </a:r>
-              <a:r>
-                <a:rPr lang="en-US" sz="1050" dirty="0"/>
-                <a:t>, </a:t>
-              </a:r>
-              <a:r>
-                <a:rPr lang="en-US" sz="1050" dirty="0">
-                  <a:solidFill>
-                    <a:schemeClr val="accent2">
-                      <a:lumMod val="75000"/>
-                    </a:schemeClr>
-                  </a:solidFill>
-                </a:rPr>
-                <a:t>usability</a:t>
-              </a:r>
-              <a:r>
-                <a:rPr lang="en-US" sz="1050" dirty="0"/>
-                <a:t>, </a:t>
-              </a:r>
-              <a:r>
-                <a:rPr lang="en-US" sz="1050" dirty="0">
-                  <a:solidFill>
-                    <a:srgbClr val="0070C0"/>
-                  </a:solidFill>
-                </a:rPr>
-                <a:t>explainability</a:t>
-              </a:r>
-              <a:r>
-                <a:rPr lang="en-US" sz="1050" dirty="0"/>
-                <a:t> </a:t>
-              </a:r>
-              <a:r>
-                <a:rPr lang="en-US" sz="1050" dirty="0">
-                  <a:solidFill>
-                    <a:srgbClr val="00B050"/>
-                  </a:solidFill>
-                </a:rPr>
-                <a:t>understandability</a:t>
-              </a:r>
-              <a:r>
-                <a:rPr lang="en-US" sz="1050" dirty="0"/>
-                <a:t>, </a:t>
-              </a:r>
-              <a:r>
-                <a:rPr lang="en-US" sz="1050" dirty="0">
-                  <a:solidFill>
-                    <a:schemeClr val="accent1"/>
-                  </a:solidFill>
-                </a:rPr>
-                <a:t>transparency, </a:t>
-              </a:r>
-              <a:r>
-                <a:rPr lang="en-US" sz="1050" dirty="0">
-                  <a:solidFill>
-                    <a:srgbClr val="00B050"/>
-                  </a:solidFill>
-                </a:rPr>
-                <a:t>fairness,</a:t>
-              </a:r>
-              <a:r>
-                <a:rPr lang="en-US" sz="1050" dirty="0"/>
-                <a:t> …</a:t>
-              </a:r>
-            </a:p>
-          </p:txBody>
-        </p:sp>
-        <p:sp>
-          <p:nvSpPr>
-            <p:cNvPr id="10" name="TextBox 9">
-              <a:extLst>
-                <a:ext uri="{FF2B5EF4-FFF2-40B4-BE49-F238E27FC236}">
-                  <a16:creationId xmlns:a16="http://schemas.microsoft.com/office/drawing/2014/main" id="{2F25EB42-23BE-BB47-A373-6DB292A97167}"/>
-                </a:ext>
-              </a:extLst>
-            </p:cNvPr>
-            <p:cNvSpPr txBox="1"/>
-            <p:nvPr/>
-          </p:nvSpPr>
-          <p:spPr>
-            <a:xfrm rot="19081091">
-              <a:off x="193465" y="4589044"/>
-              <a:ext cx="1434841" cy="466280"/>
-            </a:xfrm>
-            <a:prstGeom prst="rect">
-              <a:avLst/>
-            </a:prstGeom>
-            <a:noFill/>
-          </p:spPr>
-          <p:txBody>
-            <a:bodyPr wrap="square" rtlCol="0">
-              <a:spAutoFit/>
-            </a:bodyPr>
-            <a:lstStyle/>
-            <a:p>
-              <a:pPr algn="ctr"/>
-              <a:r>
-                <a:rPr lang="en-US" sz="1600" dirty="0"/>
-                <a:t>Performance</a:t>
-              </a:r>
-              <a:endParaRPr lang="en-US" sz="1050" dirty="0"/>
-            </a:p>
-          </p:txBody>
-        </p:sp>
-        <p:sp>
-          <p:nvSpPr>
-            <p:cNvPr id="11" name="TextBox 10">
-              <a:extLst>
-                <a:ext uri="{FF2B5EF4-FFF2-40B4-BE49-F238E27FC236}">
-                  <a16:creationId xmlns:a16="http://schemas.microsoft.com/office/drawing/2014/main" id="{DF2DA14F-DAEE-4D4B-A847-69B1E280CB52}"/>
-                </a:ext>
-              </a:extLst>
-            </p:cNvPr>
-            <p:cNvSpPr txBox="1"/>
-            <p:nvPr/>
-          </p:nvSpPr>
-          <p:spPr>
-            <a:xfrm rot="16200000">
-              <a:off x="253765" y="2796833"/>
-              <a:ext cx="2213601" cy="358570"/>
-            </a:xfrm>
-            <a:prstGeom prst="rect">
-              <a:avLst/>
-            </a:prstGeom>
-            <a:noFill/>
-          </p:spPr>
-          <p:txBody>
-            <a:bodyPr wrap="square" rtlCol="0">
-              <a:spAutoFit/>
-            </a:bodyPr>
-            <a:lstStyle/>
-            <a:p>
-              <a:pPr algn="ctr"/>
-              <a:r>
-                <a:rPr lang="en-US" sz="1600" dirty="0"/>
-                <a:t>Correctness</a:t>
-              </a:r>
-              <a:endParaRPr lang="en-US" sz="1050" dirty="0"/>
-            </a:p>
-          </p:txBody>
-        </p:sp>
-      </p:grpSp>
-      <p:grpSp>
-        <p:nvGrpSpPr>
-          <p:cNvPr id="12" name="Group 11">
-            <a:extLst>
-              <a:ext uri="{FF2B5EF4-FFF2-40B4-BE49-F238E27FC236}">
-                <a16:creationId xmlns:a16="http://schemas.microsoft.com/office/drawing/2014/main" id="{1CBFEA77-888F-034A-908B-58398A408CC4}"/>
-              </a:ext>
-            </a:extLst>
-          </p:cNvPr>
-          <p:cNvGrpSpPr/>
-          <p:nvPr/>
-        </p:nvGrpSpPr>
-        <p:grpSpPr>
-          <a:xfrm>
-            <a:off x="3494555" y="2221922"/>
-            <a:ext cx="2452263" cy="1710777"/>
-            <a:chOff x="3494555" y="2252490"/>
-            <a:chExt cx="2452263" cy="1710777"/>
-          </a:xfrm>
-        </p:grpSpPr>
-        <p:sp>
-          <p:nvSpPr>
-            <p:cNvPr id="13" name="Rectangular Callout 12">
-              <a:extLst>
-                <a:ext uri="{FF2B5EF4-FFF2-40B4-BE49-F238E27FC236}">
-                  <a16:creationId xmlns:a16="http://schemas.microsoft.com/office/drawing/2014/main" id="{DB1BA769-AD52-C045-AA35-1D337EC686ED}"/>
-                </a:ext>
-              </a:extLst>
-            </p:cNvPr>
-            <p:cNvSpPr/>
-            <p:nvPr/>
-          </p:nvSpPr>
-          <p:spPr>
-            <a:xfrm>
-              <a:off x="3494555" y="2293103"/>
-              <a:ext cx="2452263" cy="1670164"/>
-            </a:xfrm>
-            <a:prstGeom prst="wedgeRectCallout">
-              <a:avLst>
-                <a:gd name="adj1" fmla="val 41113"/>
-                <a:gd name="adj2" fmla="val 19936"/>
-              </a:avLst>
-            </a:prstGeom>
-            <a:solidFill>
-              <a:schemeClr val="bg1">
-                <a:lumMod val="85000"/>
-              </a:schemeClr>
-            </a:solidFill>
-          </p:spPr>
-          <p:style>
-            <a:lnRef idx="2">
-              <a:schemeClr val="accent1">
-                <a:shade val="50000"/>
-              </a:schemeClr>
-            </a:lnRef>
-            <a:fillRef idx="1">
-              <a:schemeClr val="accent1"/>
-            </a:fillRef>
-            <a:effectRef idx="0">
-              <a:schemeClr val="accent1"/>
-            </a:effectRef>
-            <a:fontRef idx="minor">
-              <a:schemeClr val="lt1"/>
-            </a:fontRef>
-          </p:style>
-          <p:txBody>
-            <a:bodyPr rtlCol="0" anchor="ctr"/>
-            <a:lstStyle/>
-            <a:p>
-              <a:pPr algn="ctr"/>
-              <a:endParaRPr lang="en-US" sz="2800" dirty="0">
-                <a:solidFill>
-                  <a:schemeClr val="bg1">
-                    <a:lumMod val="50000"/>
-                  </a:schemeClr>
-                </a:solidFill>
-              </a:endParaRPr>
-            </a:p>
-            <a:p>
-              <a:pPr algn="ctr"/>
-              <a:r>
-                <a:rPr lang="en-US" sz="2800" dirty="0">
-                  <a:solidFill>
-                    <a:schemeClr val="bg1">
-                      <a:lumMod val="50000"/>
-                    </a:schemeClr>
-                  </a:solidFill>
-                </a:rPr>
-                <a:t>HCI</a:t>
-              </a:r>
-            </a:p>
-            <a:p>
-              <a:pPr algn="ctr"/>
-              <a:r>
-                <a:rPr lang="en-US" sz="1400" dirty="0">
-                  <a:solidFill>
-                    <a:schemeClr val="bg1">
-                      <a:lumMod val="50000"/>
-                    </a:schemeClr>
-                  </a:solidFill>
-                </a:rPr>
-                <a:t>Interface design, Visualization, </a:t>
-              </a:r>
-            </a:p>
-            <a:p>
-              <a:pPr algn="ctr"/>
-              <a:r>
-                <a:rPr lang="en-US" sz="1400" dirty="0">
-                  <a:solidFill>
-                    <a:schemeClr val="bg1">
-                      <a:lumMod val="50000"/>
-                    </a:schemeClr>
-                  </a:solidFill>
-                </a:rPr>
-                <a:t>User-profiling…</a:t>
-              </a:r>
-              <a:endParaRPr lang="en-US" sz="2800" dirty="0">
-                <a:solidFill>
-                  <a:schemeClr val="bg1">
-                    <a:lumMod val="50000"/>
-                  </a:schemeClr>
-                </a:solidFill>
-              </a:endParaRPr>
-            </a:p>
-          </p:txBody>
-        </p:sp>
-        <p:pic>
-          <p:nvPicPr>
-            <p:cNvPr id="14" name="Graphic 13" descr="Users with solid fill">
-              <a:extLst>
-                <a:ext uri="{FF2B5EF4-FFF2-40B4-BE49-F238E27FC236}">
-                  <a16:creationId xmlns:a16="http://schemas.microsoft.com/office/drawing/2014/main" id="{2A8C7162-E076-5F44-87C9-0BBAFDFE6BA9}"/>
-                </a:ext>
-              </a:extLst>
-            </p:cNvPr>
-            <p:cNvPicPr>
-              <a:picLocks noChangeAspect="1"/>
-            </p:cNvPicPr>
-            <p:nvPr/>
-          </p:nvPicPr>
-          <p:blipFill>
-            <a:blip r:embed="rId3">
-              <a:extLst>
-                <a:ext uri="{96DAC541-7B7A-43D3-8B79-37D633B846F1}">
-                  <asvg:svgBlip xmlns:asvg="http://schemas.microsoft.com/office/drawing/2016/SVG/main" r:embed="rId4"/>
-                </a:ext>
-              </a:extLst>
-            </a:blip>
-            <a:stretch>
-              <a:fillRect/>
-            </a:stretch>
-          </p:blipFill>
-          <p:spPr>
-            <a:xfrm>
-              <a:off x="4376550" y="2252490"/>
-              <a:ext cx="635291" cy="602712"/>
-            </a:xfrm>
-            <a:prstGeom prst="rect">
-              <a:avLst/>
-            </a:prstGeom>
-          </p:spPr>
-        </p:pic>
-      </p:grpSp>
-      <p:grpSp>
-        <p:nvGrpSpPr>
-          <p:cNvPr id="15" name="Group 14">
-            <a:extLst>
-              <a:ext uri="{FF2B5EF4-FFF2-40B4-BE49-F238E27FC236}">
-                <a16:creationId xmlns:a16="http://schemas.microsoft.com/office/drawing/2014/main" id="{061FD488-9C8C-644D-BE8E-418831B00C7A}"/>
-              </a:ext>
-            </a:extLst>
-          </p:cNvPr>
-          <p:cNvGrpSpPr/>
-          <p:nvPr/>
-        </p:nvGrpSpPr>
-        <p:grpSpPr>
-          <a:xfrm>
-            <a:off x="9043792" y="2262535"/>
-            <a:ext cx="2088481" cy="1703900"/>
-            <a:chOff x="9043792" y="2293103"/>
-            <a:chExt cx="2088481" cy="1703900"/>
-          </a:xfrm>
-        </p:grpSpPr>
-        <p:sp>
-          <p:nvSpPr>
-            <p:cNvPr id="16" name="Rectangular Callout 15">
-              <a:extLst>
-                <a:ext uri="{FF2B5EF4-FFF2-40B4-BE49-F238E27FC236}">
-                  <a16:creationId xmlns:a16="http://schemas.microsoft.com/office/drawing/2014/main" id="{32289536-F68B-FA4E-A060-B724C6A1D5A3}"/>
-                </a:ext>
-              </a:extLst>
-            </p:cNvPr>
-            <p:cNvSpPr/>
-            <p:nvPr/>
-          </p:nvSpPr>
-          <p:spPr>
-            <a:xfrm>
-              <a:off x="9043792" y="2326839"/>
-              <a:ext cx="2088481" cy="1670164"/>
-            </a:xfrm>
-            <a:prstGeom prst="wedgeRectCallout">
-              <a:avLst>
-                <a:gd name="adj1" fmla="val 41113"/>
-                <a:gd name="adj2" fmla="val 19936"/>
-              </a:avLst>
-            </a:prstGeom>
-            <a:solidFill>
-              <a:schemeClr val="bg1">
-                <a:lumMod val="85000"/>
-              </a:schemeClr>
-            </a:solidFill>
-          </p:spPr>
-          <p:style>
-            <a:lnRef idx="2">
-              <a:schemeClr val="accent1">
-                <a:shade val="50000"/>
-              </a:schemeClr>
-            </a:lnRef>
-            <a:fillRef idx="1">
-              <a:schemeClr val="accent1"/>
-            </a:fillRef>
-            <a:effectRef idx="0">
-              <a:schemeClr val="accent1"/>
-            </a:effectRef>
-            <a:fontRef idx="minor">
-              <a:schemeClr val="lt1"/>
-            </a:fontRef>
-          </p:style>
-          <p:txBody>
-            <a:bodyPr rtlCol="0" anchor="ctr"/>
-            <a:lstStyle/>
-            <a:p>
-              <a:pPr algn="ctr"/>
-              <a:endParaRPr lang="en-US" sz="2800" dirty="0">
-                <a:solidFill>
-                  <a:schemeClr val="bg1">
-                    <a:lumMod val="50000"/>
-                  </a:schemeClr>
-                </a:solidFill>
-              </a:endParaRPr>
-            </a:p>
-            <a:p>
-              <a:pPr algn="ctr"/>
-              <a:r>
-                <a:rPr lang="en-US" sz="2800" dirty="0">
-                  <a:solidFill>
-                    <a:schemeClr val="bg1">
-                      <a:lumMod val="50000"/>
-                    </a:schemeClr>
-                  </a:solidFill>
-                </a:rPr>
-                <a:t>Systems</a:t>
-              </a:r>
-            </a:p>
-            <a:p>
-              <a:pPr algn="ctr"/>
-              <a:r>
-                <a:rPr lang="en-US" sz="1400" dirty="0">
-                  <a:solidFill>
-                    <a:schemeClr val="bg1">
-                      <a:lumMod val="50000"/>
-                    </a:schemeClr>
-                  </a:solidFill>
-                </a:rPr>
-                <a:t>Technology, Architecture, Algorithm…</a:t>
-              </a:r>
-              <a:endParaRPr lang="en-US" sz="2800" dirty="0">
-                <a:solidFill>
-                  <a:schemeClr val="bg1">
-                    <a:lumMod val="50000"/>
-                  </a:schemeClr>
-                </a:solidFill>
-              </a:endParaRPr>
-            </a:p>
-          </p:txBody>
-        </p:sp>
-        <p:pic>
-          <p:nvPicPr>
-            <p:cNvPr id="17" name="Graphic 16" descr="Single gear with solid fill">
-              <a:extLst>
-                <a:ext uri="{FF2B5EF4-FFF2-40B4-BE49-F238E27FC236}">
-                  <a16:creationId xmlns:a16="http://schemas.microsoft.com/office/drawing/2014/main" id="{0A48C02D-70D1-6245-9F99-CDA319062E12}"/>
-                </a:ext>
-              </a:extLst>
-            </p:cNvPr>
-            <p:cNvPicPr>
-              <a:picLocks noChangeAspect="1"/>
-            </p:cNvPicPr>
-            <p:nvPr/>
-          </p:nvPicPr>
-          <p:blipFill>
-            <a:blip r:embed="rId5">
-              <a:extLst>
-                <a:ext uri="{96DAC541-7B7A-43D3-8B79-37D633B846F1}">
-                  <asvg:svgBlip xmlns:asvg="http://schemas.microsoft.com/office/drawing/2016/SVG/main" r:embed="rId6"/>
-                </a:ext>
-              </a:extLst>
-            </a:blip>
-            <a:stretch>
-              <a:fillRect/>
-            </a:stretch>
-          </p:blipFill>
-          <p:spPr>
-            <a:xfrm>
-              <a:off x="9760921" y="2293103"/>
-              <a:ext cx="581986" cy="581986"/>
-            </a:xfrm>
-            <a:prstGeom prst="rect">
-              <a:avLst/>
-            </a:prstGeom>
-          </p:spPr>
-        </p:pic>
-      </p:grpSp>
-      <p:grpSp>
-        <p:nvGrpSpPr>
-          <p:cNvPr id="18" name="Group 17">
-            <a:extLst>
-              <a:ext uri="{FF2B5EF4-FFF2-40B4-BE49-F238E27FC236}">
-                <a16:creationId xmlns:a16="http://schemas.microsoft.com/office/drawing/2014/main" id="{86B949F1-4574-2D4C-9E65-BA09E362760F}"/>
-              </a:ext>
-            </a:extLst>
-          </p:cNvPr>
-          <p:cNvGrpSpPr/>
-          <p:nvPr/>
-        </p:nvGrpSpPr>
-        <p:grpSpPr>
-          <a:xfrm>
-            <a:off x="5946817" y="2762736"/>
-            <a:ext cx="3096975" cy="3207446"/>
-            <a:chOff x="5946817" y="2793304"/>
-            <a:chExt cx="3096975" cy="3207446"/>
-          </a:xfrm>
-        </p:grpSpPr>
-        <p:sp>
-          <p:nvSpPr>
-            <p:cNvPr id="19" name="Rectangular Callout 18">
-              <a:extLst>
-                <a:ext uri="{FF2B5EF4-FFF2-40B4-BE49-F238E27FC236}">
-                  <a16:creationId xmlns:a16="http://schemas.microsoft.com/office/drawing/2014/main" id="{113EDC95-9EFE-C345-8D79-90AE00443FDB}"/>
-                </a:ext>
-              </a:extLst>
-            </p:cNvPr>
-            <p:cNvSpPr/>
-            <p:nvPr/>
-          </p:nvSpPr>
-          <p:spPr>
-            <a:xfrm>
-              <a:off x="6196682" y="3526078"/>
-              <a:ext cx="2597245" cy="2474672"/>
-            </a:xfrm>
-            <a:prstGeom prst="wedgeRectCallout">
-              <a:avLst>
-                <a:gd name="adj1" fmla="val 41113"/>
-                <a:gd name="adj2" fmla="val 19936"/>
-              </a:avLst>
-            </a:prstGeom>
-            <a:solidFill>
-              <a:schemeClr val="bg1">
-                <a:lumMod val="85000"/>
-              </a:schemeClr>
-            </a:solidFill>
-            <a:ln w="57150">
-              <a:solidFill>
-                <a:srgbClr val="C00000"/>
-              </a:solidFill>
-            </a:ln>
-          </p:spPr>
-          <p:style>
-            <a:lnRef idx="2">
-              <a:schemeClr val="accent1">
-                <a:shade val="50000"/>
-              </a:schemeClr>
-            </a:lnRef>
-            <a:fillRef idx="1">
-              <a:schemeClr val="accent1"/>
-            </a:fillRef>
-            <a:effectRef idx="0">
-              <a:schemeClr val="accent1"/>
-            </a:effectRef>
-            <a:fontRef idx="minor">
-              <a:schemeClr val="lt1"/>
-            </a:fontRef>
-          </p:style>
-          <p:txBody>
-            <a:bodyPr rtlCol="0" anchor="ctr"/>
-            <a:lstStyle/>
-            <a:p>
-              <a:pPr algn="ctr"/>
-              <a:endParaRPr lang="en-US" sz="2400" b="1" dirty="0">
-                <a:solidFill>
-                  <a:schemeClr val="accent1"/>
-                </a:solidFill>
-              </a:endParaRPr>
-            </a:p>
-            <a:p>
-              <a:pPr algn="ctr"/>
-              <a:r>
-                <a:rPr lang="en-US" sz="2400" b="1" dirty="0">
-                  <a:solidFill>
-                    <a:schemeClr val="accent1"/>
-                  </a:solidFill>
-                </a:rPr>
-                <a:t>Technology</a:t>
-              </a:r>
-              <a:r>
-                <a:rPr lang="en-US" sz="2400" dirty="0">
-                  <a:solidFill>
-                    <a:schemeClr val="tx1"/>
-                  </a:solidFill>
-                </a:rPr>
-                <a:t> to empower users of data systems</a:t>
-              </a:r>
-            </a:p>
-          </p:txBody>
-        </p:sp>
-        <p:sp>
-          <p:nvSpPr>
-            <p:cNvPr id="20" name="Left-Right Arrow 19">
-              <a:extLst>
-                <a:ext uri="{FF2B5EF4-FFF2-40B4-BE49-F238E27FC236}">
-                  <a16:creationId xmlns:a16="http://schemas.microsoft.com/office/drawing/2014/main" id="{2FAF9005-EBE8-0747-9A01-CAD841ADDE39}"/>
-                </a:ext>
-              </a:extLst>
-            </p:cNvPr>
-            <p:cNvSpPr/>
-            <p:nvPr/>
-          </p:nvSpPr>
-          <p:spPr>
-            <a:xfrm>
-              <a:off x="5946817" y="2793304"/>
-              <a:ext cx="3096975" cy="538619"/>
-            </a:xfrm>
-            <a:prstGeom prst="leftRightArrow">
-              <a:avLst/>
-            </a:prstGeom>
-            <a:solidFill>
-              <a:schemeClr val="bg1">
-                <a:lumMod val="65000"/>
-              </a:schemeClr>
-            </a:solidFill>
-          </p:spPr>
-          <p:style>
-            <a:lnRef idx="2">
-              <a:schemeClr val="accent1">
-                <a:shade val="50000"/>
-              </a:schemeClr>
-            </a:lnRef>
-            <a:fillRef idx="1">
-              <a:schemeClr val="accent1"/>
-            </a:fillRef>
-            <a:effectRef idx="0">
-              <a:schemeClr val="accent1"/>
-            </a:effectRef>
-            <a:fontRef idx="minor">
-              <a:schemeClr val="lt1"/>
-            </a:fontRef>
-          </p:style>
-          <p:txBody>
-            <a:bodyPr rtlCol="0" anchor="ctr"/>
-            <a:lstStyle/>
-            <a:p>
-              <a:pPr algn="ctr"/>
-              <a:endParaRPr lang="en-US" dirty="0"/>
-            </a:p>
-          </p:txBody>
-        </p:sp>
-        <p:pic>
-          <p:nvPicPr>
-            <p:cNvPr id="21" name="Graphic 20" descr="Puzzle with solid fill">
-              <a:extLst>
-                <a:ext uri="{FF2B5EF4-FFF2-40B4-BE49-F238E27FC236}">
-                  <a16:creationId xmlns:a16="http://schemas.microsoft.com/office/drawing/2014/main" id="{98089800-51E2-3C4A-BBED-92C8F1ADE1E6}"/>
-                </a:ext>
-              </a:extLst>
-            </p:cNvPr>
-            <p:cNvPicPr>
-              <a:picLocks noChangeAspect="1"/>
-            </p:cNvPicPr>
-            <p:nvPr/>
-          </p:nvPicPr>
-          <p:blipFill>
-            <a:blip r:embed="rId7">
-              <a:extLst>
-                <a:ext uri="{96DAC541-7B7A-43D3-8B79-37D633B846F1}">
-                  <asvg:svgBlip xmlns:asvg="http://schemas.microsoft.com/office/drawing/2016/SVG/main" r:embed="rId8"/>
-                </a:ext>
-              </a:extLst>
-            </a:blip>
-            <a:stretch>
-              <a:fillRect/>
-            </a:stretch>
-          </p:blipFill>
-          <p:spPr>
-            <a:xfrm>
-              <a:off x="7050901" y="3582605"/>
-              <a:ext cx="761324" cy="761324"/>
-            </a:xfrm>
-            <a:prstGeom prst="rect">
-              <a:avLst/>
-            </a:prstGeom>
-          </p:spPr>
-        </p:pic>
-      </p:grpSp>
-      <p:pic>
-        <p:nvPicPr>
-          <p:cNvPr id="22" name="Picture 21" descr="A picture containing text&#10;&#10;Description automatically generated">
-            <a:extLst>
-              <a:ext uri="{FF2B5EF4-FFF2-40B4-BE49-F238E27FC236}">
-                <a16:creationId xmlns:a16="http://schemas.microsoft.com/office/drawing/2014/main" id="{817C5A08-4B8E-814D-9E7F-61125BA6B927}"/>
-              </a:ext>
-            </a:extLst>
-          </p:cNvPr>
-          <p:cNvPicPr>
-            <a:picLocks noChangeAspect="1"/>
-          </p:cNvPicPr>
-          <p:nvPr/>
-        </p:nvPicPr>
-        <p:blipFill>
-          <a:blip r:embed="rId9"/>
-          <a:stretch>
-            <a:fillRect/>
-          </a:stretch>
-        </p:blipFill>
-        <p:spPr>
-          <a:xfrm>
-            <a:off x="6829919" y="1453664"/>
-            <a:ext cx="1340336" cy="1340336"/>
-          </a:xfrm>
-          <a:prstGeom prst="rect">
-            <a:avLst/>
-          </a:prstGeom>
-        </p:spPr>
-      </p:pic>
-    </p:spTree>
-    <p:extLst>
-      <p:ext uri="{BB962C8B-B14F-4D97-AF65-F5344CB8AC3E}">
-        <p14:creationId xmlns:p14="http://schemas.microsoft.com/office/powerpoint/2010/main" val="2768471427"/>
-      </p:ext>
-    </p:extLst>
-  </p:cSld>
-  <p:clrMapOvr>
-    <a:masterClrMapping/>
-  </p:clrMapOvr>
-  <mc:AlternateContent xmlns:mc="http://schemas.openxmlformats.org/markup-compatibility/2006" xmlns:p14="http://schemas.microsoft.com/office/powerpoint/2010/main">
-    <mc:Choice Requires="p14">
-      <p:transition p14:dur="0"/>
-    </mc:Choice>
-    <mc:Fallback xmlns="">
-      <p:transition/>
-    </mc:Fallback>
-  </mc:AlternateContent>
-  <p:timing>
-    <p:tnLst>
-      <p:par>
-        <p:cTn id="1" dur="indefinite" restart="never" nodeType="tmRoot">
-          <p:childTnLst>
-            <p:seq concurrent="1" nextAc="seek">
-              <p:cTn id="2" dur="indefinite" nodeType="mainSeq">
-                <p:childTnLst>
-                  <p:par>
-                    <p:cTn id="3" fill="hold">
-                      <p:stCondLst>
-                        <p:cond delay="indefinite"/>
-                      </p:stCondLst>
-                      <p:childTnLst>
-                        <p:par>
-                          <p:cTn id="4" fill="hold">
-                            <p:stCondLst>
-                              <p:cond delay="0"/>
-                            </p:stCondLst>
-                            <p:childTnLst>
-                              <p:par>
-                                <p:cTn id="5" presetID="1" presetClass="entr" presetSubtype="0" fill="hold" nodeType="clickEffect">
-                                  <p:stCondLst>
-                                    <p:cond delay="0"/>
-                                  </p:stCondLst>
-                                  <p:childTnLst>
-                                    <p:set>
-                                      <p:cBhvr>
-                                        <p:cTn id="6" dur="1" fill="hold">
-                                          <p:stCondLst>
-                                            <p:cond delay="0"/>
-                                          </p:stCondLst>
-                                        </p:cTn>
-                                        <p:tgtEl>
-                                          <p:spTgt spid="5"/>
-                                        </p:tgtEl>
-                                        <p:attrNameLst>
-                                          <p:attrName>style.visibility</p:attrName>
-                                        </p:attrNameLst>
-                                      </p:cBhvr>
-                                      <p:to>
-                                        <p:strVal val="visible"/>
-                                      </p:to>
-                                    </p:set>
-                                  </p:childTnLst>
-                                </p:cTn>
-                              </p:par>
-                            </p:childTnLst>
-                          </p:cTn>
-                        </p:par>
-                      </p:childTnLst>
-                    </p:cTn>
-                  </p:par>
-                  <p:par>
-                    <p:cTn id="7" fill="hold">
-                      <p:stCondLst>
-                        <p:cond delay="indefinite"/>
-                      </p:stCondLst>
-                      <p:childTnLst>
-                        <p:par>
-                          <p:cTn id="8" fill="hold">
-                            <p:stCondLst>
-                              <p:cond delay="0"/>
-                            </p:stCondLst>
-                            <p:childTnLst>
-                              <p:par>
-                                <p:cTn id="9" presetID="1" presetClass="entr" presetSubtype="0" fill="hold" nodeType="clickEffect">
-                                  <p:stCondLst>
-                                    <p:cond delay="0"/>
-                                  </p:stCondLst>
-                                  <p:childTnLst>
-                                    <p:set>
-                                      <p:cBhvr>
-                                        <p:cTn id="10" dur="1" fill="hold">
-                                          <p:stCondLst>
-                                            <p:cond delay="0"/>
-                                          </p:stCondLst>
-                                        </p:cTn>
-                                        <p:tgtEl>
-                                          <p:spTgt spid="12"/>
-                                        </p:tgtEl>
-                                        <p:attrNameLst>
-                                          <p:attrName>style.visibility</p:attrName>
-                                        </p:attrNameLst>
-                                      </p:cBhvr>
-                                      <p:to>
-                                        <p:strVal val="visible"/>
-                                      </p:to>
-                                    </p:set>
-                                  </p:childTnLst>
-                                </p:cTn>
-                              </p:par>
-                            </p:childTnLst>
-                          </p:cTn>
-                        </p:par>
-                      </p:childTnLst>
-                    </p:cTn>
-                  </p:par>
-                  <p:par>
-                    <p:cTn id="11" fill="hold">
-                      <p:stCondLst>
-                        <p:cond delay="indefinite"/>
-                      </p:stCondLst>
-                      <p:childTnLst>
-                        <p:par>
-                          <p:cTn id="12" fill="hold">
-                            <p:stCondLst>
-                              <p:cond delay="0"/>
-                            </p:stCondLst>
-                            <p:childTnLst>
-                              <p:par>
-                                <p:cTn id="13" presetID="1" presetClass="entr" presetSubtype="0" fill="hold" nodeType="clickEffect">
-                                  <p:stCondLst>
-                                    <p:cond delay="0"/>
-                                  </p:stCondLst>
-                                  <p:childTnLst>
-                                    <p:set>
-                                      <p:cBhvr>
-                                        <p:cTn id="14" dur="1" fill="hold">
-                                          <p:stCondLst>
-                                            <p:cond delay="0"/>
-                                          </p:stCondLst>
-                                        </p:cTn>
-                                        <p:tgtEl>
-                                          <p:spTgt spid="15"/>
-                                        </p:tgtEl>
-                                        <p:attrNameLst>
-                                          <p:attrName>style.visibility</p:attrName>
-                                        </p:attrNameLst>
-                                      </p:cBhvr>
-                                      <p:to>
-                                        <p:strVal val="visible"/>
-                                      </p:to>
-                                    </p:set>
-                                  </p:childTnLst>
-                                </p:cTn>
-                              </p:par>
-                            </p:childTnLst>
-                          </p:cTn>
-                        </p:par>
-                      </p:childTnLst>
-                    </p:cTn>
-                  </p:par>
-                  <p:par>
-                    <p:cTn id="15" fill="hold">
-                      <p:stCondLst>
-                        <p:cond delay="indefinite"/>
-                      </p:stCondLst>
-                      <p:childTnLst>
-                        <p:par>
-                          <p:cTn id="16" fill="hold">
-                            <p:stCondLst>
-                              <p:cond delay="0"/>
-                            </p:stCondLst>
-                            <p:childTnLst>
-                              <p:par>
-                                <p:cTn id="17" presetID="1" presetClass="entr" presetSubtype="0" fill="hold" nodeType="clickEffect">
-                                  <p:stCondLst>
-                                    <p:cond delay="0"/>
-                                  </p:stCondLst>
-                                  <p:childTnLst>
-                                    <p:set>
-                                      <p:cBhvr>
-                                        <p:cTn id="18" dur="1" fill="hold">
-                                          <p:stCondLst>
-                                            <p:cond delay="0"/>
-                                          </p:stCondLst>
-                                        </p:cTn>
-                                        <p:tgtEl>
-                                          <p:spTgt spid="18"/>
-                                        </p:tgtEl>
-                                        <p:attrNameLst>
-                                          <p:attrName>style.visibility</p:attrName>
-                                        </p:attrNameLst>
-                                      </p:cBhvr>
-                                      <p:to>
-                                        <p:strVal val="visible"/>
-                                      </p:to>
-                                    </p:set>
-                                  </p:childTnLst>
-                                </p:cTn>
-                              </p:par>
-                              <p:par>
-                                <p:cTn id="19" presetID="1" presetClass="entr" presetSubtype="0" fill="hold" nodeType="withEffect">
-                                  <p:stCondLst>
-                                    <p:cond delay="0"/>
-                                  </p:stCondLst>
-                                  <p:childTnLst>
-                                    <p:set>
-                                      <p:cBhvr>
-                                        <p:cTn id="20" dur="1" fill="hold">
-                                          <p:stCondLst>
-                                            <p:cond delay="0"/>
-                                          </p:stCondLst>
-                                        </p:cTn>
-                                        <p:tgtEl>
-                                          <p:spTgt spid="22"/>
-                                        </p:tgtEl>
-                                        <p:attrNameLst>
-                                          <p:attrName>style.visibility</p:attrName>
-                                        </p:attrNameLst>
-                                      </p:cBhvr>
-                                      <p:to>
-                                        <p:strVal val="visible"/>
-                                      </p:to>
-                                    </p:set>
-                                  </p:childTnLst>
-                                </p:cTn>
-                              </p:par>
-                            </p:childTnLst>
-                          </p:cTn>
-                        </p:par>
-                      </p:childTnLst>
-                    </p:cTn>
-                  </p:par>
-                </p:childTnLst>
-              </p:cTn>
-              <p:prevCondLst>
-                <p:cond evt="onPrev" delay="0">
-                  <p:tgtEl>
-                    <p:sldTgt/>
-                  </p:tgtEl>
-                </p:cond>
-              </p:prevCondLst>
-              <p:nextCondLst>
-                <p:cond evt="onNext" delay="0">
-                  <p:tgtEl>
-                    <p:sldTgt/>
-                  </p:tgtEl>
-                </p:cond>
-              </p:nextCondLst>
-            </p:seq>
-          </p:childTnLst>
-        </p:cTn>
-      </p:par>
-    </p:tnLst>
-  </p:timing>
-</p:sld>
-</file>
-
-<file path=ppt/slides/slide5.xml><?xml version="1.0" encoding="utf-8"?>
-<p:sld xmlns:a="http://schemas.openxmlformats.org/drawingml/2006/main" xmlns:r="http://schemas.openxmlformats.org/officeDocument/2006/relationships" xmlns:p="http://schemas.openxmlformats.org/presentationml/2006/main">
-  <p:cSld>
-    <p:spTree>
-      <p:nvGrpSpPr>
-        <p:cNvPr id="1" name=""/>
-        <p:cNvGrpSpPr/>
-        <p:nvPr/>
-      </p:nvGrpSpPr>
-      <p:grpSpPr>
-        <a:xfrm>
-          <a:off x="0" y="0"/>
-          <a:ext cx="0" cy="0"/>
-          <a:chOff x="0" y="0"/>
-          <a:chExt cx="0" cy="0"/>
-        </a:xfrm>
-      </p:grpSpPr>
-      <p:sp>
-        <p:nvSpPr>
-          <p:cNvPr id="4" name="Text Placeholder 3">
-            <a:extLst>
-              <a:ext uri="{FF2B5EF4-FFF2-40B4-BE49-F238E27FC236}">
-                <a16:creationId xmlns:a16="http://schemas.microsoft.com/office/drawing/2014/main" id="{2DB738F3-D554-3C46-8B59-089CEE9A90A4}"/>
-              </a:ext>
-            </a:extLst>
-          </p:cNvPr>
-          <p:cNvSpPr>
-            <a:spLocks noGrp="1"/>
-          </p:cNvSpPr>
-          <p:nvPr>
-            <p:ph type="body" sz="quarter" idx="13"/>
-          </p:nvPr>
-        </p:nvSpPr>
-        <p:spPr/>
-        <p:txBody>
-          <a:bodyPr/>
-          <a:lstStyle/>
-          <a:p>
-            <a:r>
-              <a:rPr lang="en-US" dirty="0"/>
-              <a:t>Support for explanation in the design layer</a:t>
-            </a:r>
-          </a:p>
-        </p:txBody>
-      </p:sp>
-      <p:sp>
-        <p:nvSpPr>
-          <p:cNvPr id="3" name="Slide Number Placeholder 2">
-            <a:extLst>
-              <a:ext uri="{FF2B5EF4-FFF2-40B4-BE49-F238E27FC236}">
-                <a16:creationId xmlns:a16="http://schemas.microsoft.com/office/drawing/2014/main" id="{80C2BEC8-2FF6-694A-8485-9EC3C22C7AD7}"/>
-              </a:ext>
-            </a:extLst>
-          </p:cNvPr>
-          <p:cNvSpPr>
-            <a:spLocks noGrp="1"/>
-          </p:cNvSpPr>
-          <p:nvPr>
-            <p:ph type="sldNum" sz="quarter" idx="4"/>
-          </p:nvPr>
-        </p:nvSpPr>
-        <p:spPr/>
-        <p:txBody>
-          <a:bodyPr/>
-          <a:lstStyle/>
-          <a:p>
-            <a:fld id="{4740AEA5-A348-2949-9B8B-EA763C54C64D}" type="slidenum">
-              <a:rPr lang="en-US" smtClean="0"/>
-              <a:t>5</a:t>
             </a:fld>
             <a:endParaRPr lang="en-US" dirty="0"/>
           </a:p>
@@ -16156,7 +14724,7 @@
 </p:sld>
 </file>
 
-<file path=ppt/slides/slide6.xml><?xml version="1.0" encoding="utf-8"?>
+<file path=ppt/slides/slide5.xml><?xml version="1.0" encoding="utf-8"?>
 <p:sld xmlns:a="http://schemas.openxmlformats.org/drawingml/2006/main" xmlns:r="http://schemas.openxmlformats.org/officeDocument/2006/relationships" xmlns:p="http://schemas.openxmlformats.org/presentationml/2006/main">
   <p:cSld>
     <p:spTree>
@@ -16383,7 +14951,7 @@
           <a:p>
             <a:fld id="{4740AEA5-A348-2949-9B8B-EA763C54C64D}" type="slidenum">
               <a:rPr lang="en-US" smtClean="0"/>
-              <a:t>6</a:t>
+              <a:t>5</a:t>
             </a:fld>
             <a:endParaRPr lang="en-US" dirty="0"/>
           </a:p>
@@ -16901,6 +15469,1073 @@
       <p:transition/>
     </mc:Fallback>
   </mc:AlternateContent>
+</p:sld>
+</file>
+
+<file path=ppt/slides/slide6.xml><?xml version="1.0" encoding="utf-8"?>
+<p:sld xmlns:a="http://schemas.openxmlformats.org/drawingml/2006/main" xmlns:r="http://schemas.openxmlformats.org/officeDocument/2006/relationships" xmlns:p="http://schemas.openxmlformats.org/presentationml/2006/main">
+  <p:cSld>
+    <p:spTree>
+      <p:nvGrpSpPr>
+        <p:cNvPr id="1" name=""/>
+        <p:cNvGrpSpPr/>
+        <p:nvPr/>
+      </p:nvGrpSpPr>
+      <p:grpSpPr>
+        <a:xfrm>
+          <a:off x="0" y="0"/>
+          <a:ext cx="0" cy="0"/>
+          <a:chOff x="0" y="0"/>
+          <a:chExt cx="0" cy="0"/>
+        </a:xfrm>
+      </p:grpSpPr>
+      <p:sp>
+        <p:nvSpPr>
+          <p:cNvPr id="2" name="Slide Number Placeholder 1">
+            <a:extLst>
+              <a:ext uri="{FF2B5EF4-FFF2-40B4-BE49-F238E27FC236}">
+                <a16:creationId xmlns:a16="http://schemas.microsoft.com/office/drawing/2014/main" id="{6EC48DB3-D2B7-F00A-A0EA-A4E9C08BC9CB}"/>
+              </a:ext>
+            </a:extLst>
+          </p:cNvPr>
+          <p:cNvSpPr>
+            <a:spLocks noGrp="1"/>
+          </p:cNvSpPr>
+          <p:nvPr>
+            <p:ph type="sldNum" sz="quarter" idx="4"/>
+          </p:nvPr>
+        </p:nvSpPr>
+        <p:spPr/>
+        <p:txBody>
+          <a:bodyPr/>
+          <a:lstStyle/>
+          <a:p>
+            <a:fld id="{4740AEA5-A348-2949-9B8B-EA763C54C64D}" type="slidenum">
+              <a:rPr lang="en-US" smtClean="0"/>
+              <a:t>6</a:t>
+            </a:fld>
+            <a:endParaRPr lang="en-US" dirty="0"/>
+          </a:p>
+        </p:txBody>
+      </p:sp>
+      <p:sp>
+        <p:nvSpPr>
+          <p:cNvPr id="4" name="Text Placeholder 3">
+            <a:extLst>
+              <a:ext uri="{FF2B5EF4-FFF2-40B4-BE49-F238E27FC236}">
+                <a16:creationId xmlns:a16="http://schemas.microsoft.com/office/drawing/2014/main" id="{90B3AA25-F3B3-FA97-54D7-9314D08B5A4D}"/>
+              </a:ext>
+            </a:extLst>
+          </p:cNvPr>
+          <p:cNvSpPr>
+            <a:spLocks noGrp="1"/>
+          </p:cNvSpPr>
+          <p:nvPr>
+            <p:ph type="body" sz="quarter" idx="13"/>
+          </p:nvPr>
+        </p:nvSpPr>
+        <p:spPr/>
+        <p:txBody>
+          <a:bodyPr/>
+          <a:lstStyle/>
+          <a:p>
+            <a:r>
+              <a:rPr lang="en-US" dirty="0"/>
+              <a:t>Mismatch between data and systems</a:t>
+            </a:r>
+          </a:p>
+        </p:txBody>
+      </p:sp>
+      <p:sp>
+        <p:nvSpPr>
+          <p:cNvPr id="7" name="TextBox 6">
+            <a:extLst>
+              <a:ext uri="{FF2B5EF4-FFF2-40B4-BE49-F238E27FC236}">
+                <a16:creationId xmlns:a16="http://schemas.microsoft.com/office/drawing/2014/main" id="{C8368904-A128-C385-21BE-D5A291021D93}"/>
+              </a:ext>
+            </a:extLst>
+          </p:cNvPr>
+          <p:cNvSpPr txBox="1"/>
+          <p:nvPr/>
+        </p:nvSpPr>
+        <p:spPr>
+          <a:xfrm>
+            <a:off x="7278172" y="1476629"/>
+            <a:ext cx="3776135" cy="830997"/>
+          </a:xfrm>
+          <a:prstGeom prst="rect">
+            <a:avLst/>
+          </a:prstGeom>
+          <a:noFill/>
+        </p:spPr>
+        <p:txBody>
+          <a:bodyPr wrap="square" rtlCol="0">
+            <a:spAutoFit/>
+          </a:bodyPr>
+          <a:lstStyle/>
+          <a:p>
+            <a:r>
+              <a:rPr lang="en-US" sz="2400" dirty="0">
+                <a:latin typeface="Times New Roman" panose="02020603050405020304" pitchFamily="18" charset="0"/>
+                <a:cs typeface="Times New Roman" panose="02020603050405020304" pitchFamily="18" charset="0"/>
+              </a:rPr>
+              <a:t>Availability of tools to build data-driven systems</a:t>
+            </a:r>
+          </a:p>
+        </p:txBody>
+      </p:sp>
+      <p:pic>
+        <p:nvPicPr>
+          <p:cNvPr id="8" name="Picture 8" descr="TensorFlow - Wikipedia">
+            <a:extLst>
+              <a:ext uri="{FF2B5EF4-FFF2-40B4-BE49-F238E27FC236}">
+                <a16:creationId xmlns:a16="http://schemas.microsoft.com/office/drawing/2014/main" id="{029976F3-DC0F-B0C3-A707-AC55160B37E9}"/>
+              </a:ext>
+            </a:extLst>
+          </p:cNvPr>
+          <p:cNvPicPr>
+            <a:picLocks noChangeAspect="1" noChangeArrowheads="1"/>
+          </p:cNvPicPr>
+          <p:nvPr/>
+        </p:nvPicPr>
+        <p:blipFill>
+          <a:blip r:embed="rId2">
+            <a:extLst>
+              <a:ext uri="{28A0092B-C50C-407E-A947-70E740481C1C}">
+                <a14:useLocalDpi xmlns:a14="http://schemas.microsoft.com/office/drawing/2010/main" val="0"/>
+              </a:ext>
+            </a:extLst>
+          </a:blip>
+          <a:srcRect/>
+          <a:stretch>
+            <a:fillRect/>
+          </a:stretch>
+        </p:blipFill>
+        <p:spPr bwMode="auto">
+          <a:xfrm>
+            <a:off x="7004197" y="3071519"/>
+            <a:ext cx="1552670" cy="993709"/>
+          </a:xfrm>
+          <a:prstGeom prst="rect">
+            <a:avLst/>
+          </a:prstGeom>
+          <a:noFill/>
+          <a:extLst>
+            <a:ext uri="{909E8E84-426E-40DD-AFC4-6F175D3DCCD1}">
+              <a14:hiddenFill xmlns:a14="http://schemas.microsoft.com/office/drawing/2010/main">
+                <a:solidFill>
+                  <a:srgbClr val="FFFFFF"/>
+                </a:solidFill>
+              </a14:hiddenFill>
+            </a:ext>
+          </a:extLst>
+        </p:spPr>
+      </p:pic>
+      <p:pic>
+        <p:nvPicPr>
+          <p:cNvPr id="9" name="Picture 10" descr="Welcome to PyTorch Tutorials — PyTorch Tutorials 1.11.0+cu102 documentation">
+            <a:extLst>
+              <a:ext uri="{FF2B5EF4-FFF2-40B4-BE49-F238E27FC236}">
+                <a16:creationId xmlns:a16="http://schemas.microsoft.com/office/drawing/2014/main" id="{1D176F72-AA3E-2D7D-ABF0-E77EB0F1BFD2}"/>
+              </a:ext>
+            </a:extLst>
+          </p:cNvPr>
+          <p:cNvPicPr>
+            <a:picLocks noChangeAspect="1" noChangeArrowheads="1"/>
+          </p:cNvPicPr>
+          <p:nvPr/>
+        </p:nvPicPr>
+        <p:blipFill>
+          <a:blip r:embed="rId3">
+            <a:extLst>
+              <a:ext uri="{28A0092B-C50C-407E-A947-70E740481C1C}">
+                <a14:useLocalDpi xmlns:a14="http://schemas.microsoft.com/office/drawing/2010/main" val="0"/>
+              </a:ext>
+            </a:extLst>
+          </a:blip>
+          <a:srcRect/>
+          <a:stretch>
+            <a:fillRect/>
+          </a:stretch>
+        </p:blipFill>
+        <p:spPr bwMode="auto">
+          <a:xfrm>
+            <a:off x="8556867" y="3176548"/>
+            <a:ext cx="1301708" cy="1301708"/>
+          </a:xfrm>
+          <a:prstGeom prst="rect">
+            <a:avLst/>
+          </a:prstGeom>
+          <a:noFill/>
+          <a:extLst>
+            <a:ext uri="{909E8E84-426E-40DD-AFC4-6F175D3DCCD1}">
+              <a14:hiddenFill xmlns:a14="http://schemas.microsoft.com/office/drawing/2010/main">
+                <a:solidFill>
+                  <a:srgbClr val="FFFFFF"/>
+                </a:solidFill>
+              </a14:hiddenFill>
+            </a:ext>
+          </a:extLst>
+        </p:spPr>
+      </p:pic>
+      <p:pic>
+        <p:nvPicPr>
+          <p:cNvPr id="10" name="Picture 12" descr="scikit-learn - Wikipedia">
+            <a:extLst>
+              <a:ext uri="{FF2B5EF4-FFF2-40B4-BE49-F238E27FC236}">
+                <a16:creationId xmlns:a16="http://schemas.microsoft.com/office/drawing/2014/main" id="{34825CA6-B2F9-76D0-40C9-92C3406A8DBD}"/>
+              </a:ext>
+            </a:extLst>
+          </p:cNvPr>
+          <p:cNvPicPr>
+            <a:picLocks noChangeAspect="1" noChangeArrowheads="1"/>
+          </p:cNvPicPr>
+          <p:nvPr/>
+        </p:nvPicPr>
+        <p:blipFill>
+          <a:blip r:embed="rId4">
+            <a:extLst>
+              <a:ext uri="{28A0092B-C50C-407E-A947-70E740481C1C}">
+                <a14:useLocalDpi xmlns:a14="http://schemas.microsoft.com/office/drawing/2010/main" val="0"/>
+              </a:ext>
+            </a:extLst>
+          </a:blip>
+          <a:srcRect/>
+          <a:stretch>
+            <a:fillRect/>
+          </a:stretch>
+        </p:blipFill>
+        <p:spPr bwMode="auto">
+          <a:xfrm>
+            <a:off x="10047917" y="3153819"/>
+            <a:ext cx="1621924" cy="873051"/>
+          </a:xfrm>
+          <a:prstGeom prst="rect">
+            <a:avLst/>
+          </a:prstGeom>
+          <a:noFill/>
+          <a:extLst>
+            <a:ext uri="{909E8E84-426E-40DD-AFC4-6F175D3DCCD1}">
+              <a14:hiddenFill xmlns:a14="http://schemas.microsoft.com/office/drawing/2010/main">
+                <a:solidFill>
+                  <a:srgbClr val="FFFFFF"/>
+                </a:solidFill>
+              </a14:hiddenFill>
+            </a:ext>
+          </a:extLst>
+        </p:spPr>
+      </p:pic>
+      <p:sp>
+        <p:nvSpPr>
+          <p:cNvPr id="11" name="TextBox 10">
+            <a:extLst>
+              <a:ext uri="{FF2B5EF4-FFF2-40B4-BE49-F238E27FC236}">
+                <a16:creationId xmlns:a16="http://schemas.microsoft.com/office/drawing/2014/main" id="{EFE6851F-EF27-B531-3709-C5F3348A4768}"/>
+              </a:ext>
+            </a:extLst>
+          </p:cNvPr>
+          <p:cNvSpPr txBox="1"/>
+          <p:nvPr/>
+        </p:nvSpPr>
+        <p:spPr>
+          <a:xfrm>
+            <a:off x="1222571" y="1474068"/>
+            <a:ext cx="4765287" cy="461665"/>
+          </a:xfrm>
+          <a:prstGeom prst="rect">
+            <a:avLst/>
+          </a:prstGeom>
+          <a:noFill/>
+        </p:spPr>
+        <p:txBody>
+          <a:bodyPr wrap="square" rtlCol="0">
+            <a:spAutoFit/>
+          </a:bodyPr>
+          <a:lstStyle/>
+          <a:p>
+            <a:r>
+              <a:rPr lang="en-US" sz="2400" dirty="0">
+                <a:latin typeface="Times New Roman" panose="02020603050405020304" pitchFamily="18" charset="0"/>
+                <a:cs typeface="Times New Roman" panose="02020603050405020304" pitchFamily="18" charset="0"/>
+              </a:rPr>
+              <a:t>Easy access to large amounts of data</a:t>
+            </a:r>
+          </a:p>
+        </p:txBody>
+      </p:sp>
+      <p:pic>
+        <p:nvPicPr>
+          <p:cNvPr id="12" name="Picture 11">
+            <a:extLst>
+              <a:ext uri="{FF2B5EF4-FFF2-40B4-BE49-F238E27FC236}">
+                <a16:creationId xmlns:a16="http://schemas.microsoft.com/office/drawing/2014/main" id="{E1211620-EB05-42EC-B1F4-7EE8C1026EFD}"/>
+              </a:ext>
+            </a:extLst>
+          </p:cNvPr>
+          <p:cNvPicPr>
+            <a:picLocks noChangeAspect="1"/>
+          </p:cNvPicPr>
+          <p:nvPr/>
+        </p:nvPicPr>
+        <p:blipFill>
+          <a:blip r:embed="rId5"/>
+          <a:stretch>
+            <a:fillRect/>
+          </a:stretch>
+        </p:blipFill>
+        <p:spPr>
+          <a:xfrm>
+            <a:off x="1370165" y="3153141"/>
+            <a:ext cx="4178300" cy="635000"/>
+          </a:xfrm>
+          <a:prstGeom prst="rect">
+            <a:avLst/>
+          </a:prstGeom>
+        </p:spPr>
+      </p:pic>
+      <p:pic>
+        <p:nvPicPr>
+          <p:cNvPr id="13" name="Picture 4" descr="data.gov - Wikipedia">
+            <a:extLst>
+              <a:ext uri="{FF2B5EF4-FFF2-40B4-BE49-F238E27FC236}">
+                <a16:creationId xmlns:a16="http://schemas.microsoft.com/office/drawing/2014/main" id="{0C28CA62-59BC-9AD9-FE4E-34DEB07A4250}"/>
+              </a:ext>
+            </a:extLst>
+          </p:cNvPr>
+          <p:cNvPicPr>
+            <a:picLocks noChangeAspect="1" noChangeArrowheads="1"/>
+          </p:cNvPicPr>
+          <p:nvPr/>
+        </p:nvPicPr>
+        <p:blipFill rotWithShape="1">
+          <a:blip r:embed="rId6">
+            <a:extLst>
+              <a:ext uri="{28A0092B-C50C-407E-A947-70E740481C1C}">
+                <a14:useLocalDpi xmlns:a14="http://schemas.microsoft.com/office/drawing/2010/main" val="0"/>
+              </a:ext>
+            </a:extLst>
+          </a:blip>
+          <a:srcRect t="35001" b="28060"/>
+          <a:stretch/>
+        </p:blipFill>
+        <p:spPr bwMode="auto">
+          <a:xfrm>
+            <a:off x="2488890" y="3788141"/>
+            <a:ext cx="1940850" cy="716934"/>
+          </a:xfrm>
+          <a:prstGeom prst="rect">
+            <a:avLst/>
+          </a:prstGeom>
+          <a:noFill/>
+          <a:extLst>
+            <a:ext uri="{909E8E84-426E-40DD-AFC4-6F175D3DCCD1}">
+              <a14:hiddenFill xmlns:a14="http://schemas.microsoft.com/office/drawing/2010/main">
+                <a:solidFill>
+                  <a:srgbClr val="FFFFFF"/>
+                </a:solidFill>
+              </a14:hiddenFill>
+            </a:ext>
+          </a:extLst>
+        </p:spPr>
+      </p:pic>
+      <p:cxnSp>
+        <p:nvCxnSpPr>
+          <p:cNvPr id="14" name="Straight Connector 13">
+            <a:extLst>
+              <a:ext uri="{FF2B5EF4-FFF2-40B4-BE49-F238E27FC236}">
+                <a16:creationId xmlns:a16="http://schemas.microsoft.com/office/drawing/2014/main" id="{5E3230D7-54D3-9EB8-8992-1D529D6804E6}"/>
+              </a:ext>
+            </a:extLst>
+          </p:cNvPr>
+          <p:cNvCxnSpPr>
+            <a:cxnSpLocks/>
+          </p:cNvCxnSpPr>
+          <p:nvPr/>
+        </p:nvCxnSpPr>
+        <p:spPr>
+          <a:xfrm>
+            <a:off x="6551265" y="2197077"/>
+            <a:ext cx="0" cy="2521127"/>
+          </a:xfrm>
+          <a:prstGeom prst="line">
+            <a:avLst/>
+          </a:prstGeom>
+          <a:ln w="31750"/>
+        </p:spPr>
+        <p:style>
+          <a:lnRef idx="1">
+            <a:schemeClr val="dk1"/>
+          </a:lnRef>
+          <a:fillRef idx="0">
+            <a:schemeClr val="dk1"/>
+          </a:fillRef>
+          <a:effectRef idx="0">
+            <a:schemeClr val="dk1"/>
+          </a:effectRef>
+          <a:fontRef idx="minor">
+            <a:schemeClr val="tx1"/>
+          </a:fontRef>
+        </p:style>
+      </p:cxnSp>
+      <p:sp>
+        <p:nvSpPr>
+          <p:cNvPr id="15" name="Rounded Rectangle 14">
+            <a:extLst>
+              <a:ext uri="{FF2B5EF4-FFF2-40B4-BE49-F238E27FC236}">
+                <a16:creationId xmlns:a16="http://schemas.microsoft.com/office/drawing/2014/main" id="{B0A91AAC-22EC-E1CB-4DF0-C417324D7DD2}"/>
+              </a:ext>
+            </a:extLst>
+          </p:cNvPr>
+          <p:cNvSpPr/>
+          <p:nvPr/>
+        </p:nvSpPr>
+        <p:spPr>
+          <a:xfrm>
+            <a:off x="3556000" y="5367867"/>
+            <a:ext cx="2099733" cy="1066392"/>
+          </a:xfrm>
+          <a:prstGeom prst="roundRect">
+            <a:avLst/>
+          </a:prstGeom>
+          <a:solidFill>
+            <a:schemeClr val="bg1">
+              <a:lumMod val="75000"/>
+            </a:schemeClr>
+          </a:solidFill>
+          <a:ln>
+            <a:solidFill>
+              <a:schemeClr val="tx1"/>
+            </a:solidFill>
+          </a:ln>
+        </p:spPr>
+        <p:style>
+          <a:lnRef idx="2">
+            <a:schemeClr val="accent1">
+              <a:shade val="50000"/>
+            </a:schemeClr>
+          </a:lnRef>
+          <a:fillRef idx="1">
+            <a:schemeClr val="accent1"/>
+          </a:fillRef>
+          <a:effectRef idx="0">
+            <a:schemeClr val="accent1"/>
+          </a:effectRef>
+          <a:fontRef idx="minor">
+            <a:schemeClr val="lt1"/>
+          </a:fontRef>
+        </p:style>
+        <p:txBody>
+          <a:bodyPr rtlCol="0" anchor="ctr"/>
+          <a:lstStyle/>
+          <a:p>
+            <a:pPr algn="ctr"/>
+            <a:r>
+              <a:rPr lang="en-US" dirty="0">
+                <a:solidFill>
+                  <a:schemeClr val="tx1"/>
+                </a:solidFill>
+                <a:latin typeface="Times New Roman" panose="02020603050405020304" pitchFamily="18" charset="0"/>
+                <a:cs typeface="Times New Roman" panose="02020603050405020304" pitchFamily="18" charset="0"/>
+              </a:rPr>
+              <a:t>Input Dataset</a:t>
+            </a:r>
+          </a:p>
+        </p:txBody>
+      </p:sp>
+      <p:sp>
+        <p:nvSpPr>
+          <p:cNvPr id="16" name="Rounded Rectangle 15">
+            <a:extLst>
+              <a:ext uri="{FF2B5EF4-FFF2-40B4-BE49-F238E27FC236}">
+                <a16:creationId xmlns:a16="http://schemas.microsoft.com/office/drawing/2014/main" id="{50101923-3EB2-FAFD-368C-862EBC42FD43}"/>
+              </a:ext>
+            </a:extLst>
+          </p:cNvPr>
+          <p:cNvSpPr/>
+          <p:nvPr/>
+        </p:nvSpPr>
+        <p:spPr>
+          <a:xfrm>
+            <a:off x="7210457" y="5367867"/>
+            <a:ext cx="2099733" cy="1066392"/>
+          </a:xfrm>
+          <a:prstGeom prst="roundRect">
+            <a:avLst/>
+          </a:prstGeom>
+          <a:solidFill>
+            <a:schemeClr val="bg1">
+              <a:lumMod val="75000"/>
+            </a:schemeClr>
+          </a:solidFill>
+          <a:ln>
+            <a:solidFill>
+              <a:schemeClr val="tx1"/>
+            </a:solidFill>
+          </a:ln>
+        </p:spPr>
+        <p:style>
+          <a:lnRef idx="2">
+            <a:schemeClr val="accent1">
+              <a:shade val="50000"/>
+            </a:schemeClr>
+          </a:lnRef>
+          <a:fillRef idx="1">
+            <a:schemeClr val="accent1"/>
+          </a:fillRef>
+          <a:effectRef idx="0">
+            <a:schemeClr val="accent1"/>
+          </a:effectRef>
+          <a:fontRef idx="minor">
+            <a:schemeClr val="lt1"/>
+          </a:fontRef>
+        </p:style>
+        <p:txBody>
+          <a:bodyPr rtlCol="0" anchor="ctr"/>
+          <a:lstStyle/>
+          <a:p>
+            <a:pPr algn="ctr"/>
+            <a:r>
+              <a:rPr lang="en-US" dirty="0">
+                <a:solidFill>
+                  <a:schemeClr val="tx1"/>
+                </a:solidFill>
+                <a:latin typeface="Times New Roman" panose="02020603050405020304" pitchFamily="18" charset="0"/>
+                <a:cs typeface="Times New Roman" panose="02020603050405020304" pitchFamily="18" charset="0"/>
+              </a:rPr>
+              <a:t>Pipeline Implementation</a:t>
+            </a:r>
+          </a:p>
+        </p:txBody>
+      </p:sp>
+      <p:sp>
+        <p:nvSpPr>
+          <p:cNvPr id="17" name="Right Arrow 16">
+            <a:extLst>
+              <a:ext uri="{FF2B5EF4-FFF2-40B4-BE49-F238E27FC236}">
+                <a16:creationId xmlns:a16="http://schemas.microsoft.com/office/drawing/2014/main" id="{FEFA99B0-65C8-B202-6CBA-4E4DF3A263AA}"/>
+              </a:ext>
+            </a:extLst>
+          </p:cNvPr>
+          <p:cNvSpPr/>
+          <p:nvPr/>
+        </p:nvSpPr>
+        <p:spPr>
+          <a:xfrm>
+            <a:off x="5987859" y="5621838"/>
+            <a:ext cx="1134534" cy="558449"/>
+          </a:xfrm>
+          <a:prstGeom prst="rightArrow">
+            <a:avLst/>
+          </a:prstGeom>
+          <a:solidFill>
+            <a:schemeClr val="tx1">
+              <a:lumMod val="50000"/>
+              <a:lumOff val="50000"/>
+            </a:schemeClr>
+          </a:solidFill>
+          <a:ln>
+            <a:solidFill>
+              <a:schemeClr val="tx1"/>
+            </a:solidFill>
+          </a:ln>
+        </p:spPr>
+        <p:style>
+          <a:lnRef idx="2">
+            <a:schemeClr val="accent1">
+              <a:shade val="50000"/>
+            </a:schemeClr>
+          </a:lnRef>
+          <a:fillRef idx="1">
+            <a:schemeClr val="accent1"/>
+          </a:fillRef>
+          <a:effectRef idx="0">
+            <a:schemeClr val="accent1"/>
+          </a:effectRef>
+          <a:fontRef idx="minor">
+            <a:schemeClr val="lt1"/>
+          </a:fontRef>
+        </p:style>
+        <p:txBody>
+          <a:bodyPr rtlCol="0" anchor="ctr"/>
+          <a:lstStyle/>
+          <a:p>
+            <a:pPr algn="ctr"/>
+            <a:endParaRPr lang="en-US"/>
+          </a:p>
+        </p:txBody>
+      </p:sp>
+      <p:sp>
+        <p:nvSpPr>
+          <p:cNvPr id="20" name="Rounded Rectangular Callout 19">
+            <a:extLst>
+              <a:ext uri="{FF2B5EF4-FFF2-40B4-BE49-F238E27FC236}">
+                <a16:creationId xmlns:a16="http://schemas.microsoft.com/office/drawing/2014/main" id="{233B2154-F3C9-4144-9CDD-DCF627FB77C5}"/>
+              </a:ext>
+            </a:extLst>
+          </p:cNvPr>
+          <p:cNvSpPr/>
+          <p:nvPr/>
+        </p:nvSpPr>
+        <p:spPr>
+          <a:xfrm>
+            <a:off x="1137693" y="2231531"/>
+            <a:ext cx="10227734" cy="1483551"/>
+          </a:xfrm>
+          <a:prstGeom prst="wedgeRoundRectCallout">
+            <a:avLst>
+              <a:gd name="adj1" fmla="val 2216"/>
+              <a:gd name="adj2" fmla="val 174656"/>
+              <a:gd name="adj3" fmla="val 16667"/>
+            </a:avLst>
+          </a:prstGeom>
+          <a:solidFill>
+            <a:schemeClr val="bg1">
+              <a:lumMod val="85000"/>
+            </a:schemeClr>
+          </a:solidFill>
+          <a:ln>
+            <a:solidFill>
+              <a:schemeClr val="tx1"/>
+            </a:solidFill>
+          </a:ln>
+        </p:spPr>
+        <p:style>
+          <a:lnRef idx="2">
+            <a:schemeClr val="accent1">
+              <a:shade val="50000"/>
+            </a:schemeClr>
+          </a:lnRef>
+          <a:fillRef idx="1">
+            <a:schemeClr val="accent1"/>
+          </a:fillRef>
+          <a:effectRef idx="0">
+            <a:schemeClr val="accent1"/>
+          </a:effectRef>
+          <a:fontRef idx="minor">
+            <a:schemeClr val="lt1"/>
+          </a:fontRef>
+        </p:style>
+        <p:txBody>
+          <a:bodyPr rtlCol="0" anchor="ctr"/>
+          <a:lstStyle/>
+          <a:p>
+            <a:pPr algn="ctr"/>
+            <a:r>
+              <a:rPr lang="en-US" sz="4000" dirty="0">
+                <a:solidFill>
+                  <a:schemeClr val="tx1"/>
+                </a:solidFill>
+                <a:latin typeface="Times New Roman" panose="02020603050405020304" pitchFamily="18" charset="0"/>
+                <a:cs typeface="Times New Roman" panose="02020603050405020304" pitchFamily="18" charset="0"/>
+              </a:rPr>
+              <a:t>Mismatch between pipeline’s assumptions of input data and the actual input data</a:t>
+            </a:r>
+            <a:endParaRPr lang="en-US" sz="4000" dirty="0">
+              <a:solidFill>
+                <a:schemeClr val="tx1"/>
+              </a:solidFill>
+            </a:endParaRPr>
+          </a:p>
+        </p:txBody>
+      </p:sp>
+      <p:pic>
+        <p:nvPicPr>
+          <p:cNvPr id="1026" name="Picture 2" descr="Free Error Cliparts, Download Free Error Cliparts png images, Free ClipArts  on Clipart Library">
+            <a:extLst>
+              <a:ext uri="{FF2B5EF4-FFF2-40B4-BE49-F238E27FC236}">
+                <a16:creationId xmlns:a16="http://schemas.microsoft.com/office/drawing/2014/main" id="{3336B7E5-0D23-2D90-EFAD-34D7E593DB01}"/>
+              </a:ext>
+            </a:extLst>
+          </p:cNvPr>
+          <p:cNvPicPr>
+            <a:picLocks noChangeAspect="1" noChangeArrowheads="1"/>
+          </p:cNvPicPr>
+          <p:nvPr/>
+        </p:nvPicPr>
+        <p:blipFill>
+          <a:blip r:embed="rId7">
+            <a:extLst>
+              <a:ext uri="{28A0092B-C50C-407E-A947-70E740481C1C}">
+                <a14:useLocalDpi xmlns:a14="http://schemas.microsoft.com/office/drawing/2010/main" val="0"/>
+              </a:ext>
+            </a:extLst>
+          </a:blip>
+          <a:srcRect/>
+          <a:stretch>
+            <a:fillRect/>
+          </a:stretch>
+        </p:blipFill>
+        <p:spPr bwMode="auto">
+          <a:xfrm>
+            <a:off x="3084078" y="665560"/>
+            <a:ext cx="6318682" cy="5805625"/>
+          </a:xfrm>
+          <a:prstGeom prst="rect">
+            <a:avLst/>
+          </a:prstGeom>
+          <a:noFill/>
+          <a:extLst>
+            <a:ext uri="{909E8E84-426E-40DD-AFC4-6F175D3DCCD1}">
+              <a14:hiddenFill xmlns:a14="http://schemas.microsoft.com/office/drawing/2010/main">
+                <a:solidFill>
+                  <a:srgbClr val="FFFFFF"/>
+                </a:solidFill>
+              </a14:hiddenFill>
+            </a:ext>
+          </a:extLst>
+        </p:spPr>
+      </p:pic>
+    </p:spTree>
+    <p:extLst>
+      <p:ext uri="{BB962C8B-B14F-4D97-AF65-F5344CB8AC3E}">
+        <p14:creationId xmlns:p14="http://schemas.microsoft.com/office/powerpoint/2010/main" val="1941177564"/>
+      </p:ext>
+    </p:extLst>
+  </p:cSld>
+  <p:clrMapOvr>
+    <a:masterClrMapping/>
+  </p:clrMapOvr>
+  <mc:AlternateContent xmlns:mc="http://schemas.openxmlformats.org/markup-compatibility/2006" xmlns:p14="http://schemas.microsoft.com/office/powerpoint/2010/main">
+    <mc:Choice Requires="p14">
+      <p:transition p14:dur="0"/>
+    </mc:Choice>
+    <mc:Fallback xmlns="">
+      <p:transition/>
+    </mc:Fallback>
+  </mc:AlternateContent>
+  <p:timing>
+    <p:tnLst>
+      <p:par>
+        <p:cTn id="1" dur="indefinite" restart="never" nodeType="tmRoot">
+          <p:childTnLst>
+            <p:seq concurrent="1" nextAc="seek">
+              <p:cTn id="2" dur="indefinite" nodeType="mainSeq">
+                <p:childTnLst>
+                  <p:par>
+                    <p:cTn id="3" fill="hold">
+                      <p:stCondLst>
+                        <p:cond delay="indefinite"/>
+                      </p:stCondLst>
+                      <p:childTnLst>
+                        <p:par>
+                          <p:cTn id="4" fill="hold">
+                            <p:stCondLst>
+                              <p:cond delay="0"/>
+                            </p:stCondLst>
+                            <p:childTnLst>
+                              <p:par>
+                                <p:cTn id="5" presetID="1" presetClass="entr" presetSubtype="0" fill="hold" nodeType="clickEffect">
+                                  <p:stCondLst>
+                                    <p:cond delay="0"/>
+                                  </p:stCondLst>
+                                  <p:childTnLst>
+                                    <p:set>
+                                      <p:cBhvr>
+                                        <p:cTn id="6" dur="1" fill="hold">
+                                          <p:stCondLst>
+                                            <p:cond delay="0"/>
+                                          </p:stCondLst>
+                                        </p:cTn>
+                                        <p:tgtEl>
+                                          <p:spTgt spid="14"/>
+                                        </p:tgtEl>
+                                        <p:attrNameLst>
+                                          <p:attrName>style.visibility</p:attrName>
+                                        </p:attrNameLst>
+                                      </p:cBhvr>
+                                      <p:to>
+                                        <p:strVal val="visible"/>
+                                      </p:to>
+                                    </p:set>
+                                  </p:childTnLst>
+                                </p:cTn>
+                              </p:par>
+                              <p:par>
+                                <p:cTn id="7" presetID="1" presetClass="entr" presetSubtype="0" fill="hold" grpId="0" nodeType="withEffect">
+                                  <p:stCondLst>
+                                    <p:cond delay="0"/>
+                                  </p:stCondLst>
+                                  <p:childTnLst>
+                                    <p:set>
+                                      <p:cBhvr>
+                                        <p:cTn id="8" dur="1" fill="hold">
+                                          <p:stCondLst>
+                                            <p:cond delay="0"/>
+                                          </p:stCondLst>
+                                        </p:cTn>
+                                        <p:tgtEl>
+                                          <p:spTgt spid="7"/>
+                                        </p:tgtEl>
+                                        <p:attrNameLst>
+                                          <p:attrName>style.visibility</p:attrName>
+                                        </p:attrNameLst>
+                                      </p:cBhvr>
+                                      <p:to>
+                                        <p:strVal val="visible"/>
+                                      </p:to>
+                                    </p:set>
+                                  </p:childTnLst>
+                                </p:cTn>
+                              </p:par>
+                              <p:par>
+                                <p:cTn id="9" presetID="1" presetClass="entr" presetSubtype="0" fill="hold" nodeType="withEffect">
+                                  <p:stCondLst>
+                                    <p:cond delay="0"/>
+                                  </p:stCondLst>
+                                  <p:childTnLst>
+                                    <p:set>
+                                      <p:cBhvr>
+                                        <p:cTn id="10" dur="1" fill="hold">
+                                          <p:stCondLst>
+                                            <p:cond delay="0"/>
+                                          </p:stCondLst>
+                                        </p:cTn>
+                                        <p:tgtEl>
+                                          <p:spTgt spid="8"/>
+                                        </p:tgtEl>
+                                        <p:attrNameLst>
+                                          <p:attrName>style.visibility</p:attrName>
+                                        </p:attrNameLst>
+                                      </p:cBhvr>
+                                      <p:to>
+                                        <p:strVal val="visible"/>
+                                      </p:to>
+                                    </p:set>
+                                  </p:childTnLst>
+                                </p:cTn>
+                              </p:par>
+                              <p:par>
+                                <p:cTn id="11" presetID="1" presetClass="entr" presetSubtype="0" fill="hold" nodeType="withEffect">
+                                  <p:stCondLst>
+                                    <p:cond delay="0"/>
+                                  </p:stCondLst>
+                                  <p:childTnLst>
+                                    <p:set>
+                                      <p:cBhvr>
+                                        <p:cTn id="12" dur="1" fill="hold">
+                                          <p:stCondLst>
+                                            <p:cond delay="0"/>
+                                          </p:stCondLst>
+                                        </p:cTn>
+                                        <p:tgtEl>
+                                          <p:spTgt spid="9"/>
+                                        </p:tgtEl>
+                                        <p:attrNameLst>
+                                          <p:attrName>style.visibility</p:attrName>
+                                        </p:attrNameLst>
+                                      </p:cBhvr>
+                                      <p:to>
+                                        <p:strVal val="visible"/>
+                                      </p:to>
+                                    </p:set>
+                                  </p:childTnLst>
+                                </p:cTn>
+                              </p:par>
+                              <p:par>
+                                <p:cTn id="13" presetID="1" presetClass="entr" presetSubtype="0" fill="hold" nodeType="withEffect">
+                                  <p:stCondLst>
+                                    <p:cond delay="0"/>
+                                  </p:stCondLst>
+                                  <p:childTnLst>
+                                    <p:set>
+                                      <p:cBhvr>
+                                        <p:cTn id="14" dur="1" fill="hold">
+                                          <p:stCondLst>
+                                            <p:cond delay="0"/>
+                                          </p:stCondLst>
+                                        </p:cTn>
+                                        <p:tgtEl>
+                                          <p:spTgt spid="10"/>
+                                        </p:tgtEl>
+                                        <p:attrNameLst>
+                                          <p:attrName>style.visibility</p:attrName>
+                                        </p:attrNameLst>
+                                      </p:cBhvr>
+                                      <p:to>
+                                        <p:strVal val="visible"/>
+                                      </p:to>
+                                    </p:set>
+                                  </p:childTnLst>
+                                </p:cTn>
+                              </p:par>
+                              <p:par>
+                                <p:cTn id="15" presetID="1" presetClass="entr" presetSubtype="0" fill="hold" grpId="0" nodeType="withEffect">
+                                  <p:stCondLst>
+                                    <p:cond delay="0"/>
+                                  </p:stCondLst>
+                                  <p:childTnLst>
+                                    <p:set>
+                                      <p:cBhvr>
+                                        <p:cTn id="16" dur="1" fill="hold">
+                                          <p:stCondLst>
+                                            <p:cond delay="0"/>
+                                          </p:stCondLst>
+                                        </p:cTn>
+                                        <p:tgtEl>
+                                          <p:spTgt spid="16"/>
+                                        </p:tgtEl>
+                                        <p:attrNameLst>
+                                          <p:attrName>style.visibility</p:attrName>
+                                        </p:attrNameLst>
+                                      </p:cBhvr>
+                                      <p:to>
+                                        <p:strVal val="visible"/>
+                                      </p:to>
+                                    </p:set>
+                                  </p:childTnLst>
+                                </p:cTn>
+                              </p:par>
+                            </p:childTnLst>
+                          </p:cTn>
+                        </p:par>
+                      </p:childTnLst>
+                    </p:cTn>
+                  </p:par>
+                  <p:par>
+                    <p:cTn id="17" fill="hold">
+                      <p:stCondLst>
+                        <p:cond delay="indefinite"/>
+                      </p:stCondLst>
+                      <p:childTnLst>
+                        <p:par>
+                          <p:cTn id="18" fill="hold">
+                            <p:stCondLst>
+                              <p:cond delay="0"/>
+                            </p:stCondLst>
+                            <p:childTnLst>
+                              <p:par>
+                                <p:cTn id="19" presetID="1" presetClass="entr" presetSubtype="0" fill="hold" grpId="0" nodeType="clickEffect">
+                                  <p:stCondLst>
+                                    <p:cond delay="0"/>
+                                  </p:stCondLst>
+                                  <p:childTnLst>
+                                    <p:set>
+                                      <p:cBhvr>
+                                        <p:cTn id="20" dur="1" fill="hold">
+                                          <p:stCondLst>
+                                            <p:cond delay="0"/>
+                                          </p:stCondLst>
+                                        </p:cTn>
+                                        <p:tgtEl>
+                                          <p:spTgt spid="17"/>
+                                        </p:tgtEl>
+                                        <p:attrNameLst>
+                                          <p:attrName>style.visibility</p:attrName>
+                                        </p:attrNameLst>
+                                      </p:cBhvr>
+                                      <p:to>
+                                        <p:strVal val="visible"/>
+                                      </p:to>
+                                    </p:set>
+                                  </p:childTnLst>
+                                </p:cTn>
+                              </p:par>
+                              <p:par>
+                                <p:cTn id="21" presetID="1" presetClass="entr" presetSubtype="0" fill="hold" grpId="0" nodeType="withEffect">
+                                  <p:stCondLst>
+                                    <p:cond delay="0"/>
+                                  </p:stCondLst>
+                                  <p:childTnLst>
+                                    <p:set>
+                                      <p:cBhvr>
+                                        <p:cTn id="22" dur="1" fill="hold">
+                                          <p:stCondLst>
+                                            <p:cond delay="0"/>
+                                          </p:stCondLst>
+                                        </p:cTn>
+                                        <p:tgtEl>
+                                          <p:spTgt spid="20"/>
+                                        </p:tgtEl>
+                                        <p:attrNameLst>
+                                          <p:attrName>style.visibility</p:attrName>
+                                        </p:attrNameLst>
+                                      </p:cBhvr>
+                                      <p:to>
+                                        <p:strVal val="visible"/>
+                                      </p:to>
+                                    </p:set>
+                                  </p:childTnLst>
+                                </p:cTn>
+                              </p:par>
+                            </p:childTnLst>
+                          </p:cTn>
+                        </p:par>
+                      </p:childTnLst>
+                    </p:cTn>
+                  </p:par>
+                  <p:par>
+                    <p:cTn id="23" fill="hold">
+                      <p:stCondLst>
+                        <p:cond delay="indefinite"/>
+                      </p:stCondLst>
+                      <p:childTnLst>
+                        <p:par>
+                          <p:cTn id="24" fill="hold">
+                            <p:stCondLst>
+                              <p:cond delay="0"/>
+                            </p:stCondLst>
+                            <p:childTnLst>
+                              <p:par>
+                                <p:cTn id="25" presetID="1" presetClass="entr" presetSubtype="0" fill="hold" nodeType="clickEffect">
+                                  <p:stCondLst>
+                                    <p:cond delay="0"/>
+                                  </p:stCondLst>
+                                  <p:childTnLst>
+                                    <p:set>
+                                      <p:cBhvr>
+                                        <p:cTn id="26" dur="1" fill="hold">
+                                          <p:stCondLst>
+                                            <p:cond delay="0"/>
+                                          </p:stCondLst>
+                                        </p:cTn>
+                                        <p:tgtEl>
+                                          <p:spTgt spid="1026"/>
+                                        </p:tgtEl>
+                                        <p:attrNameLst>
+                                          <p:attrName>style.visibility</p:attrName>
+                                        </p:attrNameLst>
+                                      </p:cBhvr>
+                                      <p:to>
+                                        <p:strVal val="visible"/>
+                                      </p:to>
+                                    </p:set>
+                                  </p:childTnLst>
+                                </p:cTn>
+                              </p:par>
+                            </p:childTnLst>
+                          </p:cTn>
+                        </p:par>
+                      </p:childTnLst>
+                    </p:cTn>
+                  </p:par>
+                </p:childTnLst>
+              </p:cTn>
+              <p:prevCondLst>
+                <p:cond evt="onPrev" delay="0">
+                  <p:tgtEl>
+                    <p:sldTgt/>
+                  </p:tgtEl>
+                </p:cond>
+              </p:prevCondLst>
+              <p:nextCondLst>
+                <p:cond evt="onNext" delay="0">
+                  <p:tgtEl>
+                    <p:sldTgt/>
+                  </p:tgtEl>
+                </p:cond>
+              </p:nextCondLst>
+            </p:seq>
+          </p:childTnLst>
+        </p:cTn>
+      </p:par>
+    </p:tnLst>
+    <p:bldLst>
+      <p:bldP spid="7" grpId="0"/>
+      <p:bldP spid="16" grpId="0" animBg="1"/>
+      <p:bldP spid="17" grpId="0" animBg="1"/>
+      <p:bldP spid="20" grpId="0" animBg="1"/>
+    </p:bldLst>
+  </p:timing>
 </p:sld>
 </file>
 
